--- a/Multithread-async.pptx
+++ b/Multithread-async.pptx
@@ -297,7 +297,7 @@
   </p:defaultTextStyle>
   <p:extLst>
     <p:ext uri="GoogleSlidesCustomDataVersion2">
-      <go:slidesCustomData xmlns:go="http://customooxmlschemas.google.com/" r:id="rId46" roundtripDataSignature="AMtx7mjzhJP/MDRJc+zN/fcNFm/x3ugaJw=="/>
+      <go:slidesCustomData xmlns:go="http://customooxmlschemas.google.com/" r:id="rId46" roundtripDataSignature="AMtx7mjb3pMrJr8dDRAGvRMsBTRtB3fV8g=="/>
     </p:ext>
   </p:extLst>
 </p:presentation>
@@ -2903,7 +2903,8 @@
               <a:buNone/>
             </a:pPr>
             <a:r>
-              <a:t/>
+              <a:rPr lang="ru-RU"/>
+              <a:t>Что под капотом у lock</a:t>
             </a:r>
             <a:endParaRPr/>
           </a:p>
@@ -2967,7 +2968,7 @@
   <p:cSld>
     <p:spTree>
       <p:nvGrpSpPr>
-        <p:cNvPr id="437" name="Shape 437"/>
+        <p:cNvPr id="438" name="Shape 438"/>
         <p:cNvGrpSpPr/>
         <p:nvPr/>
       </p:nvGrpSpPr>
@@ -2981,7 +2982,7 @@
       </p:grpSpPr>
       <p:sp>
         <p:nvSpPr>
-          <p:cNvPr id="438" name="Google Shape;438;g3250edfcd6d_0_434:notes"/>
+          <p:cNvPr id="439" name="Google Shape;439;g3250edfcd6d_0_434:notes"/>
           <p:cNvSpPr/>
           <p:nvPr>
             <p:ph idx="2" type="sldImg"/>
@@ -3016,7 +3017,7 @@
       </p:sp>
       <p:sp>
         <p:nvSpPr>
-          <p:cNvPr id="439" name="Google Shape;439;g3250edfcd6d_0_434:notes"/>
+          <p:cNvPr id="440" name="Google Shape;440;g3250edfcd6d_0_434:notes"/>
           <p:cNvSpPr txBox="1"/>
           <p:nvPr>
             <p:ph idx="1" type="body"/>
@@ -3055,7 +3056,7 @@
       </p:sp>
       <p:sp>
         <p:nvSpPr>
-          <p:cNvPr id="440" name="Google Shape;440;g3250edfcd6d_0_434:notes"/>
+          <p:cNvPr id="441" name="Google Shape;441;g3250edfcd6d_0_434:notes"/>
           <p:cNvSpPr txBox="1"/>
           <p:nvPr>
             <p:ph idx="12" type="sldNum"/>
@@ -3111,7 +3112,7 @@
   <p:cSld>
     <p:spTree>
       <p:nvGrpSpPr>
-        <p:cNvPr id="444" name="Shape 444"/>
+        <p:cNvPr id="445" name="Shape 445"/>
         <p:cNvGrpSpPr/>
         <p:nvPr/>
       </p:nvGrpSpPr>
@@ -3125,7 +3126,7 @@
       </p:grpSpPr>
       <p:sp>
         <p:nvSpPr>
-          <p:cNvPr id="445" name="Google Shape;445;g3250edfcd6d_0_441:notes"/>
+          <p:cNvPr id="446" name="Google Shape;446;g3250edfcd6d_0_441:notes"/>
           <p:cNvSpPr/>
           <p:nvPr>
             <p:ph idx="2" type="sldImg"/>
@@ -3160,7 +3161,7 @@
       </p:sp>
       <p:sp>
         <p:nvSpPr>
-          <p:cNvPr id="446" name="Google Shape;446;g3250edfcd6d_0_441:notes"/>
+          <p:cNvPr id="447" name="Google Shape;447;g3250edfcd6d_0_441:notes"/>
           <p:cNvSpPr txBox="1"/>
           <p:nvPr>
             <p:ph idx="1" type="body"/>
@@ -3199,7 +3200,7 @@
       </p:sp>
       <p:sp>
         <p:nvSpPr>
-          <p:cNvPr id="447" name="Google Shape;447;g3250edfcd6d_0_441:notes"/>
+          <p:cNvPr id="448" name="Google Shape;448;g3250edfcd6d_0_441:notes"/>
           <p:cNvSpPr txBox="1"/>
           <p:nvPr>
             <p:ph idx="12" type="sldNum"/>
@@ -3367,7 +3368,7 @@
   <p:cSld>
     <p:spTree>
       <p:nvGrpSpPr>
-        <p:cNvPr id="455" name="Shape 455"/>
+        <p:cNvPr id="456" name="Shape 456"/>
         <p:cNvGrpSpPr/>
         <p:nvPr/>
       </p:nvGrpSpPr>
@@ -3381,7 +3382,7 @@
       </p:grpSpPr>
       <p:sp>
         <p:nvSpPr>
-          <p:cNvPr id="456" name="Google Shape;456;g3250edfcd6d_0_447:notes"/>
+          <p:cNvPr id="457" name="Google Shape;457;g3250edfcd6d_0_447:notes"/>
           <p:cNvSpPr/>
           <p:nvPr>
             <p:ph idx="2" type="sldImg"/>
@@ -3416,7 +3417,7 @@
       </p:sp>
       <p:sp>
         <p:nvSpPr>
-          <p:cNvPr id="457" name="Google Shape;457;g3250edfcd6d_0_447:notes"/>
+          <p:cNvPr id="458" name="Google Shape;458;g3250edfcd6d_0_447:notes"/>
           <p:cNvSpPr txBox="1"/>
           <p:nvPr>
             <p:ph idx="1" type="body"/>
@@ -3455,7 +3456,7 @@
       </p:sp>
       <p:sp>
         <p:nvSpPr>
-          <p:cNvPr id="458" name="Google Shape;458;g3250edfcd6d_0_447:notes"/>
+          <p:cNvPr id="459" name="Google Shape;459;g3250edfcd6d_0_447:notes"/>
           <p:cNvSpPr txBox="1"/>
           <p:nvPr>
             <p:ph idx="12" type="sldNum"/>
@@ -3506,7 +3507,7 @@
   <p:cSld>
     <p:spTree>
       <p:nvGrpSpPr>
-        <p:cNvPr id="462" name="Shape 462"/>
+        <p:cNvPr id="463" name="Shape 463"/>
         <p:cNvGrpSpPr/>
         <p:nvPr/>
       </p:nvGrpSpPr>
@@ -3520,7 +3521,7 @@
       </p:grpSpPr>
       <p:sp>
         <p:nvSpPr>
-          <p:cNvPr id="463" name="Google Shape;463;g3250edfcd6d_0_453:notes"/>
+          <p:cNvPr id="464" name="Google Shape;464;g3250edfcd6d_0_453:notes"/>
           <p:cNvSpPr/>
           <p:nvPr>
             <p:ph idx="2" type="sldImg"/>
@@ -3555,7 +3556,7 @@
       </p:sp>
       <p:sp>
         <p:nvSpPr>
-          <p:cNvPr id="464" name="Google Shape;464;g3250edfcd6d_0_453:notes"/>
+          <p:cNvPr id="465" name="Google Shape;465;g3250edfcd6d_0_453:notes"/>
           <p:cNvSpPr txBox="1"/>
           <p:nvPr>
             <p:ph idx="1" type="body"/>
@@ -3594,7 +3595,7 @@
       </p:sp>
       <p:sp>
         <p:nvSpPr>
-          <p:cNvPr id="465" name="Google Shape;465;g3250edfcd6d_0_453:notes"/>
+          <p:cNvPr id="466" name="Google Shape;466;g3250edfcd6d_0_453:notes"/>
           <p:cNvSpPr txBox="1"/>
           <p:nvPr>
             <p:ph idx="12" type="sldNum"/>
@@ -3645,7 +3646,7 @@
   <p:cSld>
     <p:spTree>
       <p:nvGrpSpPr>
-        <p:cNvPr id="469" name="Shape 469"/>
+        <p:cNvPr id="470" name="Shape 470"/>
         <p:cNvGrpSpPr/>
         <p:nvPr/>
       </p:nvGrpSpPr>
@@ -3659,7 +3660,7 @@
       </p:grpSpPr>
       <p:sp>
         <p:nvSpPr>
-          <p:cNvPr id="470" name="Google Shape;470;g3250edfcd6d_0_469:notes"/>
+          <p:cNvPr id="471" name="Google Shape;471;g3250edfcd6d_0_469:notes"/>
           <p:cNvSpPr txBox="1"/>
           <p:nvPr>
             <p:ph idx="1" type="body"/>
@@ -3706,7 +3707,7 @@
       </p:sp>
       <p:sp>
         <p:nvSpPr>
-          <p:cNvPr id="471" name="Google Shape;471;g3250edfcd6d_0_469:notes"/>
+          <p:cNvPr id="472" name="Google Shape;472;g3250edfcd6d_0_469:notes"/>
           <p:cNvSpPr/>
           <p:nvPr>
             <p:ph idx="2" type="sldImg"/>
@@ -3762,7 +3763,7 @@
   <p:cSld>
     <p:spTree>
       <p:nvGrpSpPr>
-        <p:cNvPr id="476" name="Shape 476"/>
+        <p:cNvPr id="477" name="Shape 477"/>
         <p:cNvGrpSpPr/>
         <p:nvPr/>
       </p:nvGrpSpPr>
@@ -3776,7 +3777,7 @@
       </p:grpSpPr>
       <p:sp>
         <p:nvSpPr>
-          <p:cNvPr id="477" name="Google Shape;477;g3250edfcd6d_0_477:notes"/>
+          <p:cNvPr id="478" name="Google Shape;478;g3250edfcd6d_0_477:notes"/>
           <p:cNvSpPr/>
           <p:nvPr>
             <p:ph idx="2" type="sldImg"/>
@@ -3811,7 +3812,7 @@
       </p:sp>
       <p:sp>
         <p:nvSpPr>
-          <p:cNvPr id="478" name="Google Shape;478;g3250edfcd6d_0_477:notes"/>
+          <p:cNvPr id="479" name="Google Shape;479;g3250edfcd6d_0_477:notes"/>
           <p:cNvSpPr txBox="1"/>
           <p:nvPr>
             <p:ph idx="1" type="body"/>
@@ -3858,7 +3859,7 @@
       </p:sp>
       <p:sp>
         <p:nvSpPr>
-          <p:cNvPr id="479" name="Google Shape;479;g3250edfcd6d_0_477:notes"/>
+          <p:cNvPr id="480" name="Google Shape;480;g3250edfcd6d_0_477:notes"/>
           <p:cNvSpPr txBox="1"/>
           <p:nvPr>
             <p:ph idx="12" type="sldNum"/>
@@ -3909,7 +3910,7 @@
   <p:cSld>
     <p:spTree>
       <p:nvGrpSpPr>
-        <p:cNvPr id="484" name="Shape 484"/>
+        <p:cNvPr id="485" name="Shape 485"/>
         <p:cNvGrpSpPr/>
         <p:nvPr/>
       </p:nvGrpSpPr>
@@ -3923,7 +3924,7 @@
       </p:grpSpPr>
       <p:sp>
         <p:nvSpPr>
-          <p:cNvPr id="485" name="Google Shape;485;g3250edfcd6d_0_487:notes"/>
+          <p:cNvPr id="486" name="Google Shape;486;g3250edfcd6d_0_487:notes"/>
           <p:cNvSpPr/>
           <p:nvPr>
             <p:ph idx="2" type="sldImg"/>
@@ -3958,7 +3959,7 @@
       </p:sp>
       <p:sp>
         <p:nvSpPr>
-          <p:cNvPr id="486" name="Google Shape;486;g3250edfcd6d_0_487:notes"/>
+          <p:cNvPr id="487" name="Google Shape;487;g3250edfcd6d_0_487:notes"/>
           <p:cNvSpPr txBox="1"/>
           <p:nvPr>
             <p:ph idx="1" type="body"/>
@@ -3997,7 +3998,7 @@
       </p:sp>
       <p:sp>
         <p:nvSpPr>
-          <p:cNvPr id="487" name="Google Shape;487;g3250edfcd6d_0_487:notes"/>
+          <p:cNvPr id="488" name="Google Shape;488;g3250edfcd6d_0_487:notes"/>
           <p:cNvSpPr txBox="1"/>
           <p:nvPr>
             <p:ph idx="12" type="sldNum"/>
@@ -4048,7 +4049,7 @@
   <p:cSld>
     <p:spTree>
       <p:nvGrpSpPr>
-        <p:cNvPr id="492" name="Shape 492"/>
+        <p:cNvPr id="493" name="Shape 493"/>
         <p:cNvGrpSpPr/>
         <p:nvPr/>
       </p:nvGrpSpPr>
@@ -4062,7 +4063,7 @@
       </p:grpSpPr>
       <p:sp>
         <p:nvSpPr>
-          <p:cNvPr id="493" name="Google Shape;493;g3250edfcd6d_0_496:notes"/>
+          <p:cNvPr id="494" name="Google Shape;494;g3250edfcd6d_0_496:notes"/>
           <p:cNvSpPr/>
           <p:nvPr>
             <p:ph idx="2" type="sldImg"/>
@@ -4097,7 +4098,7 @@
       </p:sp>
       <p:sp>
         <p:nvSpPr>
-          <p:cNvPr id="494" name="Google Shape;494;g3250edfcd6d_0_496:notes"/>
+          <p:cNvPr id="495" name="Google Shape;495;g3250edfcd6d_0_496:notes"/>
           <p:cNvSpPr txBox="1"/>
           <p:nvPr>
             <p:ph idx="1" type="body"/>
@@ -4136,7 +4137,7 @@
       </p:sp>
       <p:sp>
         <p:nvSpPr>
-          <p:cNvPr id="495" name="Google Shape;495;g3250edfcd6d_0_496:notes"/>
+          <p:cNvPr id="496" name="Google Shape;496;g3250edfcd6d_0_496:notes"/>
           <p:cNvSpPr txBox="1"/>
           <p:nvPr>
             <p:ph idx="12" type="sldNum"/>
@@ -4192,7 +4193,7 @@
   <p:cSld>
     <p:spTree>
       <p:nvGrpSpPr>
-        <p:cNvPr id="500" name="Shape 500"/>
+        <p:cNvPr id="501" name="Shape 501"/>
         <p:cNvGrpSpPr/>
         <p:nvPr/>
       </p:nvGrpSpPr>
@@ -4206,7 +4207,7 @@
       </p:grpSpPr>
       <p:sp>
         <p:nvSpPr>
-          <p:cNvPr id="501" name="Google Shape;501;g3250edfcd6d_0_504:notes"/>
+          <p:cNvPr id="502" name="Google Shape;502;g3250edfcd6d_0_504:notes"/>
           <p:cNvSpPr/>
           <p:nvPr>
             <p:ph idx="2" type="sldImg"/>
@@ -4241,7 +4242,7 @@
       </p:sp>
       <p:sp>
         <p:nvSpPr>
-          <p:cNvPr id="502" name="Google Shape;502;g3250edfcd6d_0_504:notes"/>
+          <p:cNvPr id="503" name="Google Shape;503;g3250edfcd6d_0_504:notes"/>
           <p:cNvSpPr txBox="1"/>
           <p:nvPr>
             <p:ph idx="1" type="body"/>
@@ -4280,7 +4281,7 @@
       </p:sp>
       <p:sp>
         <p:nvSpPr>
-          <p:cNvPr id="503" name="Google Shape;503;g3250edfcd6d_0_504:notes"/>
+          <p:cNvPr id="504" name="Google Shape;504;g3250edfcd6d_0_504:notes"/>
           <p:cNvSpPr txBox="1"/>
           <p:nvPr>
             <p:ph idx="12" type="sldNum"/>
@@ -4331,7 +4332,7 @@
   <p:cSld>
     <p:spTree>
       <p:nvGrpSpPr>
-        <p:cNvPr id="508" name="Shape 508"/>
+        <p:cNvPr id="509" name="Shape 509"/>
         <p:cNvGrpSpPr/>
         <p:nvPr/>
       </p:nvGrpSpPr>
@@ -4345,7 +4346,7 @@
       </p:grpSpPr>
       <p:sp>
         <p:nvSpPr>
-          <p:cNvPr id="509" name="Google Shape;509;g3250edfcd6d_0_512:notes"/>
+          <p:cNvPr id="510" name="Google Shape;510;g3250edfcd6d_0_512:notes"/>
           <p:cNvSpPr/>
           <p:nvPr>
             <p:ph idx="2" type="sldImg"/>
@@ -4380,7 +4381,7 @@
       </p:sp>
       <p:sp>
         <p:nvSpPr>
-          <p:cNvPr id="510" name="Google Shape;510;g3250edfcd6d_0_512:notes"/>
+          <p:cNvPr id="511" name="Google Shape;511;g3250edfcd6d_0_512:notes"/>
           <p:cNvSpPr txBox="1"/>
           <p:nvPr>
             <p:ph idx="1" type="body"/>
@@ -4419,7 +4420,7 @@
       </p:sp>
       <p:sp>
         <p:nvSpPr>
-          <p:cNvPr id="511" name="Google Shape;511;g3250edfcd6d_0_512:notes"/>
+          <p:cNvPr id="512" name="Google Shape;512;g3250edfcd6d_0_512:notes"/>
           <p:cNvSpPr txBox="1"/>
           <p:nvPr>
             <p:ph idx="12" type="sldNum"/>
@@ -4470,7 +4471,7 @@
   <p:cSld>
     <p:spTree>
       <p:nvGrpSpPr>
-        <p:cNvPr id="516" name="Shape 516"/>
+        <p:cNvPr id="517" name="Shape 517"/>
         <p:cNvGrpSpPr/>
         <p:nvPr/>
       </p:nvGrpSpPr>
@@ -4484,7 +4485,7 @@
       </p:grpSpPr>
       <p:sp>
         <p:nvSpPr>
-          <p:cNvPr id="517" name="Google Shape;517;g3250edfcd6d_0_521:notes"/>
+          <p:cNvPr id="518" name="Google Shape;518;g3250edfcd6d_0_521:notes"/>
           <p:cNvSpPr/>
           <p:nvPr>
             <p:ph idx="2" type="sldImg"/>
@@ -4519,7 +4520,7 @@
       </p:sp>
       <p:sp>
         <p:nvSpPr>
-          <p:cNvPr id="518" name="Google Shape;518;g3250edfcd6d_0_521:notes"/>
+          <p:cNvPr id="519" name="Google Shape;519;g3250edfcd6d_0_521:notes"/>
           <p:cNvSpPr txBox="1"/>
           <p:nvPr>
             <p:ph idx="1" type="body"/>
@@ -4558,7 +4559,7 @@
       </p:sp>
       <p:sp>
         <p:nvSpPr>
-          <p:cNvPr id="519" name="Google Shape;519;g3250edfcd6d_0_521:notes"/>
+          <p:cNvPr id="520" name="Google Shape;520;g3250edfcd6d_0_521:notes"/>
           <p:cNvSpPr txBox="1"/>
           <p:nvPr>
             <p:ph idx="12" type="sldNum"/>
@@ -4609,7 +4610,7 @@
   <p:cSld>
     <p:spTree>
       <p:nvGrpSpPr>
-        <p:cNvPr id="524" name="Shape 524"/>
+        <p:cNvPr id="525" name="Shape 525"/>
         <p:cNvGrpSpPr/>
         <p:nvPr/>
       </p:nvGrpSpPr>
@@ -4623,7 +4624,7 @@
       </p:grpSpPr>
       <p:sp>
         <p:nvSpPr>
-          <p:cNvPr id="525" name="Google Shape;525;g3250edfcd6d_0_531:notes"/>
+          <p:cNvPr id="526" name="Google Shape;526;g3250edfcd6d_0_531:notes"/>
           <p:cNvSpPr/>
           <p:nvPr>
             <p:ph idx="2" type="sldImg"/>
@@ -4658,7 +4659,7 @@
       </p:sp>
       <p:sp>
         <p:nvSpPr>
-          <p:cNvPr id="526" name="Google Shape;526;g3250edfcd6d_0_531:notes"/>
+          <p:cNvPr id="527" name="Google Shape;527;g3250edfcd6d_0_531:notes"/>
           <p:cNvSpPr txBox="1"/>
           <p:nvPr>
             <p:ph idx="1" type="body"/>
@@ -4697,7 +4698,7 @@
       </p:sp>
       <p:sp>
         <p:nvSpPr>
-          <p:cNvPr id="527" name="Google Shape;527;g3250edfcd6d_0_531:notes"/>
+          <p:cNvPr id="528" name="Google Shape;528;g3250edfcd6d_0_531:notes"/>
           <p:cNvSpPr txBox="1"/>
           <p:nvPr>
             <p:ph idx="12" type="sldNum"/>
@@ -4915,7 +4916,7 @@
   <p:cSld>
     <p:spTree>
       <p:nvGrpSpPr>
-        <p:cNvPr id="531" name="Shape 531"/>
+        <p:cNvPr id="532" name="Shape 532"/>
         <p:cNvGrpSpPr/>
         <p:nvPr/>
       </p:nvGrpSpPr>
@@ -4929,7 +4930,7 @@
       </p:grpSpPr>
       <p:sp>
         <p:nvSpPr>
-          <p:cNvPr id="532" name="Google Shape;532;g3250edfcd6d_0_538:notes"/>
+          <p:cNvPr id="533" name="Google Shape;533;g3250edfcd6d_0_538:notes"/>
           <p:cNvSpPr txBox="1"/>
           <p:nvPr>
             <p:ph idx="1" type="body"/>
@@ -4976,7 +4977,7 @@
       </p:sp>
       <p:sp>
         <p:nvSpPr>
-          <p:cNvPr id="533" name="Google Shape;533;g3250edfcd6d_0_538:notes"/>
+          <p:cNvPr id="534" name="Google Shape;534;g3250edfcd6d_0_538:notes"/>
           <p:cNvSpPr/>
           <p:nvPr>
             <p:ph idx="2" type="sldImg"/>
@@ -5032,7 +5033,7 @@
   <p:cSld>
     <p:spTree>
       <p:nvGrpSpPr>
-        <p:cNvPr id="541" name="Shape 541"/>
+        <p:cNvPr id="542" name="Shape 542"/>
         <p:cNvGrpSpPr/>
         <p:nvPr/>
       </p:nvGrpSpPr>
@@ -5046,7 +5047,7 @@
       </p:grpSpPr>
       <p:sp>
         <p:nvSpPr>
-          <p:cNvPr id="542" name="Google Shape;542;g3250edfcd6d_0_547:notes"/>
+          <p:cNvPr id="543" name="Google Shape;543;g3250edfcd6d_0_547:notes"/>
           <p:cNvSpPr txBox="1"/>
           <p:nvPr>
             <p:ph idx="1" type="body"/>
@@ -5093,7 +5094,7 @@
       </p:sp>
       <p:sp>
         <p:nvSpPr>
-          <p:cNvPr id="543" name="Google Shape;543;g3250edfcd6d_0_547:notes"/>
+          <p:cNvPr id="544" name="Google Shape;544;g3250edfcd6d_0_547:notes"/>
           <p:cNvSpPr/>
           <p:nvPr>
             <p:ph idx="2" type="sldImg"/>
@@ -40075,7 +40076,7 @@
                 <a:cs typeface="Montserrat"/>
                 <a:sym typeface="Montserrat"/>
               </a:rPr>
-              <a:t>поток ожидает события (блокирока/io/..)</a:t>
+              <a:t>Поток ожидает события (блокирока/io/..)</a:t>
             </a:r>
             <a:endParaRPr sz="1600">
               <a:solidFill>
@@ -40394,7 +40395,11 @@
             </a:pPr>
             <a:r>
               <a:rPr lang="ru-RU"/>
-              <a:t>Увилечение приоритета</a:t>
+              <a:t>Увеличение</a:t>
+            </a:r>
+            <a:r>
+              <a:rPr lang="ru-RU"/>
+              <a:t> приоритета</a:t>
             </a:r>
             <a:endParaRPr/>
           </a:p>
@@ -40479,7 +40484,11 @@
             </a:pPr>
             <a:r>
               <a:rPr lang="ru-RU"/>
-              <a:t>Увилечение приоритета сразу до 15</a:t>
+              <a:t>Увеличение</a:t>
+            </a:r>
+            <a:r>
+              <a:rPr lang="ru-RU"/>
+              <a:t> приоритета сразу до 15</a:t>
             </a:r>
             <a:endParaRPr/>
           </a:p>
@@ -40496,7 +40505,11 @@
             </a:pPr>
             <a:r>
               <a:rPr lang="ru-RU"/>
-              <a:t>Увилечение длины кванта</a:t>
+              <a:t>Увеличение</a:t>
+            </a:r>
+            <a:r>
+              <a:rPr lang="ru-RU"/>
+              <a:t> длины кванта</a:t>
             </a:r>
             <a:endParaRPr/>
           </a:p>
@@ -41447,8 +41460,8 @@
         </p:nvSpPr>
         <p:spPr>
           <a:xfrm>
-            <a:off x="587375" y="2528902"/>
-            <a:ext cx="11017200" cy="4238400"/>
+            <a:off x="587375" y="2528900"/>
+            <a:ext cx="4576200" cy="4238400"/>
           </a:xfrm>
           <a:prstGeom prst="rect">
             <a:avLst/>
@@ -42090,6 +42103,260 @@
           </a:p>
         </p:txBody>
       </p:sp>
+      <p:sp>
+        <p:nvSpPr>
+          <p:cNvPr id="437" name="Google Shape;437;g3250edfcd6d_0_426"/>
+          <p:cNvSpPr txBox="1"/>
+          <p:nvPr>
+            <p:ph idx="1" type="body"/>
+          </p:nvPr>
+        </p:nvSpPr>
+        <p:spPr>
+          <a:xfrm>
+            <a:off x="7332000" y="2528900"/>
+            <a:ext cx="4014900" cy="4238400"/>
+          </a:xfrm>
+          <a:prstGeom prst="rect">
+            <a:avLst/>
+          </a:prstGeom>
+        </p:spPr>
+        <p:txBody>
+          <a:bodyPr anchorCtr="0" anchor="t" bIns="0" lIns="0" spcFirstLastPara="1" rIns="0" wrap="square" tIns="0">
+            <a:noAutofit/>
+          </a:bodyPr>
+          <a:lstStyle/>
+          <a:p>
+            <a:pPr indent="0" lvl="0" marL="0" rtl="0" algn="l">
+              <a:spcBef>
+                <a:spcPts val="400"/>
+              </a:spcBef>
+              <a:spcAft>
+                <a:spcPts val="0"/>
+              </a:spcAft>
+              <a:buNone/>
+            </a:pPr>
+            <a:r>
+              <a:rPr lang="ru-RU" sz="1800">
+                <a:solidFill>
+                  <a:srgbClr val="2191FE"/>
+                </a:solidFill>
+              </a:rPr>
+              <a:t>var</a:t>
+            </a:r>
+            <a:r>
+              <a:rPr lang="ru-RU" sz="1800">
+                <a:solidFill>
+                  <a:srgbClr val="000000"/>
+                </a:solidFill>
+              </a:rPr>
+              <a:t> </a:t>
+            </a:r>
+            <a:r>
+              <a:rPr lang="ru-RU" sz="1800">
+                <a:solidFill>
+                  <a:schemeClr val="dk1"/>
+                </a:solidFill>
+              </a:rPr>
+              <a:t>lockObj</a:t>
+            </a:r>
+            <a:r>
+              <a:rPr lang="ru-RU" sz="1800">
+                <a:solidFill>
+                  <a:srgbClr val="000000"/>
+                </a:solidFill>
+              </a:rPr>
+              <a:t> </a:t>
+            </a:r>
+            <a:r>
+              <a:rPr lang="ru-RU" sz="1800">
+                <a:solidFill>
+                  <a:schemeClr val="dk1"/>
+                </a:solidFill>
+              </a:rPr>
+              <a:t>=</a:t>
+            </a:r>
+            <a:r>
+              <a:rPr lang="ru-RU" sz="1800">
+                <a:solidFill>
+                  <a:srgbClr val="000000"/>
+                </a:solidFill>
+              </a:rPr>
+              <a:t> </a:t>
+            </a:r>
+            <a:r>
+              <a:rPr lang="ru-RU" sz="1800">
+                <a:solidFill>
+                  <a:srgbClr val="2191FE"/>
+                </a:solidFill>
+              </a:rPr>
+              <a:t>new</a:t>
+            </a:r>
+            <a:r>
+              <a:rPr lang="ru-RU" sz="1800">
+                <a:solidFill>
+                  <a:srgbClr val="000000"/>
+                </a:solidFill>
+              </a:rPr>
+              <a:t> </a:t>
+            </a:r>
+            <a:r>
+              <a:rPr lang="ru-RU" sz="1800">
+                <a:solidFill>
+                  <a:srgbClr val="64D843"/>
+                </a:solidFill>
+              </a:rPr>
+              <a:t>Object</a:t>
+            </a:r>
+            <a:r>
+              <a:rPr lang="ru-RU" sz="1800">
+                <a:solidFill>
+                  <a:schemeClr val="dk1"/>
+                </a:solidFill>
+              </a:rPr>
+              <a:t>();</a:t>
+            </a:r>
+            <a:endParaRPr sz="1800">
+              <a:solidFill>
+                <a:srgbClr val="2191FE"/>
+              </a:solidFill>
+            </a:endParaRPr>
+          </a:p>
+          <a:p>
+            <a:pPr indent="0" lvl="0" marL="0" rtl="0" algn="l">
+              <a:spcBef>
+                <a:spcPts val="0"/>
+              </a:spcBef>
+              <a:spcAft>
+                <a:spcPts val="0"/>
+              </a:spcAft>
+              <a:buNone/>
+            </a:pPr>
+            <a:r>
+              <a:rPr lang="ru-RU" sz="1800">
+                <a:solidFill>
+                  <a:srgbClr val="2191FE"/>
+                </a:solidFill>
+              </a:rPr>
+              <a:t>lock </a:t>
+            </a:r>
+            <a:r>
+              <a:rPr lang="ru-RU" sz="1800">
+                <a:solidFill>
+                  <a:schemeClr val="dk1"/>
+                </a:solidFill>
+              </a:rPr>
+              <a:t>(lockObj)</a:t>
+            </a:r>
+            <a:endParaRPr sz="1800">
+              <a:solidFill>
+                <a:schemeClr val="dk1"/>
+              </a:solidFill>
+            </a:endParaRPr>
+          </a:p>
+          <a:p>
+            <a:pPr indent="0" lvl="0" marL="0" rtl="0" algn="l">
+              <a:spcBef>
+                <a:spcPts val="0"/>
+              </a:spcBef>
+              <a:spcAft>
+                <a:spcPts val="0"/>
+              </a:spcAft>
+              <a:buNone/>
+            </a:pPr>
+            <a:r>
+              <a:rPr lang="ru-RU" sz="1800">
+                <a:solidFill>
+                  <a:schemeClr val="dk1"/>
+                </a:solidFill>
+              </a:rPr>
+              <a:t>{</a:t>
+            </a:r>
+            <a:endParaRPr sz="1800">
+              <a:solidFill>
+                <a:schemeClr val="dk1"/>
+              </a:solidFill>
+            </a:endParaRPr>
+          </a:p>
+          <a:p>
+            <a:pPr indent="0" lvl="0" marL="0" rtl="0" algn="l">
+              <a:spcBef>
+                <a:spcPts val="0"/>
+              </a:spcBef>
+              <a:spcAft>
+                <a:spcPts val="0"/>
+              </a:spcAft>
+              <a:buNone/>
+            </a:pPr>
+            <a:r>
+              <a:rPr lang="ru-RU" sz="1800">
+                <a:solidFill>
+                  <a:srgbClr val="2191FE"/>
+                </a:solidFill>
+              </a:rPr>
+              <a:t>    </a:t>
+            </a:r>
+            <a:r>
+              <a:rPr lang="ru-RU" sz="1800">
+                <a:solidFill>
+                  <a:srgbClr val="64D843"/>
+                </a:solidFill>
+              </a:rPr>
+              <a:t>// Our code</a:t>
+            </a:r>
+            <a:endParaRPr sz="1800">
+              <a:solidFill>
+                <a:srgbClr val="2191FE"/>
+              </a:solidFill>
+            </a:endParaRPr>
+          </a:p>
+          <a:p>
+            <a:pPr indent="0" lvl="0" marL="0" rtl="0" algn="l">
+              <a:spcBef>
+                <a:spcPts val="0"/>
+              </a:spcBef>
+              <a:spcAft>
+                <a:spcPts val="0"/>
+              </a:spcAft>
+              <a:buNone/>
+            </a:pPr>
+            <a:r>
+              <a:rPr lang="ru-RU" sz="1800">
+                <a:solidFill>
+                  <a:schemeClr val="dk1"/>
+                </a:solidFill>
+              </a:rPr>
+              <a:t>}</a:t>
+            </a:r>
+            <a:endParaRPr sz="1800">
+              <a:solidFill>
+                <a:schemeClr val="dk1"/>
+              </a:solidFill>
+            </a:endParaRPr>
+          </a:p>
+          <a:p>
+            <a:pPr indent="0" lvl="0" marL="0" rtl="0" algn="l">
+              <a:lnSpc>
+                <a:spcPct val="100000"/>
+              </a:lnSpc>
+              <a:spcBef>
+                <a:spcPts val="0"/>
+              </a:spcBef>
+              <a:spcAft>
+                <a:spcPts val="0"/>
+              </a:spcAft>
+              <a:buNone/>
+            </a:pPr>
+            <a:r>
+              <a:t/>
+            </a:r>
+            <a:endParaRPr sz="1800">
+              <a:solidFill>
+                <a:srgbClr val="2191FE"/>
+              </a:solidFill>
+            </a:endParaRPr>
+          </a:p>
+        </p:txBody>
+      </p:sp>
     </p:spTree>
   </p:cSld>
   <p:clrMapOvr>
@@ -42103,7 +42370,7 @@
   <p:cSld>
     <p:spTree>
       <p:nvGrpSpPr>
-        <p:cNvPr id="441" name="Shape 441"/>
+        <p:cNvPr id="442" name="Shape 442"/>
         <p:cNvGrpSpPr/>
         <p:nvPr/>
       </p:nvGrpSpPr>
@@ -42117,7 +42384,7 @@
       </p:grpSpPr>
       <p:sp>
         <p:nvSpPr>
-          <p:cNvPr id="442" name="Google Shape;442;g3250edfcd6d_0_434"/>
+          <p:cNvPr id="443" name="Google Shape;443;g3250edfcd6d_0_434"/>
           <p:cNvSpPr txBox="1"/>
           <p:nvPr>
             <p:ph type="title"/>
@@ -42157,7 +42424,7 @@
       </p:sp>
       <p:pic>
         <p:nvPicPr>
-          <p:cNvPr id="443" name="Google Shape;443;g3250edfcd6d_0_434"/>
+          <p:cNvPr id="444" name="Google Shape;444;g3250edfcd6d_0_434"/>
           <p:cNvPicPr preferRelativeResize="0"/>
           <p:nvPr>
             <p:ph idx="2" type="pic"/>
@@ -42193,7 +42460,7 @@
   <p:cSld>
     <p:spTree>
       <p:nvGrpSpPr>
-        <p:cNvPr id="448" name="Shape 448"/>
+        <p:cNvPr id="449" name="Shape 449"/>
         <p:cNvGrpSpPr/>
         <p:nvPr/>
       </p:nvGrpSpPr>
@@ -42207,7 +42474,7 @@
       </p:grpSpPr>
       <p:sp>
         <p:nvSpPr>
-          <p:cNvPr id="449" name="Google Shape;449;g3250edfcd6d_0_441"/>
+          <p:cNvPr id="450" name="Google Shape;450;g3250edfcd6d_0_441"/>
           <p:cNvSpPr txBox="1"/>
           <p:nvPr>
             <p:ph type="title"/>
@@ -42247,7 +42514,7 @@
       </p:sp>
       <p:sp>
         <p:nvSpPr>
-          <p:cNvPr id="450" name="Google Shape;450;g3250edfcd6d_0_441"/>
+          <p:cNvPr id="451" name="Google Shape;451;g3250edfcd6d_0_441"/>
           <p:cNvSpPr txBox="1"/>
           <p:nvPr>
             <p:ph idx="1" type="body"/>
@@ -42359,7 +42626,7 @@
       </p:sp>
       <p:pic>
         <p:nvPicPr>
-          <p:cNvPr id="451" name="Google Shape;451;g3250edfcd6d_0_441"/>
+          <p:cNvPr id="452" name="Google Shape;452;g3250edfcd6d_0_441"/>
           <p:cNvPicPr preferRelativeResize="0"/>
           <p:nvPr/>
         </p:nvPicPr>
@@ -42386,7 +42653,7 @@
       </p:pic>
       <p:pic>
         <p:nvPicPr>
-          <p:cNvPr id="452" name="Google Shape;452;g3250edfcd6d_0_441"/>
+          <p:cNvPr id="453" name="Google Shape;453;g3250edfcd6d_0_441"/>
           <p:cNvPicPr preferRelativeResize="0"/>
           <p:nvPr/>
         </p:nvPicPr>
@@ -42413,7 +42680,7 @@
       </p:pic>
       <p:pic>
         <p:nvPicPr>
-          <p:cNvPr id="453" name="Google Shape;453;g3250edfcd6d_0_441"/>
+          <p:cNvPr id="454" name="Google Shape;454;g3250edfcd6d_0_441"/>
           <p:cNvPicPr preferRelativeResize="0"/>
           <p:nvPr/>
         </p:nvPicPr>
@@ -42440,7 +42707,7 @@
       </p:pic>
       <p:pic>
         <p:nvPicPr>
-          <p:cNvPr id="454" name="Google Shape;454;g3250edfcd6d_0_441"/>
+          <p:cNvPr id="455" name="Google Shape;455;g3250edfcd6d_0_441"/>
           <p:cNvPicPr preferRelativeResize="0"/>
           <p:nvPr/>
         </p:nvPicPr>
@@ -42701,7 +42968,7 @@
   <p:cSld>
     <p:spTree>
       <p:nvGrpSpPr>
-        <p:cNvPr id="459" name="Shape 459"/>
+        <p:cNvPr id="460" name="Shape 460"/>
         <p:cNvGrpSpPr/>
         <p:nvPr/>
       </p:nvGrpSpPr>
@@ -42715,7 +42982,7 @@
       </p:grpSpPr>
       <p:sp>
         <p:nvSpPr>
-          <p:cNvPr id="460" name="Google Shape;460;g3250edfcd6d_0_447"/>
+          <p:cNvPr id="461" name="Google Shape;461;g3250edfcd6d_0_447"/>
           <p:cNvSpPr txBox="1"/>
           <p:nvPr>
             <p:ph type="title"/>
@@ -42755,7 +43022,7 @@
       </p:sp>
       <p:pic>
         <p:nvPicPr>
-          <p:cNvPr id="461" name="Google Shape;461;g3250edfcd6d_0_447"/>
+          <p:cNvPr id="462" name="Google Shape;462;g3250edfcd6d_0_447"/>
           <p:cNvPicPr preferRelativeResize="0"/>
           <p:nvPr>
             <p:ph idx="2" type="pic"/>
@@ -42791,7 +43058,7 @@
   <p:cSld>
     <p:spTree>
       <p:nvGrpSpPr>
-        <p:cNvPr id="466" name="Shape 466"/>
+        <p:cNvPr id="467" name="Shape 467"/>
         <p:cNvGrpSpPr/>
         <p:nvPr/>
       </p:nvGrpSpPr>
@@ -42805,7 +43072,7 @@
       </p:grpSpPr>
       <p:sp>
         <p:nvSpPr>
-          <p:cNvPr id="467" name="Google Shape;467;g3250edfcd6d_0_453"/>
+          <p:cNvPr id="468" name="Google Shape;468;g3250edfcd6d_0_453"/>
           <p:cNvSpPr txBox="1"/>
           <p:nvPr>
             <p:ph type="title"/>
@@ -42845,7 +43112,7 @@
       </p:sp>
       <p:pic>
         <p:nvPicPr>
-          <p:cNvPr id="468" name="Google Shape;468;g3250edfcd6d_0_453"/>
+          <p:cNvPr id="469" name="Google Shape;469;g3250edfcd6d_0_453"/>
           <p:cNvPicPr preferRelativeResize="0"/>
           <p:nvPr>
             <p:ph idx="2" type="pic"/>
@@ -42881,7 +43148,7 @@
   <p:cSld>
     <p:spTree>
       <p:nvGrpSpPr>
-        <p:cNvPr id="472" name="Shape 472"/>
+        <p:cNvPr id="473" name="Shape 473"/>
         <p:cNvGrpSpPr/>
         <p:nvPr/>
       </p:nvGrpSpPr>
@@ -42895,7 +43162,7 @@
       </p:grpSpPr>
       <p:sp>
         <p:nvSpPr>
-          <p:cNvPr id="473" name="Google Shape;473;g3250edfcd6d_0_469"/>
+          <p:cNvPr id="474" name="Google Shape;474;g3250edfcd6d_0_469"/>
           <p:cNvSpPr txBox="1"/>
           <p:nvPr>
             <p:ph type="title"/>
@@ -42947,7 +43214,7 @@
       </p:sp>
       <p:sp>
         <p:nvSpPr>
-          <p:cNvPr id="474" name="Google Shape;474;g3250edfcd6d_0_469"/>
+          <p:cNvPr id="475" name="Google Shape;475;g3250edfcd6d_0_469"/>
           <p:cNvSpPr txBox="1"/>
           <p:nvPr>
             <p:ph idx="1" type="body"/>
@@ -43054,7 +43321,7 @@
       </p:sp>
       <p:pic>
         <p:nvPicPr>
-          <p:cNvPr id="475" name="Google Shape;475;g3250edfcd6d_0_469"/>
+          <p:cNvPr id="476" name="Google Shape;476;g3250edfcd6d_0_469"/>
           <p:cNvPicPr preferRelativeResize="0"/>
           <p:nvPr/>
         </p:nvPicPr>
@@ -43095,7 +43362,7 @@
   <p:cSld>
     <p:spTree>
       <p:nvGrpSpPr>
-        <p:cNvPr id="480" name="Shape 480"/>
+        <p:cNvPr id="481" name="Shape 481"/>
         <p:cNvGrpSpPr/>
         <p:nvPr/>
       </p:nvGrpSpPr>
@@ -43109,7 +43376,7 @@
       </p:grpSpPr>
       <p:sp>
         <p:nvSpPr>
-          <p:cNvPr id="481" name="Google Shape;481;g3250edfcd6d_0_477"/>
+          <p:cNvPr id="482" name="Google Shape;482;g3250edfcd6d_0_477"/>
           <p:cNvSpPr txBox="1"/>
           <p:nvPr>
             <p:ph type="title"/>
@@ -43149,7 +43416,7 @@
       </p:sp>
       <p:sp>
         <p:nvSpPr>
-          <p:cNvPr id="482" name="Google Shape;482;g3250edfcd6d_0_477"/>
+          <p:cNvPr id="483" name="Google Shape;483;g3250edfcd6d_0_477"/>
           <p:cNvSpPr txBox="1"/>
           <p:nvPr>
             <p:ph idx="1" type="body"/>
@@ -43346,7 +43613,7 @@
       </p:sp>
       <p:pic>
         <p:nvPicPr>
-          <p:cNvPr id="483" name="Google Shape;483;g3250edfcd6d_0_477"/>
+          <p:cNvPr id="484" name="Google Shape;484;g3250edfcd6d_0_477"/>
           <p:cNvPicPr preferRelativeResize="0"/>
           <p:nvPr/>
         </p:nvPicPr>
@@ -43384,7 +43651,7 @@
   <p:cSld>
     <p:spTree>
       <p:nvGrpSpPr>
-        <p:cNvPr id="488" name="Shape 488"/>
+        <p:cNvPr id="489" name="Shape 489"/>
         <p:cNvGrpSpPr/>
         <p:nvPr/>
       </p:nvGrpSpPr>
@@ -43398,7 +43665,7 @@
       </p:grpSpPr>
       <p:sp>
         <p:nvSpPr>
-          <p:cNvPr id="489" name="Google Shape;489;g3250edfcd6d_0_487"/>
+          <p:cNvPr id="490" name="Google Shape;490;g3250edfcd6d_0_487"/>
           <p:cNvSpPr txBox="1"/>
           <p:nvPr>
             <p:ph type="title"/>
@@ -43438,7 +43705,7 @@
       </p:sp>
       <p:sp>
         <p:nvSpPr>
-          <p:cNvPr id="490" name="Google Shape;490;g3250edfcd6d_0_487"/>
+          <p:cNvPr id="491" name="Google Shape;491;g3250edfcd6d_0_487"/>
           <p:cNvSpPr txBox="1"/>
           <p:nvPr>
             <p:ph idx="1" type="body"/>
@@ -43562,7 +43829,7 @@
       </p:sp>
       <p:pic>
         <p:nvPicPr>
-          <p:cNvPr id="491" name="Google Shape;491;g3250edfcd6d_0_487"/>
+          <p:cNvPr id="492" name="Google Shape;492;g3250edfcd6d_0_487"/>
           <p:cNvPicPr preferRelativeResize="0"/>
           <p:nvPr/>
         </p:nvPicPr>
@@ -43600,7 +43867,7 @@
   <p:cSld>
     <p:spTree>
       <p:nvGrpSpPr>
-        <p:cNvPr id="496" name="Shape 496"/>
+        <p:cNvPr id="497" name="Shape 497"/>
         <p:cNvGrpSpPr/>
         <p:nvPr/>
       </p:nvGrpSpPr>
@@ -43614,7 +43881,7 @@
       </p:grpSpPr>
       <p:sp>
         <p:nvSpPr>
-          <p:cNvPr id="497" name="Google Shape;497;g3250edfcd6d_0_496"/>
+          <p:cNvPr id="498" name="Google Shape;498;g3250edfcd6d_0_496"/>
           <p:cNvSpPr txBox="1"/>
           <p:nvPr>
             <p:ph type="title"/>
@@ -43654,7 +43921,7 @@
       </p:sp>
       <p:sp>
         <p:nvSpPr>
-          <p:cNvPr id="498" name="Google Shape;498;g3250edfcd6d_0_496"/>
+          <p:cNvPr id="499" name="Google Shape;499;g3250edfcd6d_0_496"/>
           <p:cNvSpPr/>
           <p:nvPr/>
         </p:nvSpPr>
@@ -43703,7 +43970,7 @@
       </p:sp>
       <p:pic>
         <p:nvPicPr>
-          <p:cNvPr id="499" name="Google Shape;499;g3250edfcd6d_0_496"/>
+          <p:cNvPr id="500" name="Google Shape;500;g3250edfcd6d_0_496"/>
           <p:cNvPicPr preferRelativeResize="0"/>
           <p:nvPr>
             <p:ph idx="2" type="pic"/>
@@ -43739,7 +44006,7 @@
   <p:cSld>
     <p:spTree>
       <p:nvGrpSpPr>
-        <p:cNvPr id="504" name="Shape 504"/>
+        <p:cNvPr id="505" name="Shape 505"/>
         <p:cNvGrpSpPr/>
         <p:nvPr/>
       </p:nvGrpSpPr>
@@ -43753,7 +44020,7 @@
       </p:grpSpPr>
       <p:sp>
         <p:nvSpPr>
-          <p:cNvPr id="505" name="Google Shape;505;g3250edfcd6d_0_504"/>
+          <p:cNvPr id="506" name="Google Shape;506;g3250edfcd6d_0_504"/>
           <p:cNvSpPr txBox="1"/>
           <p:nvPr>
             <p:ph type="title"/>
@@ -43793,7 +44060,7 @@
       </p:sp>
       <p:sp>
         <p:nvSpPr>
-          <p:cNvPr id="506" name="Google Shape;506;g3250edfcd6d_0_504"/>
+          <p:cNvPr id="507" name="Google Shape;507;g3250edfcd6d_0_504"/>
           <p:cNvSpPr txBox="1"/>
           <p:nvPr>
             <p:ph idx="1" type="body"/>
@@ -43900,7 +44167,7 @@
       </p:sp>
       <p:pic>
         <p:nvPicPr>
-          <p:cNvPr id="507" name="Google Shape;507;g3250edfcd6d_0_504"/>
+          <p:cNvPr id="508" name="Google Shape;508;g3250edfcd6d_0_504"/>
           <p:cNvPicPr preferRelativeResize="0"/>
           <p:nvPr/>
         </p:nvPicPr>
@@ -43938,7 +44205,7 @@
   <p:cSld>
     <p:spTree>
       <p:nvGrpSpPr>
-        <p:cNvPr id="512" name="Shape 512"/>
+        <p:cNvPr id="513" name="Shape 513"/>
         <p:cNvGrpSpPr/>
         <p:nvPr/>
       </p:nvGrpSpPr>
@@ -43952,7 +44219,7 @@
       </p:grpSpPr>
       <p:sp>
         <p:nvSpPr>
-          <p:cNvPr id="513" name="Google Shape;513;g3250edfcd6d_0_512"/>
+          <p:cNvPr id="514" name="Google Shape;514;g3250edfcd6d_0_512"/>
           <p:cNvSpPr txBox="1"/>
           <p:nvPr>
             <p:ph type="title"/>
@@ -43992,7 +44259,7 @@
       </p:sp>
       <p:sp>
         <p:nvSpPr>
-          <p:cNvPr id="514" name="Google Shape;514;g3250edfcd6d_0_512"/>
+          <p:cNvPr id="515" name="Google Shape;515;g3250edfcd6d_0_512"/>
           <p:cNvSpPr txBox="1"/>
           <p:nvPr>
             <p:ph idx="1" type="body"/>
@@ -44116,7 +44383,7 @@
       </p:sp>
       <p:pic>
         <p:nvPicPr>
-          <p:cNvPr id="515" name="Google Shape;515;g3250edfcd6d_0_512"/>
+          <p:cNvPr id="516" name="Google Shape;516;g3250edfcd6d_0_512"/>
           <p:cNvPicPr preferRelativeResize="0"/>
           <p:nvPr/>
         </p:nvPicPr>
@@ -44154,7 +44421,7 @@
   <p:cSld>
     <p:spTree>
       <p:nvGrpSpPr>
-        <p:cNvPr id="520" name="Shape 520"/>
+        <p:cNvPr id="521" name="Shape 521"/>
         <p:cNvGrpSpPr/>
         <p:nvPr/>
       </p:nvGrpSpPr>
@@ -44168,7 +44435,7 @@
       </p:grpSpPr>
       <p:sp>
         <p:nvSpPr>
-          <p:cNvPr id="521" name="Google Shape;521;g3250edfcd6d_0_521"/>
+          <p:cNvPr id="522" name="Google Shape;522;g3250edfcd6d_0_521"/>
           <p:cNvSpPr txBox="1"/>
           <p:nvPr>
             <p:ph type="title"/>
@@ -44208,7 +44475,7 @@
       </p:sp>
       <p:sp>
         <p:nvSpPr>
-          <p:cNvPr id="522" name="Google Shape;522;g3250edfcd6d_0_521"/>
+          <p:cNvPr id="523" name="Google Shape;523;g3250edfcd6d_0_521"/>
           <p:cNvSpPr txBox="1"/>
           <p:nvPr>
             <p:ph idx="1" type="body"/>
@@ -44347,7 +44614,7 @@
       </p:sp>
       <p:pic>
         <p:nvPicPr>
-          <p:cNvPr id="523" name="Google Shape;523;g3250edfcd6d_0_521"/>
+          <p:cNvPr id="524" name="Google Shape;524;g3250edfcd6d_0_521"/>
           <p:cNvPicPr preferRelativeResize="0"/>
           <p:nvPr/>
         </p:nvPicPr>
@@ -44385,7 +44652,7 @@
   <p:cSld>
     <p:spTree>
       <p:nvGrpSpPr>
-        <p:cNvPr id="528" name="Shape 528"/>
+        <p:cNvPr id="529" name="Shape 529"/>
         <p:cNvGrpSpPr/>
         <p:nvPr/>
       </p:nvGrpSpPr>
@@ -44399,7 +44666,7 @@
       </p:grpSpPr>
       <p:sp>
         <p:nvSpPr>
-          <p:cNvPr id="529" name="Google Shape;529;g3250edfcd6d_0_531"/>
+          <p:cNvPr id="530" name="Google Shape;530;g3250edfcd6d_0_531"/>
           <p:cNvSpPr txBox="1"/>
           <p:nvPr>
             <p:ph type="title"/>
@@ -44439,7 +44706,7 @@
       </p:sp>
       <p:pic>
         <p:nvPicPr>
-          <p:cNvPr id="530" name="Google Shape;530;g3250edfcd6d_0_531"/>
+          <p:cNvPr id="531" name="Google Shape;531;g3250edfcd6d_0_531"/>
           <p:cNvPicPr preferRelativeResize="0"/>
           <p:nvPr/>
         </p:nvPicPr>
@@ -44585,7 +44852,7 @@
   <p:cSld>
     <p:spTree>
       <p:nvGrpSpPr>
-        <p:cNvPr id="534" name="Shape 534"/>
+        <p:cNvPr id="535" name="Shape 535"/>
         <p:cNvGrpSpPr/>
         <p:nvPr/>
       </p:nvGrpSpPr>
@@ -44599,7 +44866,7 @@
       </p:grpSpPr>
       <p:sp>
         <p:nvSpPr>
-          <p:cNvPr id="535" name="Google Shape;535;g3250edfcd6d_0_538"/>
+          <p:cNvPr id="536" name="Google Shape;536;g3250edfcd6d_0_538"/>
           <p:cNvSpPr txBox="1"/>
           <p:nvPr>
             <p:ph type="title"/>
@@ -44656,7 +44923,7 @@
       </p:sp>
       <p:pic>
         <p:nvPicPr>
-          <p:cNvPr id="536" name="Google Shape;536;g3250edfcd6d_0_538"/>
+          <p:cNvPr id="537" name="Google Shape;537;g3250edfcd6d_0_538"/>
           <p:cNvPicPr preferRelativeResize="0"/>
           <p:nvPr/>
         </p:nvPicPr>
@@ -44683,7 +44950,7 @@
       </p:pic>
       <p:pic>
         <p:nvPicPr>
-          <p:cNvPr id="537" name="Google Shape;537;g3250edfcd6d_0_538"/>
+          <p:cNvPr id="538" name="Google Shape;538;g3250edfcd6d_0_538"/>
           <p:cNvPicPr preferRelativeResize="0"/>
           <p:nvPr/>
         </p:nvPicPr>
@@ -44710,7 +44977,7 @@
       </p:pic>
       <p:pic>
         <p:nvPicPr>
-          <p:cNvPr id="538" name="Google Shape;538;g3250edfcd6d_0_538"/>
+          <p:cNvPr id="539" name="Google Shape;539;g3250edfcd6d_0_538"/>
           <p:cNvPicPr preferRelativeResize="0"/>
           <p:nvPr/>
         </p:nvPicPr>
@@ -44737,7 +45004,7 @@
       </p:pic>
       <p:pic>
         <p:nvPicPr>
-          <p:cNvPr id="539" name="Google Shape;539;g3250edfcd6d_0_538"/>
+          <p:cNvPr id="540" name="Google Shape;540;g3250edfcd6d_0_538"/>
           <p:cNvPicPr preferRelativeResize="0"/>
           <p:nvPr/>
         </p:nvPicPr>
@@ -44764,7 +45031,7 @@
       </p:pic>
       <p:sp>
         <p:nvSpPr>
-          <p:cNvPr id="540" name="Google Shape;540;g3250edfcd6d_0_538"/>
+          <p:cNvPr id="541" name="Google Shape;541;g3250edfcd6d_0_538"/>
           <p:cNvSpPr txBox="1"/>
           <p:nvPr/>
         </p:nvSpPr>
@@ -44961,7 +45228,7 @@
   <p:cSld>
     <p:spTree>
       <p:nvGrpSpPr>
-        <p:cNvPr id="544" name="Shape 544"/>
+        <p:cNvPr id="545" name="Shape 545"/>
         <p:cNvGrpSpPr/>
         <p:nvPr/>
       </p:nvGrpSpPr>
@@ -44975,7 +45242,7 @@
       </p:grpSpPr>
       <p:sp>
         <p:nvSpPr>
-          <p:cNvPr id="545" name="Google Shape;545;g3250edfcd6d_0_547"/>
+          <p:cNvPr id="546" name="Google Shape;546;g3250edfcd6d_0_547"/>
           <p:cNvSpPr txBox="1"/>
           <p:nvPr/>
         </p:nvSpPr>
@@ -45041,7 +45308,7 @@
       </p:sp>
       <p:sp>
         <p:nvSpPr>
-          <p:cNvPr id="546" name="Google Shape;546;g3250edfcd6d_0_547"/>
+          <p:cNvPr id="547" name="Google Shape;547;g3250edfcd6d_0_547"/>
           <p:cNvSpPr/>
           <p:nvPr/>
         </p:nvSpPr>
@@ -45102,7 +45369,7 @@
       </p:sp>
       <p:pic>
         <p:nvPicPr>
-          <p:cNvPr id="547" name="Google Shape;547;g3250edfcd6d_0_547"/>
+          <p:cNvPr id="548" name="Google Shape;548;g3250edfcd6d_0_547"/>
           <p:cNvPicPr preferRelativeResize="0"/>
           <p:nvPr/>
         </p:nvPicPr>
@@ -45129,7 +45396,7 @@
       </p:pic>
       <p:sp>
         <p:nvSpPr>
-          <p:cNvPr id="548" name="Google Shape;548;g3250edfcd6d_0_547"/>
+          <p:cNvPr id="549" name="Google Shape;549;g3250edfcd6d_0_547"/>
           <p:cNvSpPr txBox="1"/>
           <p:nvPr>
             <p:ph type="title"/>
@@ -45248,7 +45515,7 @@
       </p:sp>
       <p:sp>
         <p:nvSpPr>
-          <p:cNvPr id="549" name="Google Shape;549;g3250edfcd6d_0_547"/>
+          <p:cNvPr id="550" name="Google Shape;550;g3250edfcd6d_0_547"/>
           <p:cNvSpPr txBox="1"/>
           <p:nvPr>
             <p:ph idx="1" type="body"/>
@@ -45296,7 +45563,7 @@
       </p:sp>
       <p:sp>
         <p:nvSpPr>
-          <p:cNvPr id="550" name="Google Shape;550;g3250edfcd6d_0_547"/>
+          <p:cNvPr id="551" name="Google Shape;551;g3250edfcd6d_0_547"/>
           <p:cNvSpPr txBox="1"/>
           <p:nvPr>
             <p:ph idx="4" type="body"/>
@@ -46818,7 +47085,7 @@
                   <a:schemeClr val="dk1"/>
                 </a:solidFill>
               </a:rPr>
-              <a:t>Русурсы процесса общие между всеми потоками</a:t>
+              <a:t>Ресурсы процесса общие между всеми потоками</a:t>
             </a:r>
             <a:endParaRPr sz="2400">
               <a:solidFill>
@@ -47175,7 +47442,15 @@
                   <a:schemeClr val="dk1"/>
                 </a:solidFill>
               </a:rPr>
-              <a:t>процесороного времени</a:t>
+              <a:t>процессорного</a:t>
+            </a:r>
+            <a:r>
+              <a:rPr lang="ru-RU" sz="2400">
+                <a:solidFill>
+                  <a:schemeClr val="dk1"/>
+                </a:solidFill>
+              </a:rPr>
+              <a:t> времени</a:t>
             </a:r>
             <a:endParaRPr sz="2400">
               <a:solidFill>
@@ -47481,6 +47756,285 @@
 </file>
 
 <file path=ppt/theme/theme1.xml><?xml version="1.0" encoding="utf-8"?>
+<a:theme xmlns:a="http://schemas.openxmlformats.org/drawingml/2006/main" xmlns:r="http://schemas.openxmlformats.org/officeDocument/2006/relationships" name="Тема Office">
+  <a:themeElements>
+    <a:clrScheme name="Стандартная">
+      <a:dk1>
+        <a:srgbClr val="000000"/>
+      </a:dk1>
+      <a:lt1>
+        <a:srgbClr val="FFFFFF"/>
+      </a:lt1>
+      <a:dk2>
+        <a:srgbClr val="44546A"/>
+      </a:dk2>
+      <a:lt2>
+        <a:srgbClr val="E7E6E6"/>
+      </a:lt2>
+      <a:accent1>
+        <a:srgbClr val="4472C4"/>
+      </a:accent1>
+      <a:accent2>
+        <a:srgbClr val="ED7D31"/>
+      </a:accent2>
+      <a:accent3>
+        <a:srgbClr val="A5A5A5"/>
+      </a:accent3>
+      <a:accent4>
+        <a:srgbClr val="FFC000"/>
+      </a:accent4>
+      <a:accent5>
+        <a:srgbClr val="5B9BD5"/>
+      </a:accent5>
+      <a:accent6>
+        <a:srgbClr val="70AD47"/>
+      </a:accent6>
+      <a:hlink>
+        <a:srgbClr val="0563C1"/>
+      </a:hlink>
+      <a:folHlink>
+        <a:srgbClr val="954F72"/>
+      </a:folHlink>
+    </a:clrScheme>
+    <a:fontScheme name="Office">
+      <a:majorFont>
+        <a:latin typeface="Arial"/>
+        <a:ea typeface=""/>
+        <a:cs typeface=""/>
+        <a:font script="Jpan" typeface="ＭＳ Ｐゴシック"/>
+        <a:font script="Hang" typeface="맑은 고딕"/>
+        <a:font script="Hans" typeface="宋体"/>
+        <a:font script="Hant" typeface="新細明體"/>
+        <a:font script="Arab" typeface="Times New Roman"/>
+        <a:font script="Hebr" typeface="Times New Roman"/>
+        <a:font script="Thai" typeface="Angsana New"/>
+        <a:font script="Ethi" typeface="Nyala"/>
+        <a:font script="Beng" typeface="Vrinda"/>
+        <a:font script="Gujr" typeface="Shruti"/>
+        <a:font script="Khmr" typeface="MoolBoran"/>
+        <a:font script="Knda" typeface="Tunga"/>
+        <a:font script="Guru" typeface="Raavi"/>
+        <a:font script="Cans" typeface="Euphemia"/>
+        <a:font script="Cher" typeface="Plantagenet Cherokee"/>
+        <a:font script="Yiii" typeface="Microsoft Yi Baiti"/>
+        <a:font script="Tibt" typeface="Microsoft Himalaya"/>
+        <a:font script="Thaa" typeface="MV Boli"/>
+        <a:font script="Deva" typeface="Mangal"/>
+        <a:font script="Telu" typeface="Gautami"/>
+        <a:font script="Taml" typeface="Latha"/>
+        <a:font script="Syrc" typeface="Estrangelo Edessa"/>
+        <a:font script="Orya" typeface="Kalinga"/>
+        <a:font script="Mlym" typeface="Kartika"/>
+        <a:font script="Laoo" typeface="DokChampa"/>
+        <a:font script="Sinh" typeface="Iskoola Pota"/>
+        <a:font script="Mong" typeface="Mongolian Baiti"/>
+        <a:font script="Viet" typeface="Times New Roman"/>
+        <a:font script="Uigh" typeface="Microsoft Uighur"/>
+        <a:font script="Geor" typeface="Sylfaen"/>
+      </a:majorFont>
+      <a:minorFont>
+        <a:latin typeface="Arial"/>
+        <a:ea typeface=""/>
+        <a:cs typeface=""/>
+        <a:font script="Jpan" typeface="ＭＳ Ｐゴシック"/>
+        <a:font script="Hang" typeface="맑은 고딕"/>
+        <a:font script="Hans" typeface="宋体"/>
+        <a:font script="Hant" typeface="新細明體"/>
+        <a:font script="Arab" typeface="Arial"/>
+        <a:font script="Hebr" typeface="Arial"/>
+        <a:font script="Thai" typeface="Cordia New"/>
+        <a:font script="Ethi" typeface="Nyala"/>
+        <a:font script="Beng" typeface="Vrinda"/>
+        <a:font script="Gujr" typeface="Shruti"/>
+        <a:font script="Khmr" typeface="DaunPenh"/>
+        <a:font script="Knda" typeface="Tunga"/>
+        <a:font script="Guru" typeface="Raavi"/>
+        <a:font script="Cans" typeface="Euphemia"/>
+        <a:font script="Cher" typeface="Plantagenet Cherokee"/>
+        <a:font script="Yiii" typeface="Microsoft Yi Baiti"/>
+        <a:font script="Tibt" typeface="Microsoft Himalaya"/>
+        <a:font script="Thaa" typeface="MV Boli"/>
+        <a:font script="Deva" typeface="Mangal"/>
+        <a:font script="Telu" typeface="Gautami"/>
+        <a:font script="Taml" typeface="Latha"/>
+        <a:font script="Syrc" typeface="Estrangelo Edessa"/>
+        <a:font script="Orya" typeface="Kalinga"/>
+        <a:font script="Mlym" typeface="Kartika"/>
+        <a:font script="Laoo" typeface="DokChampa"/>
+        <a:font script="Sinh" typeface="Iskoola Pota"/>
+        <a:font script="Mong" typeface="Mongolian Baiti"/>
+        <a:font script="Viet" typeface="Arial"/>
+        <a:font script="Uigh" typeface="Microsoft Uighur"/>
+        <a:font script="Geor" typeface="Sylfaen"/>
+      </a:minorFont>
+    </a:fontScheme>
+    <a:fmtScheme name="Office">
+      <a:fillStyleLst>
+        <a:solidFill>
+          <a:schemeClr val="phClr"/>
+        </a:solidFill>
+        <a:gradFill rotWithShape="1">
+          <a:gsLst>
+            <a:gs pos="0">
+              <a:schemeClr val="phClr">
+                <a:tint val="50000"/>
+                <a:satMod val="300000"/>
+              </a:schemeClr>
+            </a:gs>
+            <a:gs pos="35000">
+              <a:schemeClr val="phClr">
+                <a:tint val="37000"/>
+                <a:satMod val="300000"/>
+              </a:schemeClr>
+            </a:gs>
+            <a:gs pos="100000">
+              <a:schemeClr val="phClr">
+                <a:tint val="15000"/>
+                <a:satMod val="350000"/>
+              </a:schemeClr>
+            </a:gs>
+          </a:gsLst>
+          <a:lin ang="16200000" scaled="1"/>
+        </a:gradFill>
+        <a:gradFill rotWithShape="1">
+          <a:gsLst>
+            <a:gs pos="0">
+              <a:schemeClr val="phClr">
+                <a:tint val="100000"/>
+                <a:shade val="100000"/>
+                <a:satMod val="130000"/>
+              </a:schemeClr>
+            </a:gs>
+            <a:gs pos="100000">
+              <a:schemeClr val="phClr">
+                <a:tint val="50000"/>
+                <a:shade val="100000"/>
+                <a:satMod val="350000"/>
+              </a:schemeClr>
+            </a:gs>
+          </a:gsLst>
+          <a:lin ang="16200000" scaled="0"/>
+        </a:gradFill>
+      </a:fillStyleLst>
+      <a:lnStyleLst>
+        <a:ln w="9525" cap="flat" cmpd="sng" algn="ctr">
+          <a:solidFill>
+            <a:schemeClr val="phClr">
+              <a:shade val="95000"/>
+              <a:satMod val="105000"/>
+            </a:schemeClr>
+          </a:solidFill>
+          <a:prstDash val="solid"/>
+        </a:ln>
+        <a:ln w="25400" cap="flat" cmpd="sng" algn="ctr">
+          <a:solidFill>
+            <a:schemeClr val="phClr"/>
+          </a:solidFill>
+          <a:prstDash val="solid"/>
+        </a:ln>
+        <a:ln w="38100" cap="flat" cmpd="sng" algn="ctr">
+          <a:solidFill>
+            <a:schemeClr val="phClr"/>
+          </a:solidFill>
+          <a:prstDash val="solid"/>
+        </a:ln>
+      </a:lnStyleLst>
+      <a:effectStyleLst>
+        <a:effectStyle>
+          <a:effectLst>
+            <a:outerShdw blurRad="40000" dist="20000" dir="5400000" rotWithShape="0">
+              <a:srgbClr val="000000">
+                <a:alpha val="38000"/>
+              </a:srgbClr>
+            </a:outerShdw>
+          </a:effectLst>
+        </a:effectStyle>
+        <a:effectStyle>
+          <a:effectLst>
+            <a:outerShdw blurRad="40000" dist="23000" dir="5400000" rotWithShape="0">
+              <a:srgbClr val="000000">
+                <a:alpha val="35000"/>
+              </a:srgbClr>
+            </a:outerShdw>
+          </a:effectLst>
+        </a:effectStyle>
+        <a:effectStyle>
+          <a:effectLst>
+            <a:outerShdw blurRad="40000" dist="23000" dir="5400000" rotWithShape="0">
+              <a:srgbClr val="000000">
+                <a:alpha val="35000"/>
+              </a:srgbClr>
+            </a:outerShdw>
+          </a:effectLst>
+          <a:scene3d>
+            <a:camera prst="orthographicFront">
+              <a:rot lat="0" lon="0" rev="0"/>
+            </a:camera>
+            <a:lightRig rig="threePt" dir="t">
+              <a:rot lat="0" lon="0" rev="1200000"/>
+            </a:lightRig>
+          </a:scene3d>
+          <a:sp3d>
+            <a:bevelT w="63500" h="25400"/>
+          </a:sp3d>
+        </a:effectStyle>
+      </a:effectStyleLst>
+      <a:bgFillStyleLst>
+        <a:solidFill>
+          <a:schemeClr val="phClr"/>
+        </a:solidFill>
+        <a:gradFill rotWithShape="1">
+          <a:gsLst>
+            <a:gs pos="0">
+              <a:schemeClr val="phClr">
+                <a:tint val="40000"/>
+                <a:satMod val="350000"/>
+              </a:schemeClr>
+            </a:gs>
+            <a:gs pos="40000">
+              <a:schemeClr val="phClr">
+                <a:tint val="45000"/>
+                <a:shade val="99000"/>
+                <a:satMod val="350000"/>
+              </a:schemeClr>
+            </a:gs>
+            <a:gs pos="100000">
+              <a:schemeClr val="phClr">
+                <a:shade val="20000"/>
+                <a:satMod val="255000"/>
+              </a:schemeClr>
+            </a:gs>
+          </a:gsLst>
+          <a:path path="circle">
+            <a:fillToRect l="50000" t="-80000" r="50000" b="180000"/>
+          </a:path>
+        </a:gradFill>
+        <a:gradFill rotWithShape="1">
+          <a:gsLst>
+            <a:gs pos="0">
+              <a:schemeClr val="phClr">
+                <a:tint val="80000"/>
+                <a:satMod val="300000"/>
+              </a:schemeClr>
+            </a:gs>
+            <a:gs pos="100000">
+              <a:schemeClr val="phClr">
+                <a:shade val="30000"/>
+                <a:satMod val="200000"/>
+              </a:schemeClr>
+            </a:gs>
+          </a:gsLst>
+          <a:path path="circle">
+            <a:fillToRect l="50000" t="50000" r="50000" b="50000"/>
+          </a:path>
+        </a:gradFill>
+      </a:bgFillStyleLst>
+    </a:fmtScheme>
+  </a:themeElements>
+</a:theme>
+</file>
+
+<file path=ppt/theme/theme2.xml><?xml version="1.0" encoding="utf-8"?>
 <a:theme xmlns:a="http://schemas.openxmlformats.org/drawingml/2006/main" xmlns:r="http://schemas.openxmlformats.org/officeDocument/2006/relationships" name="Simple Dark">
   <a:themeElements>
     <a:clrScheme name="Simple Dark">
@@ -47757,283 +48311,4 @@
     </a:fmtScheme>
   </a:themeElements>
 </a:theme>
-</file>
-
-<file path=ppt/theme/theme2.xml><?xml version="1.0" encoding="utf-8"?>
-<a:theme xmlns:a="http://schemas.openxmlformats.org/drawingml/2006/main" xmlns:r="http://schemas.openxmlformats.org/officeDocument/2006/relationships" name="Тема Office">
-  <a:themeElements>
-    <a:clrScheme name="Стандартная">
-      <a:dk1>
-        <a:srgbClr val="000000"/>
-      </a:dk1>
-      <a:lt1>
-        <a:srgbClr val="FFFFFF"/>
-      </a:lt1>
-      <a:dk2>
-        <a:srgbClr val="44546A"/>
-      </a:dk2>
-      <a:lt2>
-        <a:srgbClr val="E7E6E6"/>
-      </a:lt2>
-      <a:accent1>
-        <a:srgbClr val="4472C4"/>
-      </a:accent1>
-      <a:accent2>
-        <a:srgbClr val="ED7D31"/>
-      </a:accent2>
-      <a:accent3>
-        <a:srgbClr val="A5A5A5"/>
-      </a:accent3>
-      <a:accent4>
-        <a:srgbClr val="FFC000"/>
-      </a:accent4>
-      <a:accent5>
-        <a:srgbClr val="5B9BD5"/>
-      </a:accent5>
-      <a:accent6>
-        <a:srgbClr val="70AD47"/>
-      </a:accent6>
-      <a:hlink>
-        <a:srgbClr val="0563C1"/>
-      </a:hlink>
-      <a:folHlink>
-        <a:srgbClr val="954F72"/>
-      </a:folHlink>
-    </a:clrScheme>
-    <a:fontScheme name="Office">
-      <a:majorFont>
-        <a:latin typeface="Arial"/>
-        <a:ea typeface=""/>
-        <a:cs typeface=""/>
-        <a:font script="Jpan" typeface="ＭＳ Ｐゴシック"/>
-        <a:font script="Hang" typeface="맑은 고딕"/>
-        <a:font script="Hans" typeface="宋体"/>
-        <a:font script="Hant" typeface="新細明體"/>
-        <a:font script="Arab" typeface="Times New Roman"/>
-        <a:font script="Hebr" typeface="Times New Roman"/>
-        <a:font script="Thai" typeface="Angsana New"/>
-        <a:font script="Ethi" typeface="Nyala"/>
-        <a:font script="Beng" typeface="Vrinda"/>
-        <a:font script="Gujr" typeface="Shruti"/>
-        <a:font script="Khmr" typeface="MoolBoran"/>
-        <a:font script="Knda" typeface="Tunga"/>
-        <a:font script="Guru" typeface="Raavi"/>
-        <a:font script="Cans" typeface="Euphemia"/>
-        <a:font script="Cher" typeface="Plantagenet Cherokee"/>
-        <a:font script="Yiii" typeface="Microsoft Yi Baiti"/>
-        <a:font script="Tibt" typeface="Microsoft Himalaya"/>
-        <a:font script="Thaa" typeface="MV Boli"/>
-        <a:font script="Deva" typeface="Mangal"/>
-        <a:font script="Telu" typeface="Gautami"/>
-        <a:font script="Taml" typeface="Latha"/>
-        <a:font script="Syrc" typeface="Estrangelo Edessa"/>
-        <a:font script="Orya" typeface="Kalinga"/>
-        <a:font script="Mlym" typeface="Kartika"/>
-        <a:font script="Laoo" typeface="DokChampa"/>
-        <a:font script="Sinh" typeface="Iskoola Pota"/>
-        <a:font script="Mong" typeface="Mongolian Baiti"/>
-        <a:font script="Viet" typeface="Times New Roman"/>
-        <a:font script="Uigh" typeface="Microsoft Uighur"/>
-        <a:font script="Geor" typeface="Sylfaen"/>
-      </a:majorFont>
-      <a:minorFont>
-        <a:latin typeface="Arial"/>
-        <a:ea typeface=""/>
-        <a:cs typeface=""/>
-        <a:font script="Jpan" typeface="ＭＳ Ｐゴシック"/>
-        <a:font script="Hang" typeface="맑은 고딕"/>
-        <a:font script="Hans" typeface="宋体"/>
-        <a:font script="Hant" typeface="新細明體"/>
-        <a:font script="Arab" typeface="Arial"/>
-        <a:font script="Hebr" typeface="Arial"/>
-        <a:font script="Thai" typeface="Cordia New"/>
-        <a:font script="Ethi" typeface="Nyala"/>
-        <a:font script="Beng" typeface="Vrinda"/>
-        <a:font script="Gujr" typeface="Shruti"/>
-        <a:font script="Khmr" typeface="DaunPenh"/>
-        <a:font script="Knda" typeface="Tunga"/>
-        <a:font script="Guru" typeface="Raavi"/>
-        <a:font script="Cans" typeface="Euphemia"/>
-        <a:font script="Cher" typeface="Plantagenet Cherokee"/>
-        <a:font script="Yiii" typeface="Microsoft Yi Baiti"/>
-        <a:font script="Tibt" typeface="Microsoft Himalaya"/>
-        <a:font script="Thaa" typeface="MV Boli"/>
-        <a:font script="Deva" typeface="Mangal"/>
-        <a:font script="Telu" typeface="Gautami"/>
-        <a:font script="Taml" typeface="Latha"/>
-        <a:font script="Syrc" typeface="Estrangelo Edessa"/>
-        <a:font script="Orya" typeface="Kalinga"/>
-        <a:font script="Mlym" typeface="Kartika"/>
-        <a:font script="Laoo" typeface="DokChampa"/>
-        <a:font script="Sinh" typeface="Iskoola Pota"/>
-        <a:font script="Mong" typeface="Mongolian Baiti"/>
-        <a:font script="Viet" typeface="Arial"/>
-        <a:font script="Uigh" typeface="Microsoft Uighur"/>
-        <a:font script="Geor" typeface="Sylfaen"/>
-      </a:minorFont>
-    </a:fontScheme>
-    <a:fmtScheme name="Office">
-      <a:fillStyleLst>
-        <a:solidFill>
-          <a:schemeClr val="phClr"/>
-        </a:solidFill>
-        <a:gradFill rotWithShape="1">
-          <a:gsLst>
-            <a:gs pos="0">
-              <a:schemeClr val="phClr">
-                <a:tint val="50000"/>
-                <a:satMod val="300000"/>
-              </a:schemeClr>
-            </a:gs>
-            <a:gs pos="35000">
-              <a:schemeClr val="phClr">
-                <a:tint val="37000"/>
-                <a:satMod val="300000"/>
-              </a:schemeClr>
-            </a:gs>
-            <a:gs pos="100000">
-              <a:schemeClr val="phClr">
-                <a:tint val="15000"/>
-                <a:satMod val="350000"/>
-              </a:schemeClr>
-            </a:gs>
-          </a:gsLst>
-          <a:lin ang="16200000" scaled="1"/>
-        </a:gradFill>
-        <a:gradFill rotWithShape="1">
-          <a:gsLst>
-            <a:gs pos="0">
-              <a:schemeClr val="phClr">
-                <a:tint val="100000"/>
-                <a:shade val="100000"/>
-                <a:satMod val="130000"/>
-              </a:schemeClr>
-            </a:gs>
-            <a:gs pos="100000">
-              <a:schemeClr val="phClr">
-                <a:tint val="50000"/>
-                <a:shade val="100000"/>
-                <a:satMod val="350000"/>
-              </a:schemeClr>
-            </a:gs>
-          </a:gsLst>
-          <a:lin ang="16200000" scaled="0"/>
-        </a:gradFill>
-      </a:fillStyleLst>
-      <a:lnStyleLst>
-        <a:ln w="9525" cap="flat" cmpd="sng" algn="ctr">
-          <a:solidFill>
-            <a:schemeClr val="phClr">
-              <a:shade val="95000"/>
-              <a:satMod val="105000"/>
-            </a:schemeClr>
-          </a:solidFill>
-          <a:prstDash val="solid"/>
-        </a:ln>
-        <a:ln w="25400" cap="flat" cmpd="sng" algn="ctr">
-          <a:solidFill>
-            <a:schemeClr val="phClr"/>
-          </a:solidFill>
-          <a:prstDash val="solid"/>
-        </a:ln>
-        <a:ln w="38100" cap="flat" cmpd="sng" algn="ctr">
-          <a:solidFill>
-            <a:schemeClr val="phClr"/>
-          </a:solidFill>
-          <a:prstDash val="solid"/>
-        </a:ln>
-      </a:lnStyleLst>
-      <a:effectStyleLst>
-        <a:effectStyle>
-          <a:effectLst>
-            <a:outerShdw blurRad="40000" dist="20000" dir="5400000" rotWithShape="0">
-              <a:srgbClr val="000000">
-                <a:alpha val="38000"/>
-              </a:srgbClr>
-            </a:outerShdw>
-          </a:effectLst>
-        </a:effectStyle>
-        <a:effectStyle>
-          <a:effectLst>
-            <a:outerShdw blurRad="40000" dist="23000" dir="5400000" rotWithShape="0">
-              <a:srgbClr val="000000">
-                <a:alpha val="35000"/>
-              </a:srgbClr>
-            </a:outerShdw>
-          </a:effectLst>
-        </a:effectStyle>
-        <a:effectStyle>
-          <a:effectLst>
-            <a:outerShdw blurRad="40000" dist="23000" dir="5400000" rotWithShape="0">
-              <a:srgbClr val="000000">
-                <a:alpha val="35000"/>
-              </a:srgbClr>
-            </a:outerShdw>
-          </a:effectLst>
-          <a:scene3d>
-            <a:camera prst="orthographicFront">
-              <a:rot lat="0" lon="0" rev="0"/>
-            </a:camera>
-            <a:lightRig rig="threePt" dir="t">
-              <a:rot lat="0" lon="0" rev="1200000"/>
-            </a:lightRig>
-          </a:scene3d>
-          <a:sp3d>
-            <a:bevelT w="63500" h="25400"/>
-          </a:sp3d>
-        </a:effectStyle>
-      </a:effectStyleLst>
-      <a:bgFillStyleLst>
-        <a:solidFill>
-          <a:schemeClr val="phClr"/>
-        </a:solidFill>
-        <a:gradFill rotWithShape="1">
-          <a:gsLst>
-            <a:gs pos="0">
-              <a:schemeClr val="phClr">
-                <a:tint val="40000"/>
-                <a:satMod val="350000"/>
-              </a:schemeClr>
-            </a:gs>
-            <a:gs pos="40000">
-              <a:schemeClr val="phClr">
-                <a:tint val="45000"/>
-                <a:shade val="99000"/>
-                <a:satMod val="350000"/>
-              </a:schemeClr>
-            </a:gs>
-            <a:gs pos="100000">
-              <a:schemeClr val="phClr">
-                <a:shade val="20000"/>
-                <a:satMod val="255000"/>
-              </a:schemeClr>
-            </a:gs>
-          </a:gsLst>
-          <a:path path="circle">
-            <a:fillToRect l="50000" t="-80000" r="50000" b="180000"/>
-          </a:path>
-        </a:gradFill>
-        <a:gradFill rotWithShape="1">
-          <a:gsLst>
-            <a:gs pos="0">
-              <a:schemeClr val="phClr">
-                <a:tint val="80000"/>
-                <a:satMod val="300000"/>
-              </a:schemeClr>
-            </a:gs>
-            <a:gs pos="100000">
-              <a:schemeClr val="phClr">
-                <a:shade val="30000"/>
-                <a:satMod val="200000"/>
-              </a:schemeClr>
-            </a:gs>
-          </a:gsLst>
-          <a:path path="circle">
-            <a:fillToRect l="50000" t="50000" r="50000" b="50000"/>
-          </a:path>
-        </a:gradFill>
-      </a:bgFillStyleLst>
-    </a:fmtScheme>
-  </a:themeElements>
-</a:theme>
 </file>
--- a/Multithread-async.pptx
+++ b/Multithread-async.pptx
@@ -2905,6 +2905,37 @@
             <a:r>
               <a:rPr lang="ru-RU"/>
               <a:t>Что под капотом у lock</a:t>
+            </a:r>
+            <a:endParaRPr/>
+          </a:p>
+          <a:p>
+            <a:pPr indent="0" lvl="0" marL="0" rtl="0" algn="l">
+              <a:spcBef>
+                <a:spcPts val="0"/>
+              </a:spcBef>
+              <a:spcAft>
+                <a:spcPts val="0"/>
+              </a:spcAft>
+              <a:buNone/>
+            </a:pPr>
+            <a:r>
+              <a:t/>
+            </a:r>
+            <a:endParaRPr/>
+          </a:p>
+          <a:p>
+            <a:pPr indent="0" lvl="0" marL="0" rtl="0" algn="l">
+              <a:spcBef>
+                <a:spcPts val="0"/>
+              </a:spcBef>
+              <a:spcAft>
+                <a:spcPts val="0"/>
+              </a:spcAft>
+              <a:buNone/>
+            </a:pPr>
+            <a:r>
+              <a:rPr lang="ru-RU"/>
+              <a:t>В .net 9 появился отдельный LockObject который оптимизирован для использования в блокировке </a:t>
             </a:r>
             <a:endParaRPr/>
           </a:p>

--- a/Multithread-async.pptx
+++ b/Multithread-async.pptx
@@ -39,31 +39,36 @@
     <p:sldId id="284" r:id="rId33"/>
     <p:sldId id="285" r:id="rId34"/>
     <p:sldId id="286" r:id="rId35"/>
+    <p:sldId id="287" r:id="rId36"/>
+    <p:sldId id="288" r:id="rId37"/>
+    <p:sldId id="289" r:id="rId38"/>
+    <p:sldId id="290" r:id="rId39"/>
+    <p:sldId id="291" r:id="rId40"/>
   </p:sldIdLst>
   <p:sldSz cy="6858000" cx="12192000"/>
   <p:notesSz cx="6858000" cy="9144000"/>
   <p:embeddedFontLst>
     <p:embeddedFont>
       <p:font typeface="Montserrat"/>
-      <p:regular r:id="rId36"/>
-      <p:bold r:id="rId37"/>
-      <p:italic r:id="rId38"/>
-      <p:boldItalic r:id="rId39"/>
+      <p:regular r:id="rId41"/>
+      <p:bold r:id="rId42"/>
+      <p:italic r:id="rId43"/>
+      <p:boldItalic r:id="rId44"/>
     </p:embeddedFont>
     <p:embeddedFont>
       <p:font typeface="Geologica Medium"/>
-      <p:regular r:id="rId40"/>
-      <p:bold r:id="rId41"/>
+      <p:regular r:id="rId45"/>
+      <p:bold r:id="rId46"/>
     </p:embeddedFont>
     <p:embeddedFont>
       <p:font typeface="Geologica"/>
-      <p:regular r:id="rId42"/>
-      <p:bold r:id="rId43"/>
+      <p:regular r:id="rId47"/>
+      <p:bold r:id="rId48"/>
     </p:embeddedFont>
     <p:embeddedFont>
       <p:font typeface="Geologica Light"/>
-      <p:regular r:id="rId44"/>
-      <p:bold r:id="rId45"/>
+      <p:regular r:id="rId49"/>
+      <p:bold r:id="rId50"/>
     </p:embeddedFont>
   </p:embeddedFontLst>
   <p:defaultTextStyle>
@@ -297,7 +302,7 @@
   </p:defaultTextStyle>
   <p:extLst>
     <p:ext uri="GoogleSlidesCustomDataVersion2">
-      <go:slidesCustomData xmlns:go="http://customooxmlschemas.google.com/" r:id="rId46" roundtripDataSignature="AMtx7mjb3pMrJr8dDRAGvRMsBTRtB3fV8g=="/>
+      <go:slidesCustomData xmlns:go="http://customooxmlschemas.google.com/" r:id="rId51" roundtripDataSignature="AMtx7mhUYQkAdlWas/Aaq1BKz8vXDKHvzQ=="/>
     </p:ext>
   </p:extLst>
 </p:presentation>
@@ -5078,7 +5083,768 @@
       </p:grpSpPr>
       <p:sp>
         <p:nvSpPr>
-          <p:cNvPr id="543" name="Google Shape;543;g3250edfcd6d_0_547:notes"/>
+          <p:cNvPr id="543" name="Google Shape;543;g32827eff7c2_0_0:notes"/>
+          <p:cNvSpPr/>
+          <p:nvPr>
+            <p:ph idx="2" type="sldImg"/>
+          </p:nvPr>
+        </p:nvSpPr>
+        <p:spPr>
+          <a:xfrm>
+            <a:off x="685800" y="1143000"/>
+            <a:ext cx="5486400" cy="3086100"/>
+          </a:xfrm>
+          <a:custGeom>
+            <a:rect b="b" l="l" r="r" t="t"/>
+            <a:pathLst>
+              <a:path extrusionOk="0" h="120000" w="120000">
+                <a:moveTo>
+                  <a:pt x="0" y="0"/>
+                </a:moveTo>
+                <a:lnTo>
+                  <a:pt x="120000" y="0"/>
+                </a:lnTo>
+                <a:lnTo>
+                  <a:pt x="120000" y="120000"/>
+                </a:lnTo>
+                <a:lnTo>
+                  <a:pt x="0" y="120000"/>
+                </a:lnTo>
+                <a:close/>
+              </a:path>
+            </a:pathLst>
+          </a:custGeom>
+        </p:spPr>
+      </p:sp>
+      <p:sp>
+        <p:nvSpPr>
+          <p:cNvPr id="544" name="Google Shape;544;g32827eff7c2_0_0:notes"/>
+          <p:cNvSpPr txBox="1"/>
+          <p:nvPr>
+            <p:ph idx="1" type="body"/>
+          </p:nvPr>
+        </p:nvSpPr>
+        <p:spPr>
+          <a:xfrm>
+            <a:off x="685800" y="4400550"/>
+            <a:ext cx="5486400" cy="3600600"/>
+          </a:xfrm>
+          <a:prstGeom prst="rect">
+            <a:avLst/>
+          </a:prstGeom>
+        </p:spPr>
+        <p:txBody>
+          <a:bodyPr anchorCtr="0" anchor="t" bIns="45700" lIns="91425" spcFirstLastPara="1" rIns="91425" wrap="square" tIns="45700">
+            <a:noAutofit/>
+          </a:bodyPr>
+          <a:lstStyle/>
+          <a:p>
+            <a:pPr indent="0" lvl="0" marL="0" rtl="0" algn="l">
+              <a:spcBef>
+                <a:spcPts val="0"/>
+              </a:spcBef>
+              <a:spcAft>
+                <a:spcPts val="0"/>
+              </a:spcAft>
+              <a:buNone/>
+            </a:pPr>
+            <a:r>
+              <a:t/>
+            </a:r>
+            <a:endParaRPr/>
+          </a:p>
+        </p:txBody>
+      </p:sp>
+      <p:sp>
+        <p:nvSpPr>
+          <p:cNvPr id="545" name="Google Shape;545;g32827eff7c2_0_0:notes"/>
+          <p:cNvSpPr txBox="1"/>
+          <p:nvPr>
+            <p:ph idx="12" type="sldNum"/>
+          </p:nvPr>
+        </p:nvSpPr>
+        <p:spPr>
+          <a:xfrm>
+            <a:off x="3884613" y="8685213"/>
+            <a:ext cx="2971800" cy="458700"/>
+          </a:xfrm>
+          <a:prstGeom prst="rect">
+            <a:avLst/>
+          </a:prstGeom>
+        </p:spPr>
+        <p:txBody>
+          <a:bodyPr anchorCtr="0" anchor="b" bIns="45700" lIns="91425" spcFirstLastPara="1" rIns="91425" wrap="square" tIns="45700">
+            <a:noAutofit/>
+          </a:bodyPr>
+          <a:lstStyle/>
+          <a:p>
+            <a:pPr indent="0" lvl="0" marL="0" rtl="0" algn="r">
+              <a:spcBef>
+                <a:spcPts val="0"/>
+              </a:spcBef>
+              <a:spcAft>
+                <a:spcPts val="0"/>
+              </a:spcAft>
+              <a:buClr>
+                <a:srgbClr val="000000"/>
+              </a:buClr>
+              <a:buSzPts val="1200"/>
+              <a:buFont typeface="Arial"/>
+              <a:buNone/>
+            </a:pPr>
+            <a:fld id="{00000000-1234-1234-1234-123412341234}" type="slidenum">
+              <a:rPr lang="ru-RU"/>
+              <a:t>‹#›</a:t>
+            </a:fld>
+            <a:endParaRPr/>
+          </a:p>
+        </p:txBody>
+      </p:sp>
+    </p:spTree>
+  </p:cSld>
+  <p:clrMapOvr>
+    <a:masterClrMapping/>
+  </p:clrMapOvr>
+</p:notes>
+</file>
+
+<file path=ppt/notesSlides/notesSlide32.xml><?xml version="1.0" encoding="utf-8"?>
+<p:notes xmlns:a="http://schemas.openxmlformats.org/drawingml/2006/main" xmlns:r="http://schemas.openxmlformats.org/officeDocument/2006/relationships" xmlns:mc="http://schemas.openxmlformats.org/markup-compatibility/2006" xmlns:mv="urn:schemas-microsoft-com:mac:vml" xmlns:p="http://schemas.openxmlformats.org/presentationml/2006/main" xmlns:c="http://schemas.openxmlformats.org/drawingml/2006/chart" xmlns:dgm="http://schemas.openxmlformats.org/drawingml/2006/diagram" xmlns:o="urn:schemas-microsoft-com:office:office" xmlns:v="urn:schemas-microsoft-com:vml" xmlns:pvml="urn:schemas-microsoft-com:office:powerpoint" xmlns:com="http://schemas.openxmlformats.org/drawingml/2006/compatibility" xmlns:p14="http://schemas.microsoft.com/office/powerpoint/2010/main" xmlns:p15="http://schemas.microsoft.com/office/powerpoint/2012/main" xmlns:ahyp="http://schemas.microsoft.com/office/drawing/2018/hyperlinkcolor" showMasterPhAnim="0" showMasterSp="0">
+  <p:cSld>
+    <p:spTree>
+      <p:nvGrpSpPr>
+        <p:cNvPr id="553" name="Shape 553"/>
+        <p:cNvGrpSpPr/>
+        <p:nvPr/>
+      </p:nvGrpSpPr>
+      <p:grpSpPr>
+        <a:xfrm>
+          <a:off x="0" y="0"/>
+          <a:ext cx="0" cy="0"/>
+          <a:chOff x="0" y="0"/>
+          <a:chExt cx="0" cy="0"/>
+        </a:xfrm>
+      </p:grpSpPr>
+      <p:sp>
+        <p:nvSpPr>
+          <p:cNvPr id="554" name="Google Shape;554;g32827eff7c2_0_29:notes"/>
+          <p:cNvSpPr/>
+          <p:nvPr>
+            <p:ph idx="2" type="sldImg"/>
+          </p:nvPr>
+        </p:nvSpPr>
+        <p:spPr>
+          <a:xfrm>
+            <a:off x="685800" y="1143000"/>
+            <a:ext cx="5486400" cy="3086100"/>
+          </a:xfrm>
+          <a:custGeom>
+            <a:rect b="b" l="l" r="r" t="t"/>
+            <a:pathLst>
+              <a:path extrusionOk="0" h="120000" w="120000">
+                <a:moveTo>
+                  <a:pt x="0" y="0"/>
+                </a:moveTo>
+                <a:lnTo>
+                  <a:pt x="120000" y="0"/>
+                </a:lnTo>
+                <a:lnTo>
+                  <a:pt x="120000" y="120000"/>
+                </a:lnTo>
+                <a:lnTo>
+                  <a:pt x="0" y="120000"/>
+                </a:lnTo>
+                <a:close/>
+              </a:path>
+            </a:pathLst>
+          </a:custGeom>
+        </p:spPr>
+      </p:sp>
+      <p:sp>
+        <p:nvSpPr>
+          <p:cNvPr id="555" name="Google Shape;555;g32827eff7c2_0_29:notes"/>
+          <p:cNvSpPr txBox="1"/>
+          <p:nvPr>
+            <p:ph idx="1" type="body"/>
+          </p:nvPr>
+        </p:nvSpPr>
+        <p:spPr>
+          <a:xfrm>
+            <a:off x="685800" y="4400550"/>
+            <a:ext cx="5486400" cy="3600600"/>
+          </a:xfrm>
+          <a:prstGeom prst="rect">
+            <a:avLst/>
+          </a:prstGeom>
+        </p:spPr>
+        <p:txBody>
+          <a:bodyPr anchorCtr="0" anchor="t" bIns="45700" lIns="91425" spcFirstLastPara="1" rIns="91425" wrap="square" tIns="45700">
+            <a:noAutofit/>
+          </a:bodyPr>
+          <a:lstStyle/>
+          <a:p>
+            <a:pPr indent="0" lvl="0" marL="0" rtl="0" algn="l">
+              <a:spcBef>
+                <a:spcPts val="0"/>
+              </a:spcBef>
+              <a:spcAft>
+                <a:spcPts val="0"/>
+              </a:spcAft>
+              <a:buNone/>
+            </a:pPr>
+            <a:r>
+              <a:rPr lang="ru-RU"/>
+              <a:t>Рассказываем приемущество использования асинхронных операций перед синхронными на примере обработки входящих запросов и занимаемым потокам</a:t>
+            </a:r>
+            <a:endParaRPr/>
+          </a:p>
+        </p:txBody>
+      </p:sp>
+      <p:sp>
+        <p:nvSpPr>
+          <p:cNvPr id="556" name="Google Shape;556;g32827eff7c2_0_29:notes"/>
+          <p:cNvSpPr txBox="1"/>
+          <p:nvPr>
+            <p:ph idx="12" type="sldNum"/>
+          </p:nvPr>
+        </p:nvSpPr>
+        <p:spPr>
+          <a:xfrm>
+            <a:off x="3884613" y="8685213"/>
+            <a:ext cx="2971800" cy="458700"/>
+          </a:xfrm>
+          <a:prstGeom prst="rect">
+            <a:avLst/>
+          </a:prstGeom>
+        </p:spPr>
+        <p:txBody>
+          <a:bodyPr anchorCtr="0" anchor="b" bIns="45700" lIns="91425" spcFirstLastPara="1" rIns="91425" wrap="square" tIns="45700">
+            <a:noAutofit/>
+          </a:bodyPr>
+          <a:lstStyle/>
+          <a:p>
+            <a:pPr indent="0" lvl="0" marL="0" rtl="0" algn="r">
+              <a:spcBef>
+                <a:spcPts val="0"/>
+              </a:spcBef>
+              <a:spcAft>
+                <a:spcPts val="0"/>
+              </a:spcAft>
+              <a:buClr>
+                <a:srgbClr val="000000"/>
+              </a:buClr>
+              <a:buSzPts val="1200"/>
+              <a:buFont typeface="Arial"/>
+              <a:buNone/>
+            </a:pPr>
+            <a:fld id="{00000000-1234-1234-1234-123412341234}" type="slidenum">
+              <a:rPr lang="ru-RU"/>
+              <a:t>‹#›</a:t>
+            </a:fld>
+            <a:endParaRPr/>
+          </a:p>
+        </p:txBody>
+      </p:sp>
+    </p:spTree>
+  </p:cSld>
+  <p:clrMapOvr>
+    <a:masterClrMapping/>
+  </p:clrMapOvr>
+</p:notes>
+</file>
+
+<file path=ppt/notesSlides/notesSlide33.xml><?xml version="1.0" encoding="utf-8"?>
+<p:notes xmlns:a="http://schemas.openxmlformats.org/drawingml/2006/main" xmlns:r="http://schemas.openxmlformats.org/officeDocument/2006/relationships" xmlns:mc="http://schemas.openxmlformats.org/markup-compatibility/2006" xmlns:mv="urn:schemas-microsoft-com:mac:vml" xmlns:p="http://schemas.openxmlformats.org/presentationml/2006/main" xmlns:c="http://schemas.openxmlformats.org/drawingml/2006/chart" xmlns:dgm="http://schemas.openxmlformats.org/drawingml/2006/diagram" xmlns:o="urn:schemas-microsoft-com:office:office" xmlns:v="urn:schemas-microsoft-com:vml" xmlns:pvml="urn:schemas-microsoft-com:office:powerpoint" xmlns:com="http://schemas.openxmlformats.org/drawingml/2006/compatibility" xmlns:p14="http://schemas.microsoft.com/office/powerpoint/2010/main" xmlns:p15="http://schemas.microsoft.com/office/powerpoint/2012/main" xmlns:ahyp="http://schemas.microsoft.com/office/drawing/2018/hyperlinkcolor" showMasterPhAnim="0" showMasterSp="0">
+  <p:cSld>
+    <p:spTree>
+      <p:nvGrpSpPr>
+        <p:cNvPr id="559" name="Shape 559"/>
+        <p:cNvGrpSpPr/>
+        <p:nvPr/>
+      </p:nvGrpSpPr>
+      <p:grpSpPr>
+        <a:xfrm>
+          <a:off x="0" y="0"/>
+          <a:ext cx="0" cy="0"/>
+          <a:chOff x="0" y="0"/>
+          <a:chExt cx="0" cy="0"/>
+        </a:xfrm>
+      </p:grpSpPr>
+      <p:sp>
+        <p:nvSpPr>
+          <p:cNvPr id="560" name="Google Shape;560;g32827eff7c2_0_11:notes"/>
+          <p:cNvSpPr/>
+          <p:nvPr>
+            <p:ph idx="2" type="sldImg"/>
+          </p:nvPr>
+        </p:nvSpPr>
+        <p:spPr>
+          <a:xfrm>
+            <a:off x="685800" y="1143000"/>
+            <a:ext cx="5486400" cy="3086100"/>
+          </a:xfrm>
+          <a:custGeom>
+            <a:rect b="b" l="l" r="r" t="t"/>
+            <a:pathLst>
+              <a:path extrusionOk="0" h="120000" w="120000">
+                <a:moveTo>
+                  <a:pt x="0" y="0"/>
+                </a:moveTo>
+                <a:lnTo>
+                  <a:pt x="120000" y="0"/>
+                </a:lnTo>
+                <a:lnTo>
+                  <a:pt x="120000" y="120000"/>
+                </a:lnTo>
+                <a:lnTo>
+                  <a:pt x="0" y="120000"/>
+                </a:lnTo>
+                <a:close/>
+              </a:path>
+            </a:pathLst>
+          </a:custGeom>
+        </p:spPr>
+      </p:sp>
+      <p:sp>
+        <p:nvSpPr>
+          <p:cNvPr id="561" name="Google Shape;561;g32827eff7c2_0_11:notes"/>
+          <p:cNvSpPr txBox="1"/>
+          <p:nvPr>
+            <p:ph idx="1" type="body"/>
+          </p:nvPr>
+        </p:nvSpPr>
+        <p:spPr>
+          <a:xfrm>
+            <a:off x="685800" y="4400550"/>
+            <a:ext cx="5486400" cy="3600600"/>
+          </a:xfrm>
+          <a:prstGeom prst="rect">
+            <a:avLst/>
+          </a:prstGeom>
+        </p:spPr>
+        <p:txBody>
+          <a:bodyPr anchorCtr="0" anchor="t" bIns="45700" lIns="91425" spcFirstLastPara="1" rIns="91425" wrap="square" tIns="45700">
+            <a:noAutofit/>
+          </a:bodyPr>
+          <a:lstStyle/>
+          <a:p>
+            <a:pPr indent="0" lvl="0" marL="0" rtl="0" algn="l">
+              <a:spcBef>
+                <a:spcPts val="0"/>
+              </a:spcBef>
+              <a:spcAft>
+                <a:spcPts val="0"/>
+              </a:spcAft>
+              <a:buNone/>
+            </a:pPr>
+            <a:r>
+              <a:rPr lang="ru-RU"/>
+              <a:t>В TPL и в современном многопоточном/асинхронном c# Task является ключевым классом, во круг которого все крутится.</a:t>
+            </a:r>
+            <a:br>
+              <a:rPr lang="ru-RU"/>
+            </a:br>
+            <a:r>
+              <a:rPr lang="ru-RU"/>
+              <a:t>Он несет в себе всю информацию о запущеной задаче, ее состоянии и результате ее работы</a:t>
+            </a:r>
+            <a:endParaRPr/>
+          </a:p>
+          <a:p>
+            <a:pPr indent="0" lvl="0" marL="0" rtl="0" algn="l">
+              <a:spcBef>
+                <a:spcPts val="0"/>
+              </a:spcBef>
+              <a:spcAft>
+                <a:spcPts val="0"/>
+              </a:spcAft>
+              <a:buNone/>
+            </a:pPr>
+            <a:r>
+              <a:t/>
+            </a:r>
+            <a:endParaRPr/>
+          </a:p>
+          <a:p>
+            <a:pPr indent="0" lvl="0" marL="0" rtl="0" algn="l">
+              <a:spcBef>
+                <a:spcPts val="0"/>
+              </a:spcBef>
+              <a:spcAft>
+                <a:spcPts val="0"/>
+              </a:spcAft>
+              <a:buNone/>
+            </a:pPr>
+            <a:r>
+              <a:rPr lang="ru-RU"/>
+              <a:t>Статические методы класса Task помогают нам оборачивать и запускать наш код в пуле потоков, дожидатся синхронно и асинхронно выполнения работы</a:t>
+            </a:r>
+            <a:endParaRPr/>
+          </a:p>
+        </p:txBody>
+      </p:sp>
+      <p:sp>
+        <p:nvSpPr>
+          <p:cNvPr id="562" name="Google Shape;562;g32827eff7c2_0_11:notes"/>
+          <p:cNvSpPr txBox="1"/>
+          <p:nvPr>
+            <p:ph idx="12" type="sldNum"/>
+          </p:nvPr>
+        </p:nvSpPr>
+        <p:spPr>
+          <a:xfrm>
+            <a:off x="3884613" y="8685213"/>
+            <a:ext cx="2971800" cy="458700"/>
+          </a:xfrm>
+          <a:prstGeom prst="rect">
+            <a:avLst/>
+          </a:prstGeom>
+        </p:spPr>
+        <p:txBody>
+          <a:bodyPr anchorCtr="0" anchor="b" bIns="45700" lIns="91425" spcFirstLastPara="1" rIns="91425" wrap="square" tIns="45700">
+            <a:noAutofit/>
+          </a:bodyPr>
+          <a:lstStyle/>
+          <a:p>
+            <a:pPr indent="0" lvl="0" marL="0" rtl="0" algn="r">
+              <a:spcBef>
+                <a:spcPts val="0"/>
+              </a:spcBef>
+              <a:spcAft>
+                <a:spcPts val="0"/>
+              </a:spcAft>
+              <a:buClr>
+                <a:srgbClr val="000000"/>
+              </a:buClr>
+              <a:buSzPts val="1200"/>
+              <a:buFont typeface="Arial"/>
+              <a:buNone/>
+            </a:pPr>
+            <a:fld id="{00000000-1234-1234-1234-123412341234}" type="slidenum">
+              <a:rPr lang="ru-RU"/>
+              <a:t>‹#›</a:t>
+            </a:fld>
+            <a:endParaRPr/>
+          </a:p>
+        </p:txBody>
+      </p:sp>
+    </p:spTree>
+  </p:cSld>
+  <p:clrMapOvr>
+    <a:masterClrMapping/>
+  </p:clrMapOvr>
+</p:notes>
+</file>
+
+<file path=ppt/notesSlides/notesSlide34.xml><?xml version="1.0" encoding="utf-8"?>
+<p:notes xmlns:a="http://schemas.openxmlformats.org/drawingml/2006/main" xmlns:r="http://schemas.openxmlformats.org/officeDocument/2006/relationships" xmlns:mc="http://schemas.openxmlformats.org/markup-compatibility/2006" xmlns:mv="urn:schemas-microsoft-com:mac:vml" xmlns:p="http://schemas.openxmlformats.org/presentationml/2006/main" xmlns:c="http://schemas.openxmlformats.org/drawingml/2006/chart" xmlns:dgm="http://schemas.openxmlformats.org/drawingml/2006/diagram" xmlns:o="urn:schemas-microsoft-com:office:office" xmlns:v="urn:schemas-microsoft-com:vml" xmlns:pvml="urn:schemas-microsoft-com:office:powerpoint" xmlns:com="http://schemas.openxmlformats.org/drawingml/2006/compatibility" xmlns:p14="http://schemas.microsoft.com/office/powerpoint/2010/main" xmlns:p15="http://schemas.microsoft.com/office/powerpoint/2012/main" xmlns:ahyp="http://schemas.microsoft.com/office/drawing/2018/hyperlinkcolor" showMasterPhAnim="0" showMasterSp="0">
+  <p:cSld>
+    <p:spTree>
+      <p:nvGrpSpPr>
+        <p:cNvPr id="566" name="Shape 566"/>
+        <p:cNvGrpSpPr/>
+        <p:nvPr/>
+      </p:nvGrpSpPr>
+      <p:grpSpPr>
+        <a:xfrm>
+          <a:off x="0" y="0"/>
+          <a:ext cx="0" cy="0"/>
+          <a:chOff x="0" y="0"/>
+          <a:chExt cx="0" cy="0"/>
+        </a:xfrm>
+      </p:grpSpPr>
+      <p:sp>
+        <p:nvSpPr>
+          <p:cNvPr id="567" name="Google Shape;567;g32827eff7c2_0_37:notes"/>
+          <p:cNvSpPr/>
+          <p:nvPr>
+            <p:ph idx="2" type="sldImg"/>
+          </p:nvPr>
+        </p:nvSpPr>
+        <p:spPr>
+          <a:xfrm>
+            <a:off x="685800" y="1143000"/>
+            <a:ext cx="5486400" cy="3086100"/>
+          </a:xfrm>
+          <a:custGeom>
+            <a:rect b="b" l="l" r="r" t="t"/>
+            <a:pathLst>
+              <a:path extrusionOk="0" h="120000" w="120000">
+                <a:moveTo>
+                  <a:pt x="0" y="0"/>
+                </a:moveTo>
+                <a:lnTo>
+                  <a:pt x="120000" y="0"/>
+                </a:lnTo>
+                <a:lnTo>
+                  <a:pt x="120000" y="120000"/>
+                </a:lnTo>
+                <a:lnTo>
+                  <a:pt x="0" y="120000"/>
+                </a:lnTo>
+                <a:close/>
+              </a:path>
+            </a:pathLst>
+          </a:custGeom>
+        </p:spPr>
+      </p:sp>
+      <p:sp>
+        <p:nvSpPr>
+          <p:cNvPr id="568" name="Google Shape;568;g32827eff7c2_0_37:notes"/>
+          <p:cNvSpPr txBox="1"/>
+          <p:nvPr>
+            <p:ph idx="1" type="body"/>
+          </p:nvPr>
+        </p:nvSpPr>
+        <p:spPr>
+          <a:xfrm>
+            <a:off x="685800" y="4400550"/>
+            <a:ext cx="5486400" cy="3600600"/>
+          </a:xfrm>
+          <a:prstGeom prst="rect">
+            <a:avLst/>
+          </a:prstGeom>
+        </p:spPr>
+        <p:txBody>
+          <a:bodyPr anchorCtr="0" anchor="t" bIns="45700" lIns="91425" spcFirstLastPara="1" rIns="91425" wrap="square" tIns="45700">
+            <a:noAutofit/>
+          </a:bodyPr>
+          <a:lstStyle/>
+          <a:p>
+            <a:pPr indent="0" lvl="0" marL="0" rtl="0" algn="l">
+              <a:spcBef>
+                <a:spcPts val="0"/>
+              </a:spcBef>
+              <a:spcAft>
+                <a:spcPts val="0"/>
+              </a:spcAft>
+              <a:buNone/>
+            </a:pPr>
+            <a:r>
+              <a:t/>
+            </a:r>
+            <a:endParaRPr/>
+          </a:p>
+        </p:txBody>
+      </p:sp>
+      <p:sp>
+        <p:nvSpPr>
+          <p:cNvPr id="569" name="Google Shape;569;g32827eff7c2_0_37:notes"/>
+          <p:cNvSpPr txBox="1"/>
+          <p:nvPr>
+            <p:ph idx="12" type="sldNum"/>
+          </p:nvPr>
+        </p:nvSpPr>
+        <p:spPr>
+          <a:xfrm>
+            <a:off x="3884613" y="8685213"/>
+            <a:ext cx="2971800" cy="458700"/>
+          </a:xfrm>
+          <a:prstGeom prst="rect">
+            <a:avLst/>
+          </a:prstGeom>
+        </p:spPr>
+        <p:txBody>
+          <a:bodyPr anchorCtr="0" anchor="b" bIns="45700" lIns="91425" spcFirstLastPara="1" rIns="91425" wrap="square" tIns="45700">
+            <a:noAutofit/>
+          </a:bodyPr>
+          <a:lstStyle/>
+          <a:p>
+            <a:pPr indent="0" lvl="0" marL="0" rtl="0" algn="r">
+              <a:spcBef>
+                <a:spcPts val="0"/>
+              </a:spcBef>
+              <a:spcAft>
+                <a:spcPts val="0"/>
+              </a:spcAft>
+              <a:buClr>
+                <a:srgbClr val="000000"/>
+              </a:buClr>
+              <a:buSzPts val="1200"/>
+              <a:buFont typeface="Arial"/>
+              <a:buNone/>
+            </a:pPr>
+            <a:fld id="{00000000-1234-1234-1234-123412341234}" type="slidenum">
+              <a:rPr lang="ru-RU"/>
+              <a:t>‹#›</a:t>
+            </a:fld>
+            <a:endParaRPr/>
+          </a:p>
+        </p:txBody>
+      </p:sp>
+    </p:spTree>
+  </p:cSld>
+  <p:clrMapOvr>
+    <a:masterClrMapping/>
+  </p:clrMapOvr>
+</p:notes>
+</file>
+
+<file path=ppt/notesSlides/notesSlide35.xml><?xml version="1.0" encoding="utf-8"?>
+<p:notes xmlns:a="http://schemas.openxmlformats.org/drawingml/2006/main" xmlns:r="http://schemas.openxmlformats.org/officeDocument/2006/relationships" xmlns:mc="http://schemas.openxmlformats.org/markup-compatibility/2006" xmlns:mv="urn:schemas-microsoft-com:mac:vml" xmlns:p="http://schemas.openxmlformats.org/presentationml/2006/main" xmlns:c="http://schemas.openxmlformats.org/drawingml/2006/chart" xmlns:dgm="http://schemas.openxmlformats.org/drawingml/2006/diagram" xmlns:o="urn:schemas-microsoft-com:office:office" xmlns:v="urn:schemas-microsoft-com:vml" xmlns:pvml="urn:schemas-microsoft-com:office:powerpoint" xmlns:com="http://schemas.openxmlformats.org/drawingml/2006/compatibility" xmlns:p14="http://schemas.microsoft.com/office/powerpoint/2010/main" xmlns:p15="http://schemas.microsoft.com/office/powerpoint/2012/main" xmlns:ahyp="http://schemas.microsoft.com/office/drawing/2018/hyperlinkcolor" showMasterPhAnim="0" showMasterSp="0">
+  <p:cSld>
+    <p:spTree>
+      <p:nvGrpSpPr>
+        <p:cNvPr id="573" name="Shape 573"/>
+        <p:cNvGrpSpPr/>
+        <p:nvPr/>
+      </p:nvGrpSpPr>
+      <p:grpSpPr>
+        <a:xfrm>
+          <a:off x="0" y="0"/>
+          <a:ext cx="0" cy="0"/>
+          <a:chOff x="0" y="0"/>
+          <a:chExt cx="0" cy="0"/>
+        </a:xfrm>
+      </p:grpSpPr>
+      <p:sp>
+        <p:nvSpPr>
+          <p:cNvPr id="574" name="Google Shape;574;g32827eff7c2_0_43:notes"/>
+          <p:cNvSpPr/>
+          <p:nvPr>
+            <p:ph idx="2" type="sldImg"/>
+          </p:nvPr>
+        </p:nvSpPr>
+        <p:spPr>
+          <a:xfrm>
+            <a:off x="685800" y="1143000"/>
+            <a:ext cx="5486400" cy="3086100"/>
+          </a:xfrm>
+          <a:custGeom>
+            <a:rect b="b" l="l" r="r" t="t"/>
+            <a:pathLst>
+              <a:path extrusionOk="0" h="120000" w="120000">
+                <a:moveTo>
+                  <a:pt x="0" y="0"/>
+                </a:moveTo>
+                <a:lnTo>
+                  <a:pt x="120000" y="0"/>
+                </a:lnTo>
+                <a:lnTo>
+                  <a:pt x="120000" y="120000"/>
+                </a:lnTo>
+                <a:lnTo>
+                  <a:pt x="0" y="120000"/>
+                </a:lnTo>
+                <a:close/>
+              </a:path>
+            </a:pathLst>
+          </a:custGeom>
+        </p:spPr>
+      </p:sp>
+      <p:sp>
+        <p:nvSpPr>
+          <p:cNvPr id="575" name="Google Shape;575;g32827eff7c2_0_43:notes"/>
+          <p:cNvSpPr txBox="1"/>
+          <p:nvPr>
+            <p:ph idx="1" type="body"/>
+          </p:nvPr>
+        </p:nvSpPr>
+        <p:spPr>
+          <a:xfrm>
+            <a:off x="685800" y="4400550"/>
+            <a:ext cx="5486400" cy="3600600"/>
+          </a:xfrm>
+          <a:prstGeom prst="rect">
+            <a:avLst/>
+          </a:prstGeom>
+        </p:spPr>
+        <p:txBody>
+          <a:bodyPr anchorCtr="0" anchor="t" bIns="45700" lIns="91425" spcFirstLastPara="1" rIns="91425" wrap="square" tIns="45700">
+            <a:noAutofit/>
+          </a:bodyPr>
+          <a:lstStyle/>
+          <a:p>
+            <a:pPr indent="0" lvl="0" marL="0" rtl="0" algn="l">
+              <a:spcBef>
+                <a:spcPts val="0"/>
+              </a:spcBef>
+              <a:spcAft>
+                <a:spcPts val="0"/>
+              </a:spcAft>
+              <a:buNone/>
+            </a:pPr>
+            <a:r>
+              <a:rPr lang="ru-RU"/>
+              <a:t>Рассказываем как происходит обработка выполнения асинхронного метода, в котором вызывается асинхронная операция (в данном случае сетевой запрос)</a:t>
+            </a:r>
+            <a:endParaRPr/>
+          </a:p>
+        </p:txBody>
+      </p:sp>
+      <p:sp>
+        <p:nvSpPr>
+          <p:cNvPr id="576" name="Google Shape;576;g32827eff7c2_0_43:notes"/>
+          <p:cNvSpPr txBox="1"/>
+          <p:nvPr>
+            <p:ph idx="12" type="sldNum"/>
+          </p:nvPr>
+        </p:nvSpPr>
+        <p:spPr>
+          <a:xfrm>
+            <a:off x="3884613" y="8685213"/>
+            <a:ext cx="2971800" cy="458700"/>
+          </a:xfrm>
+          <a:prstGeom prst="rect">
+            <a:avLst/>
+          </a:prstGeom>
+        </p:spPr>
+        <p:txBody>
+          <a:bodyPr anchorCtr="0" anchor="b" bIns="45700" lIns="91425" spcFirstLastPara="1" rIns="91425" wrap="square" tIns="45700">
+            <a:noAutofit/>
+          </a:bodyPr>
+          <a:lstStyle/>
+          <a:p>
+            <a:pPr indent="0" lvl="0" marL="0" rtl="0" algn="r">
+              <a:spcBef>
+                <a:spcPts val="0"/>
+              </a:spcBef>
+              <a:spcAft>
+                <a:spcPts val="0"/>
+              </a:spcAft>
+              <a:buClr>
+                <a:srgbClr val="000000"/>
+              </a:buClr>
+              <a:buSzPts val="1200"/>
+              <a:buFont typeface="Arial"/>
+              <a:buNone/>
+            </a:pPr>
+            <a:fld id="{00000000-1234-1234-1234-123412341234}" type="slidenum">
+              <a:rPr lang="ru-RU"/>
+              <a:t>‹#›</a:t>
+            </a:fld>
+            <a:endParaRPr/>
+          </a:p>
+        </p:txBody>
+      </p:sp>
+    </p:spTree>
+  </p:cSld>
+  <p:clrMapOvr>
+    <a:masterClrMapping/>
+  </p:clrMapOvr>
+</p:notes>
+</file>
+
+<file path=ppt/notesSlides/notesSlide36.xml><?xml version="1.0" encoding="utf-8"?>
+<p:notes xmlns:a="http://schemas.openxmlformats.org/drawingml/2006/main" xmlns:r="http://schemas.openxmlformats.org/officeDocument/2006/relationships" xmlns:mc="http://schemas.openxmlformats.org/markup-compatibility/2006" xmlns:mv="urn:schemas-microsoft-com:mac:vml" xmlns:p="http://schemas.openxmlformats.org/presentationml/2006/main" xmlns:c="http://schemas.openxmlformats.org/drawingml/2006/chart" xmlns:dgm="http://schemas.openxmlformats.org/drawingml/2006/diagram" xmlns:o="urn:schemas-microsoft-com:office:office" xmlns:v="urn:schemas-microsoft-com:vml" xmlns:pvml="urn:schemas-microsoft-com:office:powerpoint" xmlns:com="http://schemas.openxmlformats.org/drawingml/2006/compatibility" xmlns:p14="http://schemas.microsoft.com/office/powerpoint/2010/main" xmlns:p15="http://schemas.microsoft.com/office/powerpoint/2012/main" xmlns:ahyp="http://schemas.microsoft.com/office/drawing/2018/hyperlinkcolor" showMasterPhAnim="0" showMasterSp="0">
+  <p:cSld>
+    <p:spTree>
+      <p:nvGrpSpPr>
+        <p:cNvPr id="579" name="Shape 579"/>
+        <p:cNvGrpSpPr/>
+        <p:nvPr/>
+      </p:nvGrpSpPr>
+      <p:grpSpPr>
+        <a:xfrm>
+          <a:off x="0" y="0"/>
+          <a:ext cx="0" cy="0"/>
+          <a:chOff x="0" y="0"/>
+          <a:chExt cx="0" cy="0"/>
+        </a:xfrm>
+      </p:grpSpPr>
+      <p:sp>
+        <p:nvSpPr>
+          <p:cNvPr id="580" name="Google Shape;580;g3250edfcd6d_0_547:notes"/>
           <p:cNvSpPr txBox="1"/>
           <p:nvPr>
             <p:ph idx="1" type="body"/>
@@ -5125,7 +5891,7 @@
       </p:sp>
       <p:sp>
         <p:nvSpPr>
-          <p:cNvPr id="544" name="Google Shape;544;g3250edfcd6d_0_547:notes"/>
+          <p:cNvPr id="581" name="Google Shape;581;g3250edfcd6d_0_547:notes"/>
           <p:cNvSpPr/>
           <p:nvPr>
             <p:ph idx="2" type="sldImg"/>
@@ -39210,8 +39976,8 @@
         </p:nvSpPr>
         <p:spPr>
           <a:xfrm>
-            <a:off x="587375" y="2632300"/>
-            <a:ext cx="5400000" cy="2154900"/>
+            <a:off x="587375" y="2403700"/>
+            <a:ext cx="5400000" cy="3309300"/>
           </a:xfrm>
           <a:prstGeom prst="rect">
             <a:avLst/>
@@ -39384,7 +40150,7 @@
                 <a:spcPts val="600"/>
               </a:spcBef>
               <a:spcAft>
-                <a:spcPts val="600"/>
+                <a:spcPts val="0"/>
               </a:spcAft>
               <a:buClr>
                 <a:srgbClr val="000000"/>
@@ -39404,6 +40170,117 @@
                 <a:sym typeface="Montserrat"/>
               </a:rPr>
               <a:t>Старший инженер-программист</a:t>
+            </a:r>
+            <a:endParaRPr sz="2000">
+              <a:solidFill>
+                <a:schemeClr val="dk1"/>
+              </a:solidFill>
+              <a:latin typeface="Montserrat"/>
+              <a:ea typeface="Montserrat"/>
+              <a:cs typeface="Montserrat"/>
+              <a:sym typeface="Montserrat"/>
+            </a:endParaRPr>
+          </a:p>
+          <a:p>
+            <a:pPr indent="0" lvl="0" marL="0" marR="0" rtl="0" algn="l">
+              <a:lnSpc>
+                <a:spcPct val="100000"/>
+              </a:lnSpc>
+              <a:spcBef>
+                <a:spcPts val="600"/>
+              </a:spcBef>
+              <a:spcAft>
+                <a:spcPts val="0"/>
+              </a:spcAft>
+              <a:buClr>
+                <a:srgbClr val="000000"/>
+              </a:buClr>
+              <a:buSzPts val="2000"/>
+              <a:buFont typeface="Arial"/>
+              <a:buNone/>
+            </a:pPr>
+            <a:r>
+              <a:t/>
+            </a:r>
+            <a:endParaRPr sz="2000">
+              <a:solidFill>
+                <a:schemeClr val="dk1"/>
+              </a:solidFill>
+              <a:latin typeface="Montserrat"/>
+              <a:ea typeface="Montserrat"/>
+              <a:cs typeface="Montserrat"/>
+              <a:sym typeface="Montserrat"/>
+            </a:endParaRPr>
+          </a:p>
+          <a:p>
+            <a:pPr indent="0" lvl="0" marL="0" marR="0" rtl="0" algn="l">
+              <a:lnSpc>
+                <a:spcPct val="100000"/>
+              </a:lnSpc>
+              <a:spcBef>
+                <a:spcPts val="600"/>
+              </a:spcBef>
+              <a:spcAft>
+                <a:spcPts val="0"/>
+              </a:spcAft>
+              <a:buClr>
+                <a:srgbClr val="000000"/>
+              </a:buClr>
+              <a:buSzPts val="2000"/>
+              <a:buFont typeface="Arial"/>
+              <a:buNone/>
+            </a:pPr>
+            <a:r>
+              <a:rPr lang="ru-RU" sz="2000">
+                <a:solidFill>
+                  <a:schemeClr val="dk1"/>
+                </a:solidFill>
+                <a:latin typeface="Montserrat"/>
+                <a:ea typeface="Montserrat"/>
+                <a:cs typeface="Montserrat"/>
+                <a:sym typeface="Montserrat"/>
+              </a:rPr>
+              <a:t>Лиясов Сергей</a:t>
+            </a:r>
+            <a:endParaRPr sz="2000">
+              <a:solidFill>
+                <a:schemeClr val="dk1"/>
+              </a:solidFill>
+              <a:latin typeface="Montserrat"/>
+              <a:ea typeface="Montserrat"/>
+              <a:cs typeface="Montserrat"/>
+              <a:sym typeface="Montserrat"/>
+            </a:endParaRPr>
+          </a:p>
+          <a:p>
+            <a:pPr indent="0" lvl="0" marL="0" marR="0" rtl="0" algn="l">
+              <a:lnSpc>
+                <a:spcPct val="100000"/>
+              </a:lnSpc>
+              <a:spcBef>
+                <a:spcPts val="600"/>
+              </a:spcBef>
+              <a:spcAft>
+                <a:spcPts val="600"/>
+              </a:spcAft>
+              <a:buClr>
+                <a:srgbClr val="000000"/>
+              </a:buClr>
+              <a:buSzPts val="2000"/>
+              <a:buFont typeface="Arial"/>
+              <a:buNone/>
+            </a:pPr>
+            <a:r>
+              <a:rPr lang="ru-RU" sz="2000">
+                <a:solidFill>
+                  <a:schemeClr val="dk1"/>
+                </a:solidFill>
+                <a:latin typeface="Montserrat"/>
+                <a:ea typeface="Montserrat"/>
+                <a:cs typeface="Montserrat"/>
+                <a:sym typeface="Montserrat"/>
+              </a:rPr>
+              <a:t>инженер-программист</a:t>
             </a:r>
             <a:endParaRPr sz="2000">
               <a:solidFill>
@@ -40422,17 +41299,33 @@
                 <a:spcPts val="0"/>
               </a:spcAft>
               <a:buSzPts val="2000"/>
+              <a:buFont typeface="Montserrat"/>
               <a:buChar char="●"/>
             </a:pPr>
             <a:r>
-              <a:rPr lang="ru-RU"/>
+              <a:rPr lang="ru-RU">
+                <a:latin typeface="Montserrat"/>
+                <a:ea typeface="Montserrat"/>
+                <a:cs typeface="Montserrat"/>
+                <a:sym typeface="Montserrat"/>
+              </a:rPr>
               <a:t>Увеличение</a:t>
             </a:r>
             <a:r>
-              <a:rPr lang="ru-RU"/>
+              <a:rPr lang="ru-RU">
+                <a:latin typeface="Montserrat"/>
+                <a:ea typeface="Montserrat"/>
+                <a:cs typeface="Montserrat"/>
+                <a:sym typeface="Montserrat"/>
+              </a:rPr>
               <a:t> приоритета</a:t>
             </a:r>
-            <a:endParaRPr/>
+            <a:endParaRPr>
+              <a:latin typeface="Montserrat"/>
+              <a:ea typeface="Montserrat"/>
+              <a:cs typeface="Montserrat"/>
+              <a:sym typeface="Montserrat"/>
+            </a:endParaRPr>
           </a:p>
           <a:p>
             <a:pPr indent="-342900" lvl="1" marL="914400" rtl="0" algn="l">
@@ -40443,13 +41336,24 @@
                 <a:spcPts val="0"/>
               </a:spcAft>
               <a:buSzPts val="1800"/>
+              <a:buFont typeface="Montserrat"/>
               <a:buChar char="○"/>
             </a:pPr>
             <a:r>
-              <a:rPr lang="ru-RU"/>
+              <a:rPr lang="ru-RU">
+                <a:latin typeface="Montserrat"/>
+                <a:ea typeface="Montserrat"/>
+                <a:cs typeface="Montserrat"/>
+                <a:sym typeface="Montserrat"/>
+              </a:rPr>
               <a:t>Событие клавиатуры/мыши</a:t>
             </a:r>
-            <a:endParaRPr/>
+            <a:endParaRPr>
+              <a:latin typeface="Montserrat"/>
+              <a:ea typeface="Montserrat"/>
+              <a:cs typeface="Montserrat"/>
+              <a:sym typeface="Montserrat"/>
+            </a:endParaRPr>
           </a:p>
           <a:p>
             <a:pPr indent="-342900" lvl="1" marL="914400" rtl="0" algn="l">
@@ -40460,13 +41364,24 @@
                 <a:spcPts val="0"/>
               </a:spcAft>
               <a:buSzPts val="1800"/>
+              <a:buFont typeface="Montserrat"/>
               <a:buChar char="○"/>
             </a:pPr>
             <a:r>
-              <a:rPr lang="ru-RU"/>
+              <a:rPr lang="ru-RU">
+                <a:latin typeface="Montserrat"/>
+                <a:ea typeface="Montserrat"/>
+                <a:cs typeface="Montserrat"/>
+                <a:sym typeface="Montserrat"/>
+              </a:rPr>
               <a:t>Выход из состояния Wait</a:t>
             </a:r>
-            <a:endParaRPr/>
+            <a:endParaRPr>
+              <a:latin typeface="Montserrat"/>
+              <a:ea typeface="Montserrat"/>
+              <a:cs typeface="Montserrat"/>
+              <a:sym typeface="Montserrat"/>
+            </a:endParaRPr>
           </a:p>
           <a:p>
             <a:pPr indent="-342900" lvl="1" marL="914400" rtl="0" algn="l">
@@ -40477,13 +41392,24 @@
                 <a:spcPts val="0"/>
               </a:spcAft>
               <a:buSzPts val="1800"/>
+              <a:buFont typeface="Montserrat"/>
               <a:buChar char="○"/>
             </a:pPr>
             <a:r>
-              <a:rPr lang="ru-RU"/>
+              <a:rPr lang="ru-RU">
+                <a:latin typeface="Montserrat"/>
+                <a:ea typeface="Montserrat"/>
+                <a:cs typeface="Montserrat"/>
+                <a:sym typeface="Montserrat"/>
+              </a:rPr>
               <a:t>Окно стало активным</a:t>
             </a:r>
-            <a:endParaRPr/>
+            <a:endParaRPr>
+              <a:latin typeface="Montserrat"/>
+              <a:ea typeface="Montserrat"/>
+              <a:cs typeface="Montserrat"/>
+              <a:sym typeface="Montserrat"/>
+            </a:endParaRPr>
           </a:p>
           <a:p>
             <a:pPr indent="-342900" lvl="1" marL="914400" rtl="0" algn="l">
@@ -40494,13 +41420,24 @@
                 <a:spcPts val="0"/>
               </a:spcAft>
               <a:buSzPts val="1800"/>
+              <a:buFont typeface="Montserrat"/>
               <a:buChar char="○"/>
             </a:pPr>
             <a:r>
-              <a:rPr lang="ru-RU"/>
+              <a:rPr lang="ru-RU">
+                <a:latin typeface="Montserrat"/>
+                <a:ea typeface="Montserrat"/>
+                <a:cs typeface="Montserrat"/>
+                <a:sym typeface="Montserrat"/>
+              </a:rPr>
               <a:t>Поток ~3-4 сек. не получал квант времени</a:t>
             </a:r>
-            <a:endParaRPr/>
+            <a:endParaRPr>
+              <a:latin typeface="Montserrat"/>
+              <a:ea typeface="Montserrat"/>
+              <a:cs typeface="Montserrat"/>
+              <a:sym typeface="Montserrat"/>
+            </a:endParaRPr>
           </a:p>
           <a:p>
             <a:pPr indent="-342900" lvl="2" marL="1371600" rtl="0" algn="l">
@@ -40511,17 +41448,33 @@
                 <a:spcPts val="0"/>
               </a:spcAft>
               <a:buSzPts val="1800"/>
+              <a:buFont typeface="Montserrat"/>
               <a:buChar char="■"/>
             </a:pPr>
             <a:r>
-              <a:rPr lang="ru-RU"/>
+              <a:rPr lang="ru-RU">
+                <a:latin typeface="Montserrat"/>
+                <a:ea typeface="Montserrat"/>
+                <a:cs typeface="Montserrat"/>
+                <a:sym typeface="Montserrat"/>
+              </a:rPr>
               <a:t>Увеличение</a:t>
             </a:r>
             <a:r>
-              <a:rPr lang="ru-RU"/>
+              <a:rPr lang="ru-RU">
+                <a:latin typeface="Montserrat"/>
+                <a:ea typeface="Montserrat"/>
+                <a:cs typeface="Montserrat"/>
+                <a:sym typeface="Montserrat"/>
+              </a:rPr>
               <a:t> приоритета сразу до 15</a:t>
             </a:r>
-            <a:endParaRPr/>
+            <a:endParaRPr>
+              <a:latin typeface="Montserrat"/>
+              <a:ea typeface="Montserrat"/>
+              <a:cs typeface="Montserrat"/>
+              <a:sym typeface="Montserrat"/>
+            </a:endParaRPr>
           </a:p>
           <a:p>
             <a:pPr indent="-342900" lvl="2" marL="1371600" rtl="0" algn="l">
@@ -40532,17 +41485,33 @@
                 <a:spcPts val="0"/>
               </a:spcAft>
               <a:buSzPts val="1800"/>
+              <a:buFont typeface="Montserrat"/>
               <a:buChar char="■"/>
             </a:pPr>
             <a:r>
-              <a:rPr lang="ru-RU"/>
+              <a:rPr lang="ru-RU">
+                <a:latin typeface="Montserrat"/>
+                <a:ea typeface="Montserrat"/>
+                <a:cs typeface="Montserrat"/>
+                <a:sym typeface="Montserrat"/>
+              </a:rPr>
               <a:t>Увеличение</a:t>
             </a:r>
             <a:r>
-              <a:rPr lang="ru-RU"/>
+              <a:rPr lang="ru-RU">
+                <a:latin typeface="Montserrat"/>
+                <a:ea typeface="Montserrat"/>
+                <a:cs typeface="Montserrat"/>
+                <a:sym typeface="Montserrat"/>
+              </a:rPr>
               <a:t> длины кванта</a:t>
             </a:r>
-            <a:endParaRPr/>
+            <a:endParaRPr>
+              <a:latin typeface="Montserrat"/>
+              <a:ea typeface="Montserrat"/>
+              <a:cs typeface="Montserrat"/>
+              <a:sym typeface="Montserrat"/>
+            </a:endParaRPr>
           </a:p>
           <a:p>
             <a:pPr indent="-355600" lvl="0" marL="457200" rtl="0" algn="l">
@@ -40553,13 +41522,24 @@
                 <a:spcPts val="0"/>
               </a:spcAft>
               <a:buSzPts val="2000"/>
+              <a:buFont typeface="Montserrat"/>
               <a:buChar char="●"/>
             </a:pPr>
             <a:r>
-              <a:rPr lang="ru-RU"/>
+              <a:rPr lang="ru-RU">
+                <a:latin typeface="Montserrat"/>
+                <a:ea typeface="Montserrat"/>
+                <a:cs typeface="Montserrat"/>
+                <a:sym typeface="Montserrat"/>
+              </a:rPr>
               <a:t>Не применяется для RealTime</a:t>
             </a:r>
-            <a:endParaRPr/>
+            <a:endParaRPr>
+              <a:latin typeface="Montserrat"/>
+              <a:ea typeface="Montserrat"/>
+              <a:cs typeface="Montserrat"/>
+              <a:sym typeface="Montserrat"/>
+            </a:endParaRPr>
           </a:p>
           <a:p>
             <a:pPr indent="-355600" lvl="0" marL="457200" rtl="0" algn="l">
@@ -40570,13 +41550,24 @@
                 <a:spcPts val="0"/>
               </a:spcAft>
               <a:buSzPts val="2000"/>
+              <a:buFont typeface="Montserrat"/>
               <a:buChar char="●"/>
             </a:pPr>
             <a:r>
-              <a:rPr lang="ru-RU"/>
+              <a:rPr lang="ru-RU">
+                <a:latin typeface="Montserrat"/>
+                <a:ea typeface="Montserrat"/>
+                <a:cs typeface="Montserrat"/>
+                <a:sym typeface="Montserrat"/>
+              </a:rPr>
               <a:t>Выдается временно: очередной квант =&gt; -1 к приоритету и так до Base приоритета</a:t>
             </a:r>
-            <a:endParaRPr/>
+            <a:endParaRPr>
+              <a:latin typeface="Montserrat"/>
+              <a:ea typeface="Montserrat"/>
+              <a:cs typeface="Montserrat"/>
+              <a:sym typeface="Montserrat"/>
+            </a:endParaRPr>
           </a:p>
         </p:txBody>
       </p:sp>
@@ -40866,10 +41857,20 @@
               <a:buNone/>
             </a:pPr>
             <a:r>
-              <a:rPr lang="ru-RU"/>
+              <a:rPr lang="ru-RU">
+                <a:latin typeface="Montserrat"/>
+                <a:ea typeface="Montserrat"/>
+                <a:cs typeface="Montserrat"/>
+                <a:sym typeface="Montserrat"/>
+              </a:rPr>
               <a:t>Закон Амдала гласит, что максимальное ускорение, которое можно получить от параллелизации задачи, ограничено долей задачи, которая не может быть распараллелена.</a:t>
             </a:r>
-            <a:endParaRPr/>
+            <a:endParaRPr>
+              <a:latin typeface="Montserrat"/>
+              <a:ea typeface="Montserrat"/>
+              <a:cs typeface="Montserrat"/>
+              <a:sym typeface="Montserrat"/>
+            </a:endParaRPr>
           </a:p>
           <a:p>
             <a:pPr indent="0" lvl="0" marL="0" rtl="0" algn="l">
@@ -40884,7 +41885,12 @@
             <a:r>
               <a:t/>
             </a:r>
-            <a:endParaRPr/>
+            <a:endParaRPr>
+              <a:latin typeface="Montserrat"/>
+              <a:ea typeface="Montserrat"/>
+              <a:cs typeface="Montserrat"/>
+              <a:sym typeface="Montserrat"/>
+            </a:endParaRPr>
           </a:p>
           <a:p>
             <a:pPr indent="0" lvl="0" marL="0" rtl="0" algn="l">
@@ -40897,10 +41903,20 @@
               <a:buNone/>
             </a:pPr>
             <a:r>
-              <a:rPr lang="ru-RU"/>
+              <a:rPr lang="ru-RU">
+                <a:latin typeface="Montserrat"/>
+                <a:ea typeface="Montserrat"/>
+                <a:cs typeface="Montserrat"/>
+                <a:sym typeface="Montserrat"/>
+              </a:rPr>
               <a:t>Например, если 20% задачи нельзя распараллелить (f = 0,2), то максимальное ускорение, которое можно получить с использованием бесконечного количества процессоров (n стремится к бесконечности), составляет:</a:t>
             </a:r>
-            <a:endParaRPr/>
+            <a:endParaRPr>
+              <a:latin typeface="Montserrat"/>
+              <a:ea typeface="Montserrat"/>
+              <a:cs typeface="Montserrat"/>
+              <a:sym typeface="Montserrat"/>
+            </a:endParaRPr>
           </a:p>
           <a:p>
             <a:pPr indent="0" lvl="0" marL="0" rtl="0" algn="l">
@@ -40915,7 +41931,12 @@
             <a:r>
               <a:t/>
             </a:r>
-            <a:endParaRPr/>
+            <a:endParaRPr>
+              <a:latin typeface="Montserrat"/>
+              <a:ea typeface="Montserrat"/>
+              <a:cs typeface="Montserrat"/>
+              <a:sym typeface="Montserrat"/>
+            </a:endParaRPr>
           </a:p>
           <a:p>
             <a:pPr indent="0" lvl="0" marL="0" rtl="0" algn="l">
@@ -40928,10 +41949,20 @@
               <a:buNone/>
             </a:pPr>
             <a:r>
-              <a:rPr lang="ru-RU"/>
+              <a:rPr lang="ru-RU">
+                <a:latin typeface="Montserrat"/>
+                <a:ea typeface="Montserrat"/>
+                <a:cs typeface="Montserrat"/>
+                <a:sym typeface="Montserrat"/>
+              </a:rPr>
               <a:t>S = 1 / (1 - 0,2 + 0,2/∞) = 1 / 0,2 = 5</a:t>
             </a:r>
-            <a:endParaRPr/>
+            <a:endParaRPr>
+              <a:latin typeface="Montserrat"/>
+              <a:ea typeface="Montserrat"/>
+              <a:cs typeface="Montserrat"/>
+              <a:sym typeface="Montserrat"/>
+            </a:endParaRPr>
           </a:p>
           <a:p>
             <a:pPr indent="0" lvl="0" marL="0" rtl="0" algn="l">
@@ -40946,7 +41977,12 @@
             <a:r>
               <a:t/>
             </a:r>
-            <a:endParaRPr/>
+            <a:endParaRPr>
+              <a:latin typeface="Montserrat"/>
+              <a:ea typeface="Montserrat"/>
+              <a:cs typeface="Montserrat"/>
+              <a:sym typeface="Montserrat"/>
+            </a:endParaRPr>
           </a:p>
           <a:p>
             <a:pPr indent="0" lvl="0" marL="0" rtl="0" algn="l">
@@ -40965,7 +42001,12 @@
             <a:r>
               <a:t/>
             </a:r>
-            <a:endParaRPr/>
+            <a:endParaRPr>
+              <a:latin typeface="Montserrat"/>
+              <a:ea typeface="Montserrat"/>
+              <a:cs typeface="Montserrat"/>
+              <a:sym typeface="Montserrat"/>
+            </a:endParaRPr>
           </a:p>
         </p:txBody>
       </p:sp>
@@ -41067,14 +42108,29 @@
               <a:buNone/>
             </a:pPr>
             <a:r>
-              <a:rPr lang="ru-RU"/>
+              <a:rPr lang="ru-RU">
+                <a:latin typeface="Montserrat"/>
+                <a:ea typeface="Montserrat"/>
+                <a:cs typeface="Montserrat"/>
+                <a:sym typeface="Montserrat"/>
+              </a:rPr>
               <a:t>Напишите программу, которая вычислит размер кванта времени планировщика потоков.</a:t>
             </a:r>
             <a:br>
-              <a:rPr lang="ru-RU"/>
+              <a:rPr lang="ru-RU">
+                <a:latin typeface="Montserrat"/>
+                <a:ea typeface="Montserrat"/>
+                <a:cs typeface="Montserrat"/>
+                <a:sym typeface="Montserrat"/>
+              </a:rPr>
             </a:br>
             <a:r>
-              <a:rPr lang="ru-RU"/>
+              <a:rPr lang="ru-RU">
+                <a:latin typeface="Montserrat"/>
+                <a:ea typeface="Montserrat"/>
+                <a:cs typeface="Montserrat"/>
+                <a:sym typeface="Montserrat"/>
+              </a:rPr>
               <a:t>Воспользуйтесь заготовкой </a:t>
             </a:r>
             <a:r>
@@ -41082,6 +42138,10 @@
                 <a:solidFill>
                   <a:schemeClr val="dk1"/>
                 </a:solidFill>
+                <a:latin typeface="Montserrat"/>
+                <a:ea typeface="Montserrat"/>
+                <a:cs typeface="Montserrat"/>
+                <a:sym typeface="Montserrat"/>
               </a:rPr>
               <a:t>samples/QuantumOfSwitching</a:t>
             </a:r>
@@ -41089,6 +42149,10 @@
               <a:solidFill>
                 <a:schemeClr val="dk1"/>
               </a:solidFill>
+              <a:latin typeface="Montserrat"/>
+              <a:ea typeface="Montserrat"/>
+              <a:cs typeface="Montserrat"/>
+              <a:sym typeface="Montserrat"/>
             </a:endParaRPr>
           </a:p>
           <a:p>
@@ -41102,20 +42166,45 @@
               <a:buNone/>
             </a:pPr>
             <a:br>
-              <a:rPr lang="ru-RU"/>
+              <a:rPr lang="ru-RU">
+                <a:latin typeface="Montserrat"/>
+                <a:ea typeface="Montserrat"/>
+                <a:cs typeface="Montserrat"/>
+                <a:sym typeface="Montserrat"/>
+              </a:rPr>
             </a:br>
             <a:r>
-              <a:rPr lang="ru-RU"/>
+              <a:rPr lang="ru-RU">
+                <a:latin typeface="Montserrat"/>
+                <a:ea typeface="Montserrat"/>
+                <a:cs typeface="Montserrat"/>
+                <a:sym typeface="Montserrat"/>
+              </a:rPr>
               <a:t>Вероятно, вам понадобится больше одного потока в своей программе.</a:t>
             </a:r>
             <a:br>
-              <a:rPr lang="ru-RU"/>
+              <a:rPr lang="ru-RU">
+                <a:latin typeface="Montserrat"/>
+                <a:ea typeface="Montserrat"/>
+                <a:cs typeface="Montserrat"/>
+                <a:sym typeface="Montserrat"/>
+              </a:rPr>
             </a:br>
             <a:r>
-              <a:rPr lang="ru-RU"/>
+              <a:rPr lang="ru-RU">
+                <a:latin typeface="Montserrat"/>
+                <a:ea typeface="Montserrat"/>
+                <a:cs typeface="Montserrat"/>
+                <a:sym typeface="Montserrat"/>
+              </a:rPr>
               <a:t>Для более достоверного расчета, вам нужно будет искуственно привязать все потоки своего процесса к одному ядру</a:t>
             </a:r>
-            <a:endParaRPr/>
+            <a:endParaRPr>
+              <a:latin typeface="Montserrat"/>
+              <a:ea typeface="Montserrat"/>
+              <a:cs typeface="Montserrat"/>
+              <a:sym typeface="Montserrat"/>
+            </a:endParaRPr>
           </a:p>
           <a:p>
             <a:pPr indent="-342900" lvl="1" marL="914400" rtl="0" algn="l">
@@ -41129,6 +42218,7 @@
                 <a:spcPts val="0"/>
               </a:spcAft>
               <a:buSzPts val="1800"/>
+              <a:buFont typeface="Montserrat"/>
               <a:buChar char="○"/>
             </a:pPr>
             <a:r>
@@ -41136,6 +42226,10 @@
                 <a:solidFill>
                   <a:srgbClr val="2191FE"/>
                 </a:solidFill>
+                <a:latin typeface="Montserrat"/>
+                <a:ea typeface="Montserrat"/>
+                <a:cs typeface="Montserrat"/>
+                <a:sym typeface="Montserrat"/>
               </a:rPr>
               <a:t>Process</a:t>
             </a:r>
@@ -41144,6 +42238,10 @@
                 <a:solidFill>
                   <a:schemeClr val="dk1"/>
                 </a:solidFill>
+                <a:latin typeface="Montserrat"/>
+                <a:ea typeface="Montserrat"/>
+                <a:cs typeface="Montserrat"/>
+                <a:sym typeface="Montserrat"/>
               </a:rPr>
               <a:t>.</a:t>
             </a:r>
@@ -41152,6 +42250,10 @@
                 <a:solidFill>
                   <a:srgbClr val="64D843"/>
                 </a:solidFill>
+                <a:latin typeface="Montserrat"/>
+                <a:ea typeface="Montserrat"/>
+                <a:cs typeface="Montserrat"/>
+                <a:sym typeface="Montserrat"/>
               </a:rPr>
               <a:t>GetCurrentProcess</a:t>
             </a:r>
@@ -41160,6 +42262,10 @@
                 <a:solidFill>
                   <a:schemeClr val="dk1"/>
                 </a:solidFill>
+                <a:latin typeface="Montserrat"/>
+                <a:ea typeface="Montserrat"/>
+                <a:cs typeface="Montserrat"/>
+                <a:sym typeface="Montserrat"/>
               </a:rPr>
               <a:t>().</a:t>
             </a:r>
@@ -41168,6 +42274,10 @@
                 <a:solidFill>
                   <a:srgbClr val="2191FE"/>
                 </a:solidFill>
+                <a:latin typeface="Montserrat"/>
+                <a:ea typeface="Montserrat"/>
+                <a:cs typeface="Montserrat"/>
+                <a:sym typeface="Montserrat"/>
               </a:rPr>
               <a:t>ProcessorAffinity</a:t>
             </a:r>
@@ -41176,6 +42286,10 @@
                 <a:solidFill>
                   <a:schemeClr val="dk1"/>
                 </a:solidFill>
+                <a:latin typeface="Montserrat"/>
+                <a:ea typeface="Montserrat"/>
+                <a:cs typeface="Montserrat"/>
+                <a:sym typeface="Montserrat"/>
               </a:rPr>
               <a:t> = (</a:t>
             </a:r>
@@ -41184,6 +42298,10 @@
                 <a:solidFill>
                   <a:srgbClr val="2191FE"/>
                 </a:solidFill>
+                <a:latin typeface="Montserrat"/>
+                <a:ea typeface="Montserrat"/>
+                <a:cs typeface="Montserrat"/>
+                <a:sym typeface="Montserrat"/>
               </a:rPr>
               <a:t>IntPtr</a:t>
             </a:r>
@@ -41192,6 +42310,10 @@
                 <a:solidFill>
                   <a:schemeClr val="dk1"/>
                 </a:solidFill>
+                <a:latin typeface="Montserrat"/>
+                <a:ea typeface="Montserrat"/>
+                <a:cs typeface="Montserrat"/>
+                <a:sym typeface="Montserrat"/>
               </a:rPr>
               <a:t>)(1 &lt;&lt; processorNum)</a:t>
             </a:r>
@@ -41199,6 +42321,10 @@
               <a:solidFill>
                 <a:schemeClr val="dk1"/>
               </a:solidFill>
+              <a:latin typeface="Montserrat"/>
+              <a:ea typeface="Montserrat"/>
+              <a:cs typeface="Montserrat"/>
+              <a:sym typeface="Montserrat"/>
             </a:endParaRPr>
           </a:p>
           <a:p>
@@ -41214,7 +42340,12 @@
             <a:r>
               <a:t/>
             </a:r>
-            <a:endParaRPr/>
+            <a:endParaRPr>
+              <a:latin typeface="Montserrat"/>
+              <a:ea typeface="Montserrat"/>
+              <a:cs typeface="Montserrat"/>
+              <a:sym typeface="Montserrat"/>
+            </a:endParaRPr>
           </a:p>
         </p:txBody>
       </p:sp>
@@ -41314,7 +42445,7 @@
         </p:blipFill>
         <p:spPr>
           <a:xfrm>
-            <a:off x="472937" y="3365164"/>
+            <a:off x="472937" y="3669964"/>
             <a:ext cx="464734" cy="464734"/>
           </a:xfrm>
           <a:prstGeom prst="rect">
@@ -42576,14 +43707,29 @@
               <a:buNone/>
             </a:pPr>
             <a:r>
-              <a:rPr lang="ru-RU"/>
+              <a:rPr lang="ru-RU">
+                <a:latin typeface="Montserrat"/>
+                <a:ea typeface="Montserrat"/>
+                <a:cs typeface="Montserrat"/>
+                <a:sym typeface="Montserrat"/>
+              </a:rPr>
               <a:t>Напишите собственную реализацию пула потоков.</a:t>
             </a:r>
             <a:br>
-              <a:rPr lang="ru-RU"/>
+              <a:rPr lang="ru-RU">
+                <a:latin typeface="Montserrat"/>
+                <a:ea typeface="Montserrat"/>
+                <a:cs typeface="Montserrat"/>
+                <a:sym typeface="Montserrat"/>
+              </a:rPr>
             </a:br>
             <a:r>
-              <a:rPr lang="ru-RU"/>
+              <a:rPr lang="ru-RU">
+                <a:latin typeface="Montserrat"/>
+                <a:ea typeface="Montserrat"/>
+                <a:cs typeface="Montserrat"/>
+                <a:sym typeface="Montserrat"/>
+              </a:rPr>
               <a:t>Воспользуйтесь заготовкой </a:t>
             </a:r>
             <a:r>
@@ -42591,6 +43737,10 @@
                 <a:solidFill>
                   <a:schemeClr val="dk1"/>
                 </a:solidFill>
+                <a:latin typeface="Montserrat"/>
+                <a:ea typeface="Montserrat"/>
+                <a:cs typeface="Montserrat"/>
+                <a:sym typeface="Montserrat"/>
               </a:rPr>
               <a:t>samples/ThreadPool</a:t>
             </a:r>
@@ -42598,6 +43748,10 @@
               <a:solidFill>
                 <a:schemeClr val="dk1"/>
               </a:solidFill>
+              <a:latin typeface="Montserrat"/>
+              <a:ea typeface="Montserrat"/>
+              <a:cs typeface="Montserrat"/>
+              <a:sym typeface="Montserrat"/>
             </a:endParaRPr>
           </a:p>
           <a:p>
@@ -42611,13 +43765,28 @@
               <a:buNone/>
             </a:pPr>
             <a:br>
-              <a:rPr lang="ru-RU"/>
+              <a:rPr lang="ru-RU">
+                <a:latin typeface="Montserrat"/>
+                <a:ea typeface="Montserrat"/>
+                <a:cs typeface="Montserrat"/>
+                <a:sym typeface="Montserrat"/>
+              </a:rPr>
             </a:br>
             <a:r>
-              <a:rPr lang="ru-RU"/>
+              <a:rPr lang="ru-RU">
+                <a:latin typeface="Montserrat"/>
+                <a:ea typeface="Montserrat"/>
+                <a:cs typeface="Montserrat"/>
+                <a:sym typeface="Montserrat"/>
+              </a:rPr>
               <a:t>Обойдитесь без использования</a:t>
             </a:r>
-            <a:endParaRPr/>
+            <a:endParaRPr>
+              <a:latin typeface="Montserrat"/>
+              <a:ea typeface="Montserrat"/>
+              <a:cs typeface="Montserrat"/>
+              <a:sym typeface="Montserrat"/>
+            </a:endParaRPr>
           </a:p>
           <a:p>
             <a:pPr indent="-342900" lvl="1" marL="914400" rtl="0" algn="l">
@@ -42628,13 +43797,24 @@
                 <a:spcPts val="0"/>
               </a:spcAft>
               <a:buSzPts val="1800"/>
+              <a:buFont typeface="Montserrat"/>
               <a:buChar char="○"/>
             </a:pPr>
             <a:r>
-              <a:rPr lang="ru-RU"/>
+              <a:rPr lang="ru-RU">
+                <a:latin typeface="Montserrat"/>
+                <a:ea typeface="Montserrat"/>
+                <a:cs typeface="Montserrat"/>
+                <a:sym typeface="Montserrat"/>
+              </a:rPr>
               <a:t>SpinWait.SpinUntil</a:t>
             </a:r>
-            <a:endParaRPr/>
+            <a:endParaRPr>
+              <a:latin typeface="Montserrat"/>
+              <a:ea typeface="Montserrat"/>
+              <a:cs typeface="Montserrat"/>
+              <a:sym typeface="Montserrat"/>
+            </a:endParaRPr>
           </a:p>
           <a:p>
             <a:pPr indent="-342900" lvl="1" marL="914400" rtl="0" algn="l">
@@ -42645,13 +43825,24 @@
                 <a:spcPts val="0"/>
               </a:spcAft>
               <a:buSzPts val="1800"/>
+              <a:buFont typeface="Montserrat"/>
               <a:buChar char="○"/>
             </a:pPr>
             <a:r>
-              <a:rPr lang="ru-RU"/>
+              <a:rPr lang="ru-RU">
+                <a:latin typeface="Montserrat"/>
+                <a:ea typeface="Montserrat"/>
+                <a:cs typeface="Montserrat"/>
+                <a:sym typeface="Montserrat"/>
+              </a:rPr>
               <a:t>BlockingCollection</a:t>
             </a:r>
-            <a:endParaRPr/>
+            <a:endParaRPr>
+              <a:latin typeface="Montserrat"/>
+              <a:ea typeface="Montserrat"/>
+              <a:cs typeface="Montserrat"/>
+              <a:sym typeface="Montserrat"/>
+            </a:endParaRPr>
           </a:p>
         </p:txBody>
       </p:sp>
@@ -42912,7 +44103,12 @@
               <a:buNone/>
             </a:pPr>
             <a:r>
-              <a:rPr lang="ru-RU"/>
+              <a:rPr lang="ru-RU">
+                <a:latin typeface="Montserrat"/>
+                <a:ea typeface="Montserrat"/>
+                <a:cs typeface="Montserrat"/>
+                <a:sym typeface="Montserrat"/>
+              </a:rPr>
               <a:t>Пройти тест можно перейдя по ссылке: </a:t>
             </a:r>
             <a:r>
@@ -42920,11 +44116,20 @@
                 <a:solidFill>
                   <a:schemeClr val="hlink"/>
                 </a:solidFill>
+                <a:latin typeface="Montserrat"/>
+                <a:ea typeface="Montserrat"/>
+                <a:cs typeface="Montserrat"/>
+                <a:sym typeface="Montserrat"/>
                 <a:hlinkClick r:id="rId4"/>
               </a:rPr>
               <a:t>https://forms.gle/fWuMLseguYdtJJHW8</a:t>
             </a:r>
-            <a:endParaRPr/>
+            <a:endParaRPr>
+              <a:latin typeface="Montserrat"/>
+              <a:ea typeface="Montserrat"/>
+              <a:cs typeface="Montserrat"/>
+              <a:sym typeface="Montserrat"/>
+            </a:endParaRPr>
           </a:p>
           <a:p>
             <a:pPr indent="0" lvl="0" marL="0" rtl="0" algn="l">
@@ -42943,7 +44148,12 @@
             <a:r>
               <a:t/>
             </a:r>
-            <a:endParaRPr/>
+            <a:endParaRPr>
+              <a:latin typeface="Montserrat"/>
+              <a:ea typeface="Montserrat"/>
+              <a:cs typeface="Montserrat"/>
+              <a:sym typeface="Montserrat"/>
+            </a:endParaRPr>
           </a:p>
           <a:p>
             <a:pPr indent="0" lvl="0" marL="0" rtl="0" algn="l">
@@ -42960,10 +44170,20 @@
               <a:buNone/>
             </a:pPr>
             <a:r>
-              <a:rPr lang="ru-RU"/>
+              <a:rPr lang="ru-RU">
+                <a:latin typeface="Montserrat"/>
+                <a:ea typeface="Montserrat"/>
+                <a:cs typeface="Montserrat"/>
+                <a:sym typeface="Montserrat"/>
+              </a:rPr>
               <a:t>Или отсканировав QR</a:t>
             </a:r>
-            <a:endParaRPr/>
+            <a:endParaRPr>
+              <a:latin typeface="Montserrat"/>
+              <a:ea typeface="Montserrat"/>
+              <a:cs typeface="Montserrat"/>
+              <a:sym typeface="Montserrat"/>
+            </a:endParaRPr>
           </a:p>
           <a:p>
             <a:pPr indent="0" lvl="0" marL="0" rtl="0" algn="l">
@@ -42982,7 +44202,12 @@
             <a:r>
               <a:t/>
             </a:r>
-            <a:endParaRPr/>
+            <a:endParaRPr>
+              <a:latin typeface="Montserrat"/>
+              <a:ea typeface="Montserrat"/>
+              <a:cs typeface="Montserrat"/>
+              <a:sym typeface="Montserrat"/>
+            </a:endParaRPr>
           </a:p>
         </p:txBody>
       </p:sp>
@@ -43284,10 +44509,20 @@
               <a:buNone/>
             </a:pPr>
             <a:r>
-              <a:rPr lang="ru-RU"/>
+              <a:rPr lang="ru-RU">
+                <a:latin typeface="Montserrat"/>
+                <a:ea typeface="Montserrat"/>
+                <a:cs typeface="Montserrat"/>
+                <a:sym typeface="Montserrat"/>
+              </a:rPr>
               <a:t>Тред пул в .NET является динамическим и может управляться через</a:t>
             </a:r>
-            <a:endParaRPr/>
+            <a:endParaRPr>
+              <a:latin typeface="Montserrat"/>
+              <a:ea typeface="Montserrat"/>
+              <a:cs typeface="Montserrat"/>
+              <a:sym typeface="Montserrat"/>
+            </a:endParaRPr>
           </a:p>
           <a:p>
             <a:pPr indent="-355600" lvl="0" marL="457200" rtl="0" algn="l">
@@ -43301,13 +44536,24 @@
                 <a:spcPts val="0"/>
               </a:spcAft>
               <a:buSzPts val="2000"/>
+              <a:buFont typeface="Montserrat"/>
               <a:buChar char="●"/>
             </a:pPr>
             <a:r>
-              <a:rPr lang="ru-RU"/>
+              <a:rPr lang="ru-RU">
+                <a:latin typeface="Montserrat"/>
+                <a:ea typeface="Montserrat"/>
+                <a:cs typeface="Montserrat"/>
+                <a:sym typeface="Montserrat"/>
+              </a:rPr>
               <a:t>.SetMinThreads() - для выставления минимального количества потоков в пуле</a:t>
             </a:r>
-            <a:endParaRPr/>
+            <a:endParaRPr>
+              <a:latin typeface="Montserrat"/>
+              <a:ea typeface="Montserrat"/>
+              <a:cs typeface="Montserrat"/>
+              <a:sym typeface="Montserrat"/>
+            </a:endParaRPr>
           </a:p>
           <a:p>
             <a:pPr indent="-355600" lvl="0" marL="457200" rtl="0" algn="l">
@@ -43321,13 +44567,24 @@
                 <a:spcPts val="0"/>
               </a:spcAft>
               <a:buSzPts val="2000"/>
+              <a:buFont typeface="Montserrat"/>
               <a:buChar char="●"/>
             </a:pPr>
             <a:r>
-              <a:rPr lang="ru-RU"/>
+              <a:rPr lang="ru-RU">
+                <a:latin typeface="Montserrat"/>
+                <a:ea typeface="Montserrat"/>
+                <a:cs typeface="Montserrat"/>
+                <a:sym typeface="Montserrat"/>
+              </a:rPr>
               <a:t>.SetMaxThreads() - для выставления максимального количества потоков в пуле</a:t>
             </a:r>
-            <a:endParaRPr/>
+            <a:endParaRPr>
+              <a:latin typeface="Montserrat"/>
+              <a:ea typeface="Montserrat"/>
+              <a:cs typeface="Montserrat"/>
+              <a:sym typeface="Montserrat"/>
+            </a:endParaRPr>
           </a:p>
           <a:p>
             <a:pPr indent="0" lvl="0" marL="0" rtl="0" algn="l">
@@ -43346,7 +44603,12 @@
             <a:r>
               <a:t/>
             </a:r>
-            <a:endParaRPr/>
+            <a:endParaRPr>
+              <a:latin typeface="Montserrat"/>
+              <a:ea typeface="Montserrat"/>
+              <a:cs typeface="Montserrat"/>
+              <a:sym typeface="Montserrat"/>
+            </a:endParaRPr>
           </a:p>
         </p:txBody>
       </p:sp>
@@ -43476,13 +44738,24 @@
                 <a:spcPts val="0"/>
               </a:spcAft>
               <a:buSzPts val="2000"/>
+              <a:buFont typeface="Montserrat"/>
               <a:buChar char="●"/>
             </a:pPr>
             <a:r>
-              <a:rPr lang="ru-RU"/>
+              <a:rPr lang="ru-RU">
+                <a:latin typeface="Montserrat"/>
+                <a:ea typeface="Montserrat"/>
+                <a:cs typeface="Montserrat"/>
+                <a:sym typeface="Montserrat"/>
+              </a:rPr>
               <a:t>Interocked</a:t>
             </a:r>
-            <a:endParaRPr/>
+            <a:endParaRPr>
+              <a:latin typeface="Montserrat"/>
+              <a:ea typeface="Montserrat"/>
+              <a:cs typeface="Montserrat"/>
+              <a:sym typeface="Montserrat"/>
+            </a:endParaRPr>
           </a:p>
           <a:p>
             <a:pPr indent="-342900" lvl="1" marL="914400" rtl="0" algn="l">
@@ -43493,13 +44766,24 @@
                 <a:spcPts val="0"/>
               </a:spcAft>
               <a:buSzPts val="1800"/>
+              <a:buFont typeface="Montserrat"/>
               <a:buChar char="○"/>
             </a:pPr>
             <a:r>
-              <a:rPr lang="ru-RU"/>
+              <a:rPr lang="ru-RU">
+                <a:latin typeface="Montserrat"/>
+                <a:ea typeface="Montserrat"/>
+                <a:cs typeface="Montserrat"/>
+                <a:sym typeface="Montserrat"/>
+              </a:rPr>
               <a:t>System.Collections.Concurrent</a:t>
             </a:r>
-            <a:endParaRPr/>
+            <a:endParaRPr>
+              <a:latin typeface="Montserrat"/>
+              <a:ea typeface="Montserrat"/>
+              <a:cs typeface="Montserrat"/>
+              <a:sym typeface="Montserrat"/>
+            </a:endParaRPr>
           </a:p>
           <a:p>
             <a:pPr indent="-342900" lvl="2" marL="1371600" rtl="0" algn="l">
@@ -43510,13 +44794,24 @@
                 <a:spcPts val="0"/>
               </a:spcAft>
               <a:buSzPts val="1800"/>
+              <a:buFont typeface="Montserrat"/>
               <a:buChar char="■"/>
             </a:pPr>
             <a:r>
-              <a:rPr lang="ru-RU"/>
+              <a:rPr lang="ru-RU">
+                <a:latin typeface="Montserrat"/>
+                <a:ea typeface="Montserrat"/>
+                <a:cs typeface="Montserrat"/>
+                <a:sym typeface="Montserrat"/>
+              </a:rPr>
               <a:t>ConcurrentStack</a:t>
             </a:r>
-            <a:endParaRPr/>
+            <a:endParaRPr>
+              <a:latin typeface="Montserrat"/>
+              <a:ea typeface="Montserrat"/>
+              <a:cs typeface="Montserrat"/>
+              <a:sym typeface="Montserrat"/>
+            </a:endParaRPr>
           </a:p>
           <a:p>
             <a:pPr indent="-342900" lvl="3" marL="1828800" rtl="0" algn="l">
@@ -43527,13 +44822,24 @@
                 <a:spcPts val="0"/>
               </a:spcAft>
               <a:buSzPts val="1800"/>
+              <a:buFont typeface="Montserrat"/>
               <a:buChar char="●"/>
             </a:pPr>
             <a:r>
-              <a:rPr lang="ru-RU"/>
+              <a:rPr lang="ru-RU">
+                <a:latin typeface="Montserrat"/>
+                <a:ea typeface="Montserrat"/>
+                <a:cs typeface="Montserrat"/>
+                <a:sym typeface="Montserrat"/>
+              </a:rPr>
               <a:t>Interlocked.CompareExchange</a:t>
             </a:r>
-            <a:endParaRPr/>
+            <a:endParaRPr>
+              <a:latin typeface="Montserrat"/>
+              <a:ea typeface="Montserrat"/>
+              <a:cs typeface="Montserrat"/>
+              <a:sym typeface="Montserrat"/>
+            </a:endParaRPr>
           </a:p>
           <a:p>
             <a:pPr indent="-342900" lvl="2" marL="1371600" rtl="0" algn="l">
@@ -43544,13 +44850,24 @@
                 <a:spcPts val="0"/>
               </a:spcAft>
               <a:buSzPts val="1800"/>
+              <a:buFont typeface="Montserrat"/>
               <a:buChar char="■"/>
             </a:pPr>
             <a:r>
-              <a:rPr lang="ru-RU"/>
+              <a:rPr lang="ru-RU">
+                <a:latin typeface="Montserrat"/>
+                <a:ea typeface="Montserrat"/>
+                <a:cs typeface="Montserrat"/>
+                <a:sym typeface="Montserrat"/>
+              </a:rPr>
               <a:t>ConcurrentQueue</a:t>
             </a:r>
-            <a:endParaRPr/>
+            <a:endParaRPr>
+              <a:latin typeface="Montserrat"/>
+              <a:ea typeface="Montserrat"/>
+              <a:cs typeface="Montserrat"/>
+              <a:sym typeface="Montserrat"/>
+            </a:endParaRPr>
           </a:p>
           <a:p>
             <a:pPr indent="-342900" lvl="3" marL="1828800" rtl="0" algn="l">
@@ -43561,13 +44878,24 @@
                 <a:spcPts val="0"/>
               </a:spcAft>
               <a:buSzPts val="1800"/>
+              <a:buFont typeface="Montserrat"/>
               <a:buChar char="●"/>
             </a:pPr>
             <a:r>
-              <a:rPr lang="ru-RU"/>
+              <a:rPr lang="ru-RU">
+                <a:latin typeface="Montserrat"/>
+                <a:ea typeface="Montserrat"/>
+                <a:cs typeface="Montserrat"/>
+                <a:sym typeface="Montserrat"/>
+              </a:rPr>
               <a:t>тоже Interlocked.CompareExchange</a:t>
             </a:r>
-            <a:endParaRPr/>
+            <a:endParaRPr>
+              <a:latin typeface="Montserrat"/>
+              <a:ea typeface="Montserrat"/>
+              <a:cs typeface="Montserrat"/>
+              <a:sym typeface="Montserrat"/>
+            </a:endParaRPr>
           </a:p>
           <a:p>
             <a:pPr indent="-342900" lvl="2" marL="1371600" rtl="0" algn="l">
@@ -43578,13 +44906,24 @@
                 <a:spcPts val="0"/>
               </a:spcAft>
               <a:buSzPts val="1800"/>
+              <a:buFont typeface="Montserrat"/>
               <a:buChar char="■"/>
             </a:pPr>
             <a:r>
-              <a:rPr lang="ru-RU"/>
+              <a:rPr lang="ru-RU">
+                <a:latin typeface="Montserrat"/>
+                <a:ea typeface="Montserrat"/>
+                <a:cs typeface="Montserrat"/>
+                <a:sym typeface="Montserrat"/>
+              </a:rPr>
               <a:t>ConcurrentDictionary</a:t>
             </a:r>
-            <a:endParaRPr/>
+            <a:endParaRPr>
+              <a:latin typeface="Montserrat"/>
+              <a:ea typeface="Montserrat"/>
+              <a:cs typeface="Montserrat"/>
+              <a:sym typeface="Montserrat"/>
+            </a:endParaRPr>
           </a:p>
           <a:p>
             <a:pPr indent="-342900" lvl="3" marL="1828800" rtl="0" algn="l">
@@ -43595,13 +44934,24 @@
                 <a:spcPts val="0"/>
               </a:spcAft>
               <a:buSzPts val="1800"/>
+              <a:buFont typeface="Montserrat"/>
               <a:buChar char="●"/>
             </a:pPr>
             <a:r>
-              <a:rPr lang="ru-RU"/>
+              <a:rPr lang="ru-RU">
+                <a:latin typeface="Montserrat"/>
+                <a:ea typeface="Montserrat"/>
+                <a:cs typeface="Montserrat"/>
+                <a:sym typeface="Montserrat"/>
+              </a:rPr>
               <a:t>на lock-ах</a:t>
             </a:r>
-            <a:endParaRPr/>
+            <a:endParaRPr>
+              <a:latin typeface="Montserrat"/>
+              <a:ea typeface="Montserrat"/>
+              <a:cs typeface="Montserrat"/>
+              <a:sym typeface="Montserrat"/>
+            </a:endParaRPr>
           </a:p>
           <a:p>
             <a:pPr indent="-355600" lvl="0" marL="457200" rtl="0" algn="l">
@@ -43612,6 +44962,7 @@
                 <a:spcPts val="0"/>
               </a:spcAft>
               <a:buSzPts val="2000"/>
+              <a:buFont typeface="Montserrat"/>
               <a:buChar char="●"/>
             </a:pPr>
             <a:r>
@@ -43619,11 +44970,20 @@
                 <a:solidFill>
                   <a:schemeClr val="hlink"/>
                 </a:solidFill>
+                <a:latin typeface="Montserrat"/>
+                <a:ea typeface="Montserrat"/>
+                <a:cs typeface="Montserrat"/>
+                <a:sym typeface="Montserrat"/>
                 <a:hlinkClick r:id="rId3"/>
               </a:rPr>
               <a:t>.NET Memory Model</a:t>
             </a:r>
-            <a:endParaRPr/>
+            <a:endParaRPr>
+              <a:latin typeface="Montserrat"/>
+              <a:ea typeface="Montserrat"/>
+              <a:cs typeface="Montserrat"/>
+              <a:sym typeface="Montserrat"/>
+            </a:endParaRPr>
           </a:p>
           <a:p>
             <a:pPr indent="0" lvl="0" marL="0" rtl="0" algn="l">
@@ -43638,7 +44998,12 @@
             <a:r>
               <a:t/>
             </a:r>
-            <a:endParaRPr/>
+            <a:endParaRPr>
+              <a:latin typeface="Montserrat"/>
+              <a:ea typeface="Montserrat"/>
+              <a:cs typeface="Montserrat"/>
+              <a:sym typeface="Montserrat"/>
+            </a:endParaRPr>
           </a:p>
         </p:txBody>
       </p:sp>
@@ -43765,13 +45130,24 @@
                 <a:spcPts val="0"/>
               </a:spcAft>
               <a:buSzPts val="2000"/>
+              <a:buFont typeface="Montserrat"/>
               <a:buChar char="●"/>
             </a:pPr>
             <a:r>
-              <a:rPr lang="ru-RU"/>
+              <a:rPr lang="ru-RU">
+                <a:latin typeface="Montserrat"/>
+                <a:ea typeface="Montserrat"/>
+                <a:cs typeface="Montserrat"/>
+                <a:sym typeface="Montserrat"/>
+              </a:rPr>
               <a:t>Parallel LINQ (PLINQ)</a:t>
             </a:r>
-            <a:endParaRPr/>
+            <a:endParaRPr>
+              <a:latin typeface="Montserrat"/>
+              <a:ea typeface="Montserrat"/>
+              <a:cs typeface="Montserrat"/>
+              <a:sym typeface="Montserrat"/>
+            </a:endParaRPr>
           </a:p>
           <a:p>
             <a:pPr indent="-355600" lvl="0" marL="457200" rtl="0" algn="l">
@@ -43782,13 +45158,24 @@
                 <a:spcPts val="0"/>
               </a:spcAft>
               <a:buSzPts val="2000"/>
+              <a:buFont typeface="Montserrat"/>
               <a:buChar char="●"/>
             </a:pPr>
             <a:r>
-              <a:rPr lang="ru-RU"/>
+              <a:rPr lang="ru-RU">
+                <a:latin typeface="Montserrat"/>
+                <a:ea typeface="Montserrat"/>
+                <a:cs typeface="Montserrat"/>
+                <a:sym typeface="Montserrat"/>
+              </a:rPr>
               <a:t>Parallel class</a:t>
             </a:r>
-            <a:endParaRPr/>
+            <a:endParaRPr>
+              <a:latin typeface="Montserrat"/>
+              <a:ea typeface="Montserrat"/>
+              <a:cs typeface="Montserrat"/>
+              <a:sym typeface="Montserrat"/>
+            </a:endParaRPr>
           </a:p>
           <a:p>
             <a:pPr indent="-342900" lvl="1" marL="914400" rtl="0" algn="l">
@@ -43799,13 +45186,24 @@
                 <a:spcPts val="0"/>
               </a:spcAft>
               <a:buSzPts val="1800"/>
+              <a:buFont typeface="Montserrat"/>
               <a:buChar char="○"/>
             </a:pPr>
             <a:r>
-              <a:rPr lang="ru-RU"/>
+              <a:rPr lang="ru-RU">
+                <a:latin typeface="Montserrat"/>
+                <a:ea typeface="Montserrat"/>
+                <a:cs typeface="Montserrat"/>
+                <a:sym typeface="Montserrat"/>
+              </a:rPr>
               <a:t>Parallel.Invoke</a:t>
             </a:r>
-            <a:endParaRPr/>
+            <a:endParaRPr>
+              <a:latin typeface="Montserrat"/>
+              <a:ea typeface="Montserrat"/>
+              <a:cs typeface="Montserrat"/>
+              <a:sym typeface="Montserrat"/>
+            </a:endParaRPr>
           </a:p>
           <a:p>
             <a:pPr indent="-342900" lvl="1" marL="914400" rtl="0" algn="l">
@@ -43816,13 +45214,24 @@
                 <a:spcPts val="0"/>
               </a:spcAft>
               <a:buSzPts val="1800"/>
+              <a:buFont typeface="Montserrat"/>
               <a:buChar char="○"/>
             </a:pPr>
             <a:r>
-              <a:rPr lang="ru-RU"/>
+              <a:rPr lang="ru-RU">
+                <a:latin typeface="Montserrat"/>
+                <a:ea typeface="Montserrat"/>
+                <a:cs typeface="Montserrat"/>
+                <a:sym typeface="Montserrat"/>
+              </a:rPr>
               <a:t>Parallel.ForEach</a:t>
             </a:r>
-            <a:endParaRPr/>
+            <a:endParaRPr>
+              <a:latin typeface="Montserrat"/>
+              <a:ea typeface="Montserrat"/>
+              <a:cs typeface="Montserrat"/>
+              <a:sym typeface="Montserrat"/>
+            </a:endParaRPr>
           </a:p>
           <a:p>
             <a:pPr indent="-342900" lvl="1" marL="914400" rtl="0" algn="l">
@@ -43833,13 +45242,24 @@
                 <a:spcPts val="0"/>
               </a:spcAft>
               <a:buSzPts val="1800"/>
+              <a:buFont typeface="Montserrat"/>
               <a:buChar char="○"/>
             </a:pPr>
             <a:r>
-              <a:rPr lang="ru-RU"/>
+              <a:rPr lang="ru-RU">
+                <a:latin typeface="Montserrat"/>
+                <a:ea typeface="Montserrat"/>
+                <a:cs typeface="Montserrat"/>
+                <a:sym typeface="Montserrat"/>
+              </a:rPr>
               <a:t>Parallel.For</a:t>
             </a:r>
-            <a:endParaRPr/>
+            <a:endParaRPr>
+              <a:latin typeface="Montserrat"/>
+              <a:ea typeface="Montserrat"/>
+              <a:cs typeface="Montserrat"/>
+              <a:sym typeface="Montserrat"/>
+            </a:endParaRPr>
           </a:p>
           <a:p>
             <a:pPr indent="0" lvl="0" marL="0" rtl="0" algn="l">
@@ -43854,7 +45274,12 @@
             <a:r>
               <a:t/>
             </a:r>
-            <a:endParaRPr/>
+            <a:endParaRPr>
+              <a:latin typeface="Montserrat"/>
+              <a:ea typeface="Montserrat"/>
+              <a:cs typeface="Montserrat"/>
+              <a:sym typeface="Montserrat"/>
+            </a:endParaRPr>
           </a:p>
         </p:txBody>
       </p:sp>
@@ -44120,13 +45545,24 @@
                 <a:spcPts val="0"/>
               </a:spcAft>
               <a:buSzPts val="2000"/>
+              <a:buFont typeface="Montserrat"/>
               <a:buChar char="●"/>
             </a:pPr>
             <a:r>
-              <a:rPr lang="ru-RU"/>
+              <a:rPr lang="ru-RU">
+                <a:latin typeface="Montserrat"/>
+                <a:ea typeface="Montserrat"/>
+                <a:cs typeface="Montserrat"/>
+                <a:sym typeface="Montserrat"/>
+              </a:rPr>
               <a:t>.WithExecutionMode()</a:t>
             </a:r>
-            <a:endParaRPr/>
+            <a:endParaRPr>
+              <a:latin typeface="Montserrat"/>
+              <a:ea typeface="Montserrat"/>
+              <a:cs typeface="Montserrat"/>
+              <a:sym typeface="Montserrat"/>
+            </a:endParaRPr>
           </a:p>
           <a:p>
             <a:pPr indent="-342900" lvl="1" marL="914400" rtl="0" algn="l">
@@ -44137,13 +45573,24 @@
                 <a:spcPts val="0"/>
               </a:spcAft>
               <a:buSzPts val="1800"/>
+              <a:buFont typeface="Montserrat"/>
               <a:buChar char="○"/>
             </a:pPr>
             <a:r>
-              <a:rPr lang="ru-RU"/>
+              <a:rPr lang="ru-RU">
+                <a:latin typeface="Montserrat"/>
+                <a:ea typeface="Montserrat"/>
+                <a:cs typeface="Montserrat"/>
+                <a:sym typeface="Montserrat"/>
+              </a:rPr>
               <a:t>ParallelExecutionMode.ForceParallelism</a:t>
             </a:r>
-            <a:endParaRPr/>
+            <a:endParaRPr>
+              <a:latin typeface="Montserrat"/>
+              <a:ea typeface="Montserrat"/>
+              <a:cs typeface="Montserrat"/>
+              <a:sym typeface="Montserrat"/>
+            </a:endParaRPr>
           </a:p>
           <a:p>
             <a:pPr indent="-355600" lvl="0" marL="457200" rtl="0" algn="l">
@@ -44154,13 +45601,24 @@
                 <a:spcPts val="0"/>
               </a:spcAft>
               <a:buSzPts val="2000"/>
+              <a:buFont typeface="Montserrat"/>
               <a:buChar char="●"/>
             </a:pPr>
             <a:r>
-              <a:rPr lang="ru-RU"/>
+              <a:rPr lang="ru-RU">
+                <a:latin typeface="Montserrat"/>
+                <a:ea typeface="Montserrat"/>
+                <a:cs typeface="Montserrat"/>
+                <a:sym typeface="Montserrat"/>
+              </a:rPr>
               <a:t>.WithDegreeOfParallelism()</a:t>
             </a:r>
-            <a:endParaRPr/>
+            <a:endParaRPr>
+              <a:latin typeface="Montserrat"/>
+              <a:ea typeface="Montserrat"/>
+              <a:cs typeface="Montserrat"/>
+              <a:sym typeface="Montserrat"/>
+            </a:endParaRPr>
           </a:p>
           <a:p>
             <a:pPr indent="-342900" lvl="1" marL="914400" rtl="0" algn="l">
@@ -44171,13 +45629,24 @@
                 <a:spcPts val="0"/>
               </a:spcAft>
               <a:buSzPts val="1800"/>
+              <a:buFont typeface="Montserrat"/>
               <a:buChar char="○"/>
             </a:pPr>
             <a:r>
-              <a:rPr lang="ru-RU"/>
+              <a:rPr lang="ru-RU">
+                <a:latin typeface="Montserrat"/>
+                <a:ea typeface="Montserrat"/>
+                <a:cs typeface="Montserrat"/>
+                <a:sym typeface="Montserrat"/>
+              </a:rPr>
               <a:t>1..N=512</a:t>
             </a:r>
-            <a:endParaRPr/>
+            <a:endParaRPr>
+              <a:latin typeface="Montserrat"/>
+              <a:ea typeface="Montserrat"/>
+              <a:cs typeface="Montserrat"/>
+              <a:sym typeface="Montserrat"/>
+            </a:endParaRPr>
           </a:p>
           <a:p>
             <a:pPr indent="0" lvl="0" marL="0" rtl="0" algn="l">
@@ -44192,7 +45661,12 @@
             <a:r>
               <a:t/>
             </a:r>
-            <a:endParaRPr/>
+            <a:endParaRPr>
+              <a:latin typeface="Montserrat"/>
+              <a:ea typeface="Montserrat"/>
+              <a:cs typeface="Montserrat"/>
+              <a:sym typeface="Montserrat"/>
+            </a:endParaRPr>
           </a:p>
         </p:txBody>
       </p:sp>
@@ -44319,13 +45793,24 @@
                 <a:spcPts val="0"/>
               </a:spcAft>
               <a:buSzPts val="2000"/>
+              <a:buFont typeface="Montserrat"/>
               <a:buChar char="●"/>
             </a:pPr>
             <a:r>
-              <a:rPr lang="ru-RU"/>
+              <a:rPr lang="ru-RU">
+                <a:latin typeface="Montserrat"/>
+                <a:ea typeface="Montserrat"/>
+                <a:cs typeface="Montserrat"/>
+                <a:sym typeface="Montserrat"/>
+              </a:rPr>
               <a:t>.AsOrdered()</a:t>
             </a:r>
-            <a:endParaRPr/>
+            <a:endParaRPr>
+              <a:latin typeface="Montserrat"/>
+              <a:ea typeface="Montserrat"/>
+              <a:cs typeface="Montserrat"/>
+              <a:sym typeface="Montserrat"/>
+            </a:endParaRPr>
           </a:p>
           <a:p>
             <a:pPr indent="-342900" lvl="1" marL="914400" rtl="0" algn="l">
@@ -44336,13 +45821,24 @@
                 <a:spcPts val="0"/>
               </a:spcAft>
               <a:buSzPts val="1800"/>
+              <a:buFont typeface="Montserrat"/>
               <a:buChar char="○"/>
             </a:pPr>
             <a:r>
-              <a:rPr lang="ru-RU"/>
+              <a:rPr lang="ru-RU">
+                <a:latin typeface="Montserrat"/>
+                <a:ea typeface="Montserrat"/>
+                <a:cs typeface="Montserrat"/>
+                <a:sym typeface="Montserrat"/>
+              </a:rPr>
               <a:t>Order</a:t>
             </a:r>
-            <a:endParaRPr/>
+            <a:endParaRPr>
+              <a:latin typeface="Montserrat"/>
+              <a:ea typeface="Montserrat"/>
+              <a:cs typeface="Montserrat"/>
+              <a:sym typeface="Montserrat"/>
+            </a:endParaRPr>
           </a:p>
           <a:p>
             <a:pPr indent="-342900" lvl="1" marL="914400" rtl="0" algn="l">
@@ -44353,13 +45849,24 @@
                 <a:spcPts val="0"/>
               </a:spcAft>
               <a:buSzPts val="1800"/>
+              <a:buFont typeface="Montserrat"/>
               <a:buChar char="○"/>
             </a:pPr>
             <a:r>
-              <a:rPr lang="ru-RU"/>
+              <a:rPr lang="ru-RU">
+                <a:latin typeface="Montserrat"/>
+                <a:ea typeface="Montserrat"/>
+                <a:cs typeface="Montserrat"/>
+                <a:sym typeface="Montserrat"/>
+              </a:rPr>
               <a:t>Deterministic output for some operators</a:t>
             </a:r>
-            <a:endParaRPr/>
+            <a:endParaRPr>
+              <a:latin typeface="Montserrat"/>
+              <a:ea typeface="Montserrat"/>
+              <a:cs typeface="Montserrat"/>
+              <a:sym typeface="Montserrat"/>
+            </a:endParaRPr>
           </a:p>
           <a:p>
             <a:pPr indent="-342900" lvl="1" marL="914400" rtl="0" algn="l">
@@ -44370,13 +45877,24 @@
                 <a:spcPts val="0"/>
               </a:spcAft>
               <a:buSzPts val="1800"/>
+              <a:buFont typeface="Montserrat"/>
               <a:buChar char="○"/>
             </a:pPr>
             <a:r>
-              <a:rPr lang="ru-RU"/>
+              <a:rPr lang="ru-RU">
+                <a:latin typeface="Montserrat"/>
+                <a:ea typeface="Montserrat"/>
+                <a:cs typeface="Montserrat"/>
+                <a:sym typeface="Montserrat"/>
+              </a:rPr>
               <a:t>Performance degrading</a:t>
             </a:r>
-            <a:endParaRPr/>
+            <a:endParaRPr>
+              <a:latin typeface="Montserrat"/>
+              <a:ea typeface="Montserrat"/>
+              <a:cs typeface="Montserrat"/>
+              <a:sym typeface="Montserrat"/>
+            </a:endParaRPr>
           </a:p>
           <a:p>
             <a:pPr indent="-355600" lvl="0" marL="457200" rtl="0" algn="l">
@@ -44387,13 +45905,24 @@
                 <a:spcPts val="0"/>
               </a:spcAft>
               <a:buSzPts val="2000"/>
+              <a:buFont typeface="Montserrat"/>
               <a:buChar char="●"/>
             </a:pPr>
             <a:r>
-              <a:rPr lang="ru-RU"/>
+              <a:rPr lang="ru-RU">
+                <a:latin typeface="Montserrat"/>
+                <a:ea typeface="Montserrat"/>
+                <a:cs typeface="Montserrat"/>
+                <a:sym typeface="Montserrat"/>
+              </a:rPr>
               <a:t>.AsUnordered()</a:t>
             </a:r>
-            <a:endParaRPr/>
+            <a:endParaRPr>
+              <a:latin typeface="Montserrat"/>
+              <a:ea typeface="Montserrat"/>
+              <a:cs typeface="Montserrat"/>
+              <a:sym typeface="Montserrat"/>
+            </a:endParaRPr>
           </a:p>
           <a:p>
             <a:pPr indent="0" lvl="0" marL="0" rtl="0" algn="l">
@@ -44408,7 +45937,12 @@
             <a:r>
               <a:t/>
             </a:r>
-            <a:endParaRPr/>
+            <a:endParaRPr>
+              <a:latin typeface="Montserrat"/>
+              <a:ea typeface="Montserrat"/>
+              <a:cs typeface="Montserrat"/>
+              <a:sym typeface="Montserrat"/>
+            </a:endParaRPr>
           </a:p>
         </p:txBody>
       </p:sp>
@@ -44535,13 +46069,24 @@
                 <a:spcPts val="0"/>
               </a:spcAft>
               <a:buSzPts val="2000"/>
+              <a:buFont typeface="Montserrat"/>
               <a:buChar char="●"/>
             </a:pPr>
             <a:r>
-              <a:rPr lang="ru-RU"/>
+              <a:rPr lang="ru-RU">
+                <a:latin typeface="Montserrat"/>
+                <a:ea typeface="Montserrat"/>
+                <a:cs typeface="Montserrat"/>
+                <a:sym typeface="Montserrat"/>
+              </a:rPr>
               <a:t>.WithMergeOptions()</a:t>
             </a:r>
-            <a:endParaRPr/>
+            <a:endParaRPr>
+              <a:latin typeface="Montserrat"/>
+              <a:ea typeface="Montserrat"/>
+              <a:cs typeface="Montserrat"/>
+              <a:sym typeface="Montserrat"/>
+            </a:endParaRPr>
           </a:p>
           <a:p>
             <a:pPr indent="-342900" lvl="1" marL="914400" rtl="0" algn="l">
@@ -44552,13 +46097,24 @@
                 <a:spcPts val="0"/>
               </a:spcAft>
               <a:buSzPts val="1800"/>
+              <a:buFont typeface="Montserrat"/>
               <a:buChar char="○"/>
             </a:pPr>
             <a:r>
-              <a:rPr lang="ru-RU"/>
+              <a:rPr lang="ru-RU">
+                <a:latin typeface="Montserrat"/>
+                <a:ea typeface="Montserrat"/>
+                <a:cs typeface="Montserrat"/>
+                <a:sym typeface="Montserrat"/>
+              </a:rPr>
               <a:t>AutoBuffered</a:t>
             </a:r>
-            <a:endParaRPr/>
+            <a:endParaRPr>
+              <a:latin typeface="Montserrat"/>
+              <a:ea typeface="Montserrat"/>
+              <a:cs typeface="Montserrat"/>
+              <a:sym typeface="Montserrat"/>
+            </a:endParaRPr>
           </a:p>
           <a:p>
             <a:pPr indent="-342900" lvl="1" marL="914400" rtl="0" algn="l">
@@ -44569,13 +46125,24 @@
                 <a:spcPts val="0"/>
               </a:spcAft>
               <a:buSzPts val="1800"/>
+              <a:buFont typeface="Montserrat"/>
               <a:buChar char="○"/>
             </a:pPr>
             <a:r>
-              <a:rPr lang="ru-RU"/>
+              <a:rPr lang="ru-RU">
+                <a:latin typeface="Montserrat"/>
+                <a:ea typeface="Montserrat"/>
+                <a:cs typeface="Montserrat"/>
+                <a:sym typeface="Montserrat"/>
+              </a:rPr>
               <a:t>NotBuffered</a:t>
             </a:r>
-            <a:endParaRPr/>
+            <a:endParaRPr>
+              <a:latin typeface="Montserrat"/>
+              <a:ea typeface="Montserrat"/>
+              <a:cs typeface="Montserrat"/>
+              <a:sym typeface="Montserrat"/>
+            </a:endParaRPr>
           </a:p>
           <a:p>
             <a:pPr indent="-342900" lvl="1" marL="914400" rtl="0" algn="l">
@@ -44586,13 +46153,24 @@
                 <a:spcPts val="0"/>
               </a:spcAft>
               <a:buSzPts val="1800"/>
+              <a:buFont typeface="Montserrat"/>
               <a:buChar char="○"/>
             </a:pPr>
             <a:r>
-              <a:rPr lang="ru-RU"/>
+              <a:rPr lang="ru-RU">
+                <a:latin typeface="Montserrat"/>
+                <a:ea typeface="Montserrat"/>
+                <a:cs typeface="Montserrat"/>
+                <a:sym typeface="Montserrat"/>
+              </a:rPr>
               <a:t>FullyBuffered</a:t>
             </a:r>
-            <a:endParaRPr/>
+            <a:endParaRPr>
+              <a:latin typeface="Montserrat"/>
+              <a:ea typeface="Montserrat"/>
+              <a:cs typeface="Montserrat"/>
+              <a:sym typeface="Montserrat"/>
+            </a:endParaRPr>
           </a:p>
           <a:p>
             <a:pPr indent="0" lvl="0" marL="0" rtl="0" algn="l">
@@ -44607,7 +46185,12 @@
             <a:r>
               <a:t/>
             </a:r>
-            <a:endParaRPr/>
+            <a:endParaRPr>
+              <a:latin typeface="Montserrat"/>
+              <a:ea typeface="Montserrat"/>
+              <a:cs typeface="Montserrat"/>
+              <a:sym typeface="Montserrat"/>
+            </a:endParaRPr>
           </a:p>
           <a:p>
             <a:pPr indent="-355600" lvl="0" marL="457200" rtl="0" algn="l">
@@ -44618,13 +46201,24 @@
                 <a:spcPts val="0"/>
               </a:spcAft>
               <a:buSzPts val="2000"/>
+              <a:buFont typeface="Montserrat"/>
               <a:buChar char="●"/>
             </a:pPr>
             <a:r>
-              <a:rPr lang="ru-RU"/>
+              <a:rPr lang="ru-RU">
+                <a:latin typeface="Montserrat"/>
+                <a:ea typeface="Montserrat"/>
+                <a:cs typeface="Montserrat"/>
+                <a:sym typeface="Montserrat"/>
+              </a:rPr>
               <a:t>.WithCancellation()</a:t>
             </a:r>
-            <a:endParaRPr/>
+            <a:endParaRPr>
+              <a:latin typeface="Montserrat"/>
+              <a:ea typeface="Montserrat"/>
+              <a:cs typeface="Montserrat"/>
+              <a:sym typeface="Montserrat"/>
+            </a:endParaRPr>
           </a:p>
           <a:p>
             <a:pPr indent="0" lvl="0" marL="0" rtl="0" algn="l">
@@ -44639,7 +46233,12 @@
             <a:r>
               <a:t/>
             </a:r>
-            <a:endParaRPr/>
+            <a:endParaRPr>
+              <a:latin typeface="Montserrat"/>
+              <a:ea typeface="Montserrat"/>
+              <a:cs typeface="Montserrat"/>
+              <a:sym typeface="Montserrat"/>
+            </a:endParaRPr>
           </a:p>
         </p:txBody>
       </p:sp>
@@ -45259,7 +46858,7 @@
   <p:cSld>
     <p:spTree>
       <p:nvGrpSpPr>
-        <p:cNvPr id="545" name="Shape 545"/>
+        <p:cNvPr id="546" name="Shape 546"/>
         <p:cNvGrpSpPr/>
         <p:nvPr/>
       </p:nvGrpSpPr>
@@ -45273,7 +46872,1537 @@
       </p:grpSpPr>
       <p:sp>
         <p:nvSpPr>
-          <p:cNvPr id="546" name="Google Shape;546;g3250edfcd6d_0_547"/>
+          <p:cNvPr id="547" name="Google Shape;547;g32827eff7c2_0_0"/>
+          <p:cNvSpPr txBox="1"/>
+          <p:nvPr>
+            <p:ph type="title"/>
+          </p:nvPr>
+        </p:nvSpPr>
+        <p:spPr>
+          <a:xfrm>
+            <a:off x="594750" y="584200"/>
+            <a:ext cx="5400000" cy="1574100"/>
+          </a:xfrm>
+          <a:prstGeom prst="rect">
+            <a:avLst/>
+          </a:prstGeom>
+        </p:spPr>
+        <p:txBody>
+          <a:bodyPr anchorCtr="0" anchor="t" bIns="0" lIns="0" spcFirstLastPara="1" rIns="0" wrap="square" tIns="0">
+            <a:noAutofit/>
+          </a:bodyPr>
+          <a:lstStyle/>
+          <a:p>
+            <a:pPr indent="0" lvl="0" marL="0" rtl="0" algn="l">
+              <a:spcBef>
+                <a:spcPts val="0"/>
+              </a:spcBef>
+              <a:spcAft>
+                <a:spcPts val="0"/>
+              </a:spcAft>
+              <a:buNone/>
+            </a:pPr>
+            <a:r>
+              <a:rPr lang="ru-RU"/>
+              <a:t>TPL (Task Parallel Library)</a:t>
+            </a:r>
+            <a:endParaRPr/>
+          </a:p>
+        </p:txBody>
+      </p:sp>
+      <p:pic>
+        <p:nvPicPr>
+          <p:cNvPr id="548" name="Google Shape;548;g32827eff7c2_0_0"/>
+          <p:cNvPicPr preferRelativeResize="0"/>
+          <p:nvPr>
+            <p:ph idx="2" type="pic"/>
+          </p:nvPr>
+        </p:nvPicPr>
+        <p:blipFill rotWithShape="1">
+          <a:blip r:embed="rId3">
+            <a:alphaModFix/>
+          </a:blip>
+          <a:srcRect b="0" l="8772" r="29142" t="0"/>
+          <a:stretch/>
+        </p:blipFill>
+        <p:spPr>
+          <a:xfrm>
+            <a:off x="7098225" y="756400"/>
+            <a:ext cx="4489800" cy="4235700"/>
+          </a:xfrm>
+          <a:prstGeom prst="roundRect">
+            <a:avLst>
+              <a:gd fmla="val 16667" name="adj"/>
+            </a:avLst>
+          </a:prstGeom>
+        </p:spPr>
+      </p:pic>
+      <p:sp>
+        <p:nvSpPr>
+          <p:cNvPr id="549" name="Google Shape;549;g32827eff7c2_0_0"/>
+          <p:cNvSpPr txBox="1"/>
+          <p:nvPr>
+            <p:ph idx="3" type="body"/>
+          </p:nvPr>
+        </p:nvSpPr>
+        <p:spPr>
+          <a:xfrm>
+            <a:off x="1129275" y="2646525"/>
+            <a:ext cx="5678400" cy="3036000"/>
+          </a:xfrm>
+          <a:prstGeom prst="rect">
+            <a:avLst/>
+          </a:prstGeom>
+        </p:spPr>
+        <p:txBody>
+          <a:bodyPr anchorCtr="0" anchor="t" bIns="45700" lIns="0" spcFirstLastPara="1" rIns="0" wrap="square" tIns="45700">
+            <a:noAutofit/>
+          </a:bodyPr>
+          <a:lstStyle/>
+          <a:p>
+            <a:pPr indent="0" lvl="0" marL="0" rtl="0" algn="l">
+              <a:spcBef>
+                <a:spcPts val="0"/>
+              </a:spcBef>
+              <a:spcAft>
+                <a:spcPts val="0"/>
+              </a:spcAft>
+              <a:buNone/>
+            </a:pPr>
+            <a:r>
+              <a:rPr lang="ru-RU" sz="1800">
+                <a:latin typeface="Montserrat"/>
+                <a:ea typeface="Montserrat"/>
+                <a:cs typeface="Montserrat"/>
+                <a:sym typeface="Montserrat"/>
+              </a:rPr>
+              <a:t>Набор готовых классов и методов для более простого распараллеливания кода приложения</a:t>
+            </a:r>
+            <a:endParaRPr sz="1800">
+              <a:latin typeface="Montserrat"/>
+              <a:ea typeface="Montserrat"/>
+              <a:cs typeface="Montserrat"/>
+              <a:sym typeface="Montserrat"/>
+            </a:endParaRPr>
+          </a:p>
+          <a:p>
+            <a:pPr indent="0" lvl="0" marL="0" rtl="0" algn="l">
+              <a:spcBef>
+                <a:spcPts val="0"/>
+              </a:spcBef>
+              <a:spcAft>
+                <a:spcPts val="0"/>
+              </a:spcAft>
+              <a:buNone/>
+            </a:pPr>
+            <a:r>
+              <a:t/>
+            </a:r>
+            <a:endParaRPr sz="1800">
+              <a:latin typeface="Montserrat"/>
+              <a:ea typeface="Montserrat"/>
+              <a:cs typeface="Montserrat"/>
+              <a:sym typeface="Montserrat"/>
+            </a:endParaRPr>
+          </a:p>
+          <a:p>
+            <a:pPr indent="0" lvl="0" marL="0" rtl="0" algn="l">
+              <a:spcBef>
+                <a:spcPts val="0"/>
+              </a:spcBef>
+              <a:spcAft>
+                <a:spcPts val="0"/>
+              </a:spcAft>
+              <a:buNone/>
+            </a:pPr>
+            <a:r>
+              <a:rPr lang="ru-RU" sz="1800">
+                <a:latin typeface="Montserrat"/>
+                <a:ea typeface="Montserrat"/>
+                <a:cs typeface="Montserrat"/>
+                <a:sym typeface="Montserrat"/>
+              </a:rPr>
+              <a:t>Поддержка асинхронного программирования которое не блокирует исполнение приложения (потоки возвращаются в пул и выполняют полезную работу)</a:t>
+            </a:r>
+            <a:endParaRPr sz="1800">
+              <a:latin typeface="Montserrat"/>
+              <a:ea typeface="Montserrat"/>
+              <a:cs typeface="Montserrat"/>
+              <a:sym typeface="Montserrat"/>
+            </a:endParaRPr>
+          </a:p>
+          <a:p>
+            <a:pPr indent="0" lvl="0" marL="0" rtl="0" algn="l">
+              <a:spcBef>
+                <a:spcPts val="0"/>
+              </a:spcBef>
+              <a:spcAft>
+                <a:spcPts val="0"/>
+              </a:spcAft>
+              <a:buNone/>
+            </a:pPr>
+            <a:r>
+              <a:t/>
+            </a:r>
+            <a:endParaRPr sz="1800">
+              <a:latin typeface="Montserrat"/>
+              <a:ea typeface="Montserrat"/>
+              <a:cs typeface="Montserrat"/>
+              <a:sym typeface="Montserrat"/>
+            </a:endParaRPr>
+          </a:p>
+          <a:p>
+            <a:pPr indent="0" lvl="0" marL="0" rtl="0" algn="l">
+              <a:spcBef>
+                <a:spcPts val="0"/>
+              </a:spcBef>
+              <a:spcAft>
+                <a:spcPts val="0"/>
+              </a:spcAft>
+              <a:buNone/>
+            </a:pPr>
+            <a:r>
+              <a:rPr lang="ru-RU" sz="1800">
+                <a:latin typeface="Montserrat"/>
+                <a:ea typeface="Montserrat"/>
+                <a:cs typeface="Montserrat"/>
+                <a:sym typeface="Montserrat"/>
+              </a:rPr>
+              <a:t>Дает инструменты по управлению отменой, управлению состоянием и получению результатов</a:t>
+            </a:r>
+            <a:endParaRPr sz="1800">
+              <a:latin typeface="Montserrat"/>
+              <a:ea typeface="Montserrat"/>
+              <a:cs typeface="Montserrat"/>
+              <a:sym typeface="Montserrat"/>
+            </a:endParaRPr>
+          </a:p>
+        </p:txBody>
+      </p:sp>
+      <p:pic>
+        <p:nvPicPr>
+          <p:cNvPr id="550" name="Google Shape;550;g32827eff7c2_0_0"/>
+          <p:cNvPicPr preferRelativeResize="0"/>
+          <p:nvPr/>
+        </p:nvPicPr>
+        <p:blipFill rotWithShape="1">
+          <a:blip r:embed="rId4">
+            <a:alphaModFix/>
+          </a:blip>
+          <a:srcRect b="0" l="0" r="0" t="0"/>
+          <a:stretch/>
+        </p:blipFill>
+        <p:spPr>
+          <a:xfrm>
+            <a:off x="503162" y="2570314"/>
+            <a:ext cx="464734" cy="464734"/>
+          </a:xfrm>
+          <a:prstGeom prst="rect">
+            <a:avLst/>
+          </a:prstGeom>
+          <a:noFill/>
+          <a:ln>
+            <a:noFill/>
+          </a:ln>
+        </p:spPr>
+      </p:pic>
+      <p:pic>
+        <p:nvPicPr>
+          <p:cNvPr id="551" name="Google Shape;551;g32827eff7c2_0_0"/>
+          <p:cNvPicPr preferRelativeResize="0"/>
+          <p:nvPr/>
+        </p:nvPicPr>
+        <p:blipFill rotWithShape="1">
+          <a:blip r:embed="rId4">
+            <a:alphaModFix/>
+          </a:blip>
+          <a:srcRect b="0" l="0" r="0" t="0"/>
+          <a:stretch/>
+        </p:blipFill>
+        <p:spPr>
+          <a:xfrm>
+            <a:off x="503162" y="3501889"/>
+            <a:ext cx="464734" cy="464734"/>
+          </a:xfrm>
+          <a:prstGeom prst="rect">
+            <a:avLst/>
+          </a:prstGeom>
+          <a:noFill/>
+          <a:ln>
+            <a:noFill/>
+          </a:ln>
+        </p:spPr>
+      </p:pic>
+      <p:pic>
+        <p:nvPicPr>
+          <p:cNvPr id="552" name="Google Shape;552;g32827eff7c2_0_0"/>
+          <p:cNvPicPr preferRelativeResize="0"/>
+          <p:nvPr/>
+        </p:nvPicPr>
+        <p:blipFill rotWithShape="1">
+          <a:blip r:embed="rId4">
+            <a:alphaModFix/>
+          </a:blip>
+          <a:srcRect b="0" l="0" r="0" t="0"/>
+          <a:stretch/>
+        </p:blipFill>
+        <p:spPr>
+          <a:xfrm>
+            <a:off x="503162" y="4768139"/>
+            <a:ext cx="464734" cy="464734"/>
+          </a:xfrm>
+          <a:prstGeom prst="rect">
+            <a:avLst/>
+          </a:prstGeom>
+          <a:noFill/>
+          <a:ln>
+            <a:noFill/>
+          </a:ln>
+        </p:spPr>
+      </p:pic>
+    </p:spTree>
+  </p:cSld>
+  <p:clrMapOvr>
+    <a:masterClrMapping/>
+  </p:clrMapOvr>
+</p:sld>
+</file>
+
+<file path=ppt/slides/slide32.xml><?xml version="1.0" encoding="utf-8"?>
+<p:sld xmlns:a="http://schemas.openxmlformats.org/drawingml/2006/main" xmlns:r="http://schemas.openxmlformats.org/officeDocument/2006/relationships" xmlns:mc="http://schemas.openxmlformats.org/markup-compatibility/2006" xmlns:mv="urn:schemas-microsoft-com:mac:vml" xmlns:p="http://schemas.openxmlformats.org/presentationml/2006/main" xmlns:c="http://schemas.openxmlformats.org/drawingml/2006/chart" xmlns:dgm="http://schemas.openxmlformats.org/drawingml/2006/diagram" xmlns:o="urn:schemas-microsoft-com:office:office" xmlns:v="urn:schemas-microsoft-com:vml" xmlns:pvml="urn:schemas-microsoft-com:office:powerpoint" xmlns:com="http://schemas.openxmlformats.org/drawingml/2006/compatibility" xmlns:p14="http://schemas.microsoft.com/office/powerpoint/2010/main" xmlns:p15="http://schemas.microsoft.com/office/powerpoint/2012/main" xmlns:ahyp="http://schemas.microsoft.com/office/drawing/2018/hyperlinkcolor">
+  <p:cSld>
+    <p:spTree>
+      <p:nvGrpSpPr>
+        <p:cNvPr id="557" name="Shape 557"/>
+        <p:cNvGrpSpPr/>
+        <p:nvPr/>
+      </p:nvGrpSpPr>
+      <p:grpSpPr>
+        <a:xfrm>
+          <a:off x="0" y="0"/>
+          <a:ext cx="0" cy="0"/>
+          <a:chOff x="0" y="0"/>
+          <a:chExt cx="0" cy="0"/>
+        </a:xfrm>
+      </p:grpSpPr>
+      <p:pic>
+        <p:nvPicPr>
+          <p:cNvPr id="558" name="Google Shape;558;g32827eff7c2_0_29"/>
+          <p:cNvPicPr preferRelativeResize="0"/>
+          <p:nvPr>
+            <p:ph idx="2" type="pic"/>
+          </p:nvPr>
+        </p:nvPicPr>
+        <p:blipFill rotWithShape="1">
+          <a:blip r:embed="rId3">
+            <a:alphaModFix/>
+          </a:blip>
+          <a:srcRect b="8757" l="-12173" r="-12173" t="21292"/>
+          <a:stretch/>
+        </p:blipFill>
+        <p:spPr>
+          <a:xfrm>
+            <a:off x="0" y="0"/>
+            <a:ext cx="12192000" cy="6858000"/>
+          </a:xfrm>
+          <a:prstGeom prst="rect">
+            <a:avLst/>
+          </a:prstGeom>
+        </p:spPr>
+      </p:pic>
+    </p:spTree>
+  </p:cSld>
+  <p:clrMapOvr>
+    <a:masterClrMapping/>
+  </p:clrMapOvr>
+</p:sld>
+</file>
+
+<file path=ppt/slides/slide33.xml><?xml version="1.0" encoding="utf-8"?>
+<p:sld xmlns:a="http://schemas.openxmlformats.org/drawingml/2006/main" xmlns:r="http://schemas.openxmlformats.org/officeDocument/2006/relationships" xmlns:mc="http://schemas.openxmlformats.org/markup-compatibility/2006" xmlns:mv="urn:schemas-microsoft-com:mac:vml" xmlns:p="http://schemas.openxmlformats.org/presentationml/2006/main" xmlns:c="http://schemas.openxmlformats.org/drawingml/2006/chart" xmlns:dgm="http://schemas.openxmlformats.org/drawingml/2006/diagram" xmlns:o="urn:schemas-microsoft-com:office:office" xmlns:v="urn:schemas-microsoft-com:vml" xmlns:pvml="urn:schemas-microsoft-com:office:powerpoint" xmlns:com="http://schemas.openxmlformats.org/drawingml/2006/compatibility" xmlns:p14="http://schemas.microsoft.com/office/powerpoint/2010/main" xmlns:p15="http://schemas.microsoft.com/office/powerpoint/2012/main" xmlns:ahyp="http://schemas.microsoft.com/office/drawing/2018/hyperlinkcolor">
+  <p:cSld>
+    <p:spTree>
+      <p:nvGrpSpPr>
+        <p:cNvPr id="563" name="Shape 563"/>
+        <p:cNvGrpSpPr/>
+        <p:nvPr/>
+      </p:nvGrpSpPr>
+      <p:grpSpPr>
+        <a:xfrm>
+          <a:off x="0" y="0"/>
+          <a:ext cx="0" cy="0"/>
+          <a:chOff x="0" y="0"/>
+          <a:chExt cx="0" cy="0"/>
+        </a:xfrm>
+      </p:grpSpPr>
+      <p:sp>
+        <p:nvSpPr>
+          <p:cNvPr id="564" name="Google Shape;564;g32827eff7c2_0_11"/>
+          <p:cNvSpPr txBox="1"/>
+          <p:nvPr>
+            <p:ph type="title"/>
+          </p:nvPr>
+        </p:nvSpPr>
+        <p:spPr>
+          <a:xfrm>
+            <a:off x="415600" y="593367"/>
+            <a:ext cx="11360700" cy="763500"/>
+          </a:xfrm>
+          <a:prstGeom prst="rect">
+            <a:avLst/>
+          </a:prstGeom>
+        </p:spPr>
+        <p:txBody>
+          <a:bodyPr anchorCtr="0" anchor="t" bIns="121900" lIns="121900" spcFirstLastPara="1" rIns="121900" wrap="square" tIns="121900">
+            <a:normAutofit fontScale="90000"/>
+          </a:bodyPr>
+          <a:lstStyle/>
+          <a:p>
+            <a:pPr indent="0" lvl="0" marL="0" rtl="0" algn="l">
+              <a:spcBef>
+                <a:spcPts val="0"/>
+              </a:spcBef>
+              <a:spcAft>
+                <a:spcPts val="0"/>
+              </a:spcAft>
+              <a:buNone/>
+            </a:pPr>
+            <a:r>
+              <a:rPr lang="ru-RU"/>
+              <a:t>Класс Task</a:t>
+            </a:r>
+            <a:endParaRPr/>
+          </a:p>
+        </p:txBody>
+      </p:sp>
+      <p:sp>
+        <p:nvSpPr>
+          <p:cNvPr id="565" name="Google Shape;565;g32827eff7c2_0_11"/>
+          <p:cNvSpPr txBox="1"/>
+          <p:nvPr>
+            <p:ph idx="1" type="body"/>
+          </p:nvPr>
+        </p:nvSpPr>
+        <p:spPr>
+          <a:xfrm>
+            <a:off x="415600" y="1536624"/>
+            <a:ext cx="11360700" cy="4948200"/>
+          </a:xfrm>
+          <a:prstGeom prst="rect">
+            <a:avLst/>
+          </a:prstGeom>
+        </p:spPr>
+        <p:txBody>
+          <a:bodyPr anchorCtr="0" anchor="t" bIns="121900" lIns="121900" spcFirstLastPara="1" rIns="121900" wrap="square" tIns="121900">
+            <a:noAutofit/>
+          </a:bodyPr>
+          <a:lstStyle/>
+          <a:p>
+            <a:pPr indent="-317500" lvl="0" marL="457200" rtl="0" algn="l">
+              <a:spcBef>
+                <a:spcPts val="1200"/>
+              </a:spcBef>
+              <a:spcAft>
+                <a:spcPts val="0"/>
+              </a:spcAft>
+              <a:buClr>
+                <a:schemeClr val="dk1"/>
+              </a:buClr>
+              <a:buSzPts val="1400"/>
+              <a:buChar char="●"/>
+            </a:pPr>
+            <a:r>
+              <a:rPr b="1" lang="ru-RU" sz="1400">
+                <a:solidFill>
+                  <a:schemeClr val="dk1"/>
+                </a:solidFill>
+                <a:latin typeface="Montserrat"/>
+                <a:ea typeface="Montserrat"/>
+                <a:cs typeface="Montserrat"/>
+                <a:sym typeface="Montserrat"/>
+              </a:rPr>
+              <a:t>AsyncState</a:t>
+            </a:r>
+            <a:r>
+              <a:rPr lang="ru-RU" sz="1400">
+                <a:solidFill>
+                  <a:schemeClr val="dk1"/>
+                </a:solidFill>
+                <a:latin typeface="Montserrat"/>
+                <a:ea typeface="Montserrat"/>
+                <a:cs typeface="Montserrat"/>
+                <a:sym typeface="Montserrat"/>
+              </a:rPr>
+              <a:t>: возвращает объект состояния задачи</a:t>
+            </a:r>
+            <a:endParaRPr sz="1400">
+              <a:solidFill>
+                <a:schemeClr val="dk1"/>
+              </a:solidFill>
+              <a:latin typeface="Montserrat"/>
+              <a:ea typeface="Montserrat"/>
+              <a:cs typeface="Montserrat"/>
+              <a:sym typeface="Montserrat"/>
+            </a:endParaRPr>
+          </a:p>
+          <a:p>
+            <a:pPr indent="-317500" lvl="0" marL="457200" rtl="0" algn="l">
+              <a:spcBef>
+                <a:spcPts val="0"/>
+              </a:spcBef>
+              <a:spcAft>
+                <a:spcPts val="0"/>
+              </a:spcAft>
+              <a:buClr>
+                <a:schemeClr val="dk1"/>
+              </a:buClr>
+              <a:buSzPts val="1400"/>
+              <a:buChar char="●"/>
+            </a:pPr>
+            <a:r>
+              <a:rPr b="1" lang="ru-RU" sz="1400">
+                <a:solidFill>
+                  <a:schemeClr val="dk1"/>
+                </a:solidFill>
+                <a:latin typeface="Montserrat"/>
+                <a:ea typeface="Montserrat"/>
+                <a:cs typeface="Montserrat"/>
+                <a:sym typeface="Montserrat"/>
+              </a:rPr>
+              <a:t>CurrentId</a:t>
+            </a:r>
+            <a:r>
+              <a:rPr lang="ru-RU" sz="1400">
+                <a:solidFill>
+                  <a:schemeClr val="dk1"/>
+                </a:solidFill>
+                <a:latin typeface="Montserrat"/>
+                <a:ea typeface="Montserrat"/>
+                <a:cs typeface="Montserrat"/>
+                <a:sym typeface="Montserrat"/>
+              </a:rPr>
+              <a:t>: возвращает идентификатор текущей задачи (статическое свойство)</a:t>
+            </a:r>
+            <a:endParaRPr sz="1400">
+              <a:solidFill>
+                <a:schemeClr val="dk1"/>
+              </a:solidFill>
+              <a:latin typeface="Montserrat"/>
+              <a:ea typeface="Montserrat"/>
+              <a:cs typeface="Montserrat"/>
+              <a:sym typeface="Montserrat"/>
+            </a:endParaRPr>
+          </a:p>
+          <a:p>
+            <a:pPr indent="-317500" lvl="0" marL="457200" rtl="0" algn="l">
+              <a:spcBef>
+                <a:spcPts val="0"/>
+              </a:spcBef>
+              <a:spcAft>
+                <a:spcPts val="0"/>
+              </a:spcAft>
+              <a:buClr>
+                <a:schemeClr val="dk1"/>
+              </a:buClr>
+              <a:buSzPts val="1400"/>
+              <a:buChar char="●"/>
+            </a:pPr>
+            <a:r>
+              <a:rPr b="1" lang="ru-RU" sz="1400">
+                <a:solidFill>
+                  <a:schemeClr val="dk1"/>
+                </a:solidFill>
+                <a:latin typeface="Montserrat"/>
+                <a:ea typeface="Montserrat"/>
+                <a:cs typeface="Montserrat"/>
+                <a:sym typeface="Montserrat"/>
+              </a:rPr>
+              <a:t>Id</a:t>
+            </a:r>
+            <a:r>
+              <a:rPr lang="ru-RU" sz="1400">
+                <a:solidFill>
+                  <a:schemeClr val="dk1"/>
+                </a:solidFill>
+                <a:latin typeface="Montserrat"/>
+                <a:ea typeface="Montserrat"/>
+                <a:cs typeface="Montserrat"/>
+                <a:sym typeface="Montserrat"/>
+              </a:rPr>
+              <a:t>: возвращает идентификатор текущей задачи</a:t>
+            </a:r>
+            <a:endParaRPr sz="1400">
+              <a:solidFill>
+                <a:schemeClr val="dk1"/>
+              </a:solidFill>
+              <a:latin typeface="Montserrat"/>
+              <a:ea typeface="Montserrat"/>
+              <a:cs typeface="Montserrat"/>
+              <a:sym typeface="Montserrat"/>
+            </a:endParaRPr>
+          </a:p>
+          <a:p>
+            <a:pPr indent="-317500" lvl="0" marL="457200" rtl="0" algn="l">
+              <a:spcBef>
+                <a:spcPts val="0"/>
+              </a:spcBef>
+              <a:spcAft>
+                <a:spcPts val="0"/>
+              </a:spcAft>
+              <a:buClr>
+                <a:schemeClr val="dk1"/>
+              </a:buClr>
+              <a:buSzPts val="1400"/>
+              <a:buChar char="●"/>
+            </a:pPr>
+            <a:r>
+              <a:rPr b="1" lang="ru-RU" sz="1400">
+                <a:solidFill>
+                  <a:schemeClr val="dk1"/>
+                </a:solidFill>
+                <a:latin typeface="Montserrat"/>
+                <a:ea typeface="Montserrat"/>
+                <a:cs typeface="Montserrat"/>
+                <a:sym typeface="Montserrat"/>
+              </a:rPr>
+              <a:t>Exception</a:t>
+            </a:r>
+            <a:r>
+              <a:rPr lang="ru-RU" sz="1400">
+                <a:solidFill>
+                  <a:schemeClr val="dk1"/>
+                </a:solidFill>
+                <a:latin typeface="Montserrat"/>
+                <a:ea typeface="Montserrat"/>
+                <a:cs typeface="Montserrat"/>
+                <a:sym typeface="Montserrat"/>
+              </a:rPr>
+              <a:t>: возвращает объект исключения, возникшего при выполнении задачи</a:t>
+            </a:r>
+            <a:endParaRPr sz="1400">
+              <a:solidFill>
+                <a:schemeClr val="dk1"/>
+              </a:solidFill>
+              <a:latin typeface="Montserrat"/>
+              <a:ea typeface="Montserrat"/>
+              <a:cs typeface="Montserrat"/>
+              <a:sym typeface="Montserrat"/>
+            </a:endParaRPr>
+          </a:p>
+          <a:p>
+            <a:pPr indent="-317500" lvl="0" marL="457200" rtl="0" algn="l">
+              <a:spcBef>
+                <a:spcPts val="0"/>
+              </a:spcBef>
+              <a:spcAft>
+                <a:spcPts val="0"/>
+              </a:spcAft>
+              <a:buClr>
+                <a:schemeClr val="dk1"/>
+              </a:buClr>
+              <a:buSzPts val="1400"/>
+              <a:buChar char="●"/>
+            </a:pPr>
+            <a:r>
+              <a:rPr b="1" lang="ru-RU" sz="1400">
+                <a:solidFill>
+                  <a:schemeClr val="dk1"/>
+                </a:solidFill>
+                <a:latin typeface="Montserrat"/>
+                <a:ea typeface="Montserrat"/>
+                <a:cs typeface="Montserrat"/>
+                <a:sym typeface="Montserrat"/>
+              </a:rPr>
+              <a:t>Status</a:t>
+            </a:r>
+            <a:r>
+              <a:rPr lang="ru-RU" sz="1400">
+                <a:solidFill>
+                  <a:schemeClr val="dk1"/>
+                </a:solidFill>
+                <a:latin typeface="Montserrat"/>
+                <a:ea typeface="Montserrat"/>
+                <a:cs typeface="Montserrat"/>
+                <a:sym typeface="Montserrat"/>
+              </a:rPr>
+              <a:t>: возвращает статус задачи. Представляет перечисление System.Threading.Tasks.TaskStatus, которое имеет следующие значения:</a:t>
+            </a:r>
+            <a:endParaRPr sz="1400">
+              <a:solidFill>
+                <a:schemeClr val="dk1"/>
+              </a:solidFill>
+              <a:latin typeface="Montserrat"/>
+              <a:ea typeface="Montserrat"/>
+              <a:cs typeface="Montserrat"/>
+              <a:sym typeface="Montserrat"/>
+            </a:endParaRPr>
+          </a:p>
+          <a:p>
+            <a:pPr indent="-298450" lvl="1" marL="914400" rtl="0" algn="l">
+              <a:spcBef>
+                <a:spcPts val="0"/>
+              </a:spcBef>
+              <a:spcAft>
+                <a:spcPts val="0"/>
+              </a:spcAft>
+              <a:buClr>
+                <a:schemeClr val="dk1"/>
+              </a:buClr>
+              <a:buSzPts val="1100"/>
+              <a:buChar char="○"/>
+            </a:pPr>
+            <a:r>
+              <a:rPr lang="ru-RU" sz="1100">
+                <a:solidFill>
+                  <a:schemeClr val="dk1"/>
+                </a:solidFill>
+                <a:latin typeface="Montserrat"/>
+                <a:ea typeface="Montserrat"/>
+                <a:cs typeface="Montserrat"/>
+                <a:sym typeface="Montserrat"/>
+              </a:rPr>
+              <a:t>Canceled: задача отменена</a:t>
+            </a:r>
+            <a:endParaRPr sz="1100">
+              <a:solidFill>
+                <a:schemeClr val="dk1"/>
+              </a:solidFill>
+              <a:latin typeface="Montserrat"/>
+              <a:ea typeface="Montserrat"/>
+              <a:cs typeface="Montserrat"/>
+              <a:sym typeface="Montserrat"/>
+            </a:endParaRPr>
+          </a:p>
+          <a:p>
+            <a:pPr indent="-298450" lvl="1" marL="914400" rtl="0" algn="l">
+              <a:spcBef>
+                <a:spcPts val="0"/>
+              </a:spcBef>
+              <a:spcAft>
+                <a:spcPts val="0"/>
+              </a:spcAft>
+              <a:buClr>
+                <a:schemeClr val="dk1"/>
+              </a:buClr>
+              <a:buSzPts val="1100"/>
+              <a:buChar char="○"/>
+            </a:pPr>
+            <a:r>
+              <a:rPr lang="ru-RU" sz="1100">
+                <a:solidFill>
+                  <a:schemeClr val="dk1"/>
+                </a:solidFill>
+                <a:latin typeface="Montserrat"/>
+                <a:ea typeface="Montserrat"/>
+                <a:cs typeface="Montserrat"/>
+                <a:sym typeface="Montserrat"/>
+              </a:rPr>
+              <a:t>Created: задача создана, но еще не запущена</a:t>
+            </a:r>
+            <a:endParaRPr sz="1100">
+              <a:solidFill>
+                <a:schemeClr val="dk1"/>
+              </a:solidFill>
+              <a:latin typeface="Montserrat"/>
+              <a:ea typeface="Montserrat"/>
+              <a:cs typeface="Montserrat"/>
+              <a:sym typeface="Montserrat"/>
+            </a:endParaRPr>
+          </a:p>
+          <a:p>
+            <a:pPr indent="-298450" lvl="1" marL="914400" rtl="0" algn="l">
+              <a:spcBef>
+                <a:spcPts val="0"/>
+              </a:spcBef>
+              <a:spcAft>
+                <a:spcPts val="0"/>
+              </a:spcAft>
+              <a:buClr>
+                <a:schemeClr val="dk1"/>
+              </a:buClr>
+              <a:buSzPts val="1100"/>
+              <a:buChar char="○"/>
+            </a:pPr>
+            <a:r>
+              <a:rPr lang="ru-RU" sz="1100">
+                <a:solidFill>
+                  <a:schemeClr val="dk1"/>
+                </a:solidFill>
+                <a:latin typeface="Montserrat"/>
+                <a:ea typeface="Montserrat"/>
+                <a:cs typeface="Montserrat"/>
+                <a:sym typeface="Montserrat"/>
+              </a:rPr>
+              <a:t>Faulted: в процессе работы задачи произошло исключение</a:t>
+            </a:r>
+            <a:endParaRPr sz="1100">
+              <a:solidFill>
+                <a:schemeClr val="dk1"/>
+              </a:solidFill>
+              <a:latin typeface="Montserrat"/>
+              <a:ea typeface="Montserrat"/>
+              <a:cs typeface="Montserrat"/>
+              <a:sym typeface="Montserrat"/>
+            </a:endParaRPr>
+          </a:p>
+          <a:p>
+            <a:pPr indent="-298450" lvl="1" marL="914400" rtl="0" algn="l">
+              <a:spcBef>
+                <a:spcPts val="0"/>
+              </a:spcBef>
+              <a:spcAft>
+                <a:spcPts val="0"/>
+              </a:spcAft>
+              <a:buClr>
+                <a:schemeClr val="dk1"/>
+              </a:buClr>
+              <a:buSzPts val="1100"/>
+              <a:buChar char="○"/>
+            </a:pPr>
+            <a:r>
+              <a:rPr lang="ru-RU" sz="1100">
+                <a:solidFill>
+                  <a:schemeClr val="dk1"/>
+                </a:solidFill>
+                <a:latin typeface="Montserrat"/>
+                <a:ea typeface="Montserrat"/>
+                <a:cs typeface="Montserrat"/>
+                <a:sym typeface="Montserrat"/>
+              </a:rPr>
+              <a:t>RanToCompletion: задача успешно завершена</a:t>
+            </a:r>
+            <a:endParaRPr sz="1100">
+              <a:solidFill>
+                <a:schemeClr val="dk1"/>
+              </a:solidFill>
+              <a:latin typeface="Montserrat"/>
+              <a:ea typeface="Montserrat"/>
+              <a:cs typeface="Montserrat"/>
+              <a:sym typeface="Montserrat"/>
+            </a:endParaRPr>
+          </a:p>
+          <a:p>
+            <a:pPr indent="-298450" lvl="1" marL="914400" rtl="0" algn="l">
+              <a:spcBef>
+                <a:spcPts val="0"/>
+              </a:spcBef>
+              <a:spcAft>
+                <a:spcPts val="0"/>
+              </a:spcAft>
+              <a:buClr>
+                <a:schemeClr val="dk1"/>
+              </a:buClr>
+              <a:buSzPts val="1100"/>
+              <a:buChar char="○"/>
+            </a:pPr>
+            <a:r>
+              <a:rPr lang="ru-RU" sz="1100">
+                <a:solidFill>
+                  <a:schemeClr val="dk1"/>
+                </a:solidFill>
+                <a:latin typeface="Montserrat"/>
+                <a:ea typeface="Montserrat"/>
+                <a:cs typeface="Montserrat"/>
+                <a:sym typeface="Montserrat"/>
+              </a:rPr>
+              <a:t>Running: задача запущена, но еще не завершена</a:t>
+            </a:r>
+            <a:endParaRPr sz="1100">
+              <a:solidFill>
+                <a:schemeClr val="dk1"/>
+              </a:solidFill>
+              <a:latin typeface="Montserrat"/>
+              <a:ea typeface="Montserrat"/>
+              <a:cs typeface="Montserrat"/>
+              <a:sym typeface="Montserrat"/>
+            </a:endParaRPr>
+          </a:p>
+          <a:p>
+            <a:pPr indent="-298450" lvl="1" marL="914400" rtl="0" algn="l">
+              <a:spcBef>
+                <a:spcPts val="0"/>
+              </a:spcBef>
+              <a:spcAft>
+                <a:spcPts val="0"/>
+              </a:spcAft>
+              <a:buClr>
+                <a:schemeClr val="dk1"/>
+              </a:buClr>
+              <a:buSzPts val="1100"/>
+              <a:buChar char="○"/>
+            </a:pPr>
+            <a:r>
+              <a:rPr lang="ru-RU" sz="1100">
+                <a:solidFill>
+                  <a:schemeClr val="dk1"/>
+                </a:solidFill>
+                <a:latin typeface="Montserrat"/>
+                <a:ea typeface="Montserrat"/>
+                <a:cs typeface="Montserrat"/>
+                <a:sym typeface="Montserrat"/>
+              </a:rPr>
+              <a:t>WaitingForActivation: задача ожидает активации и постановки в график выполнения</a:t>
+            </a:r>
+            <a:endParaRPr sz="1100">
+              <a:solidFill>
+                <a:schemeClr val="dk1"/>
+              </a:solidFill>
+              <a:latin typeface="Montserrat"/>
+              <a:ea typeface="Montserrat"/>
+              <a:cs typeface="Montserrat"/>
+              <a:sym typeface="Montserrat"/>
+            </a:endParaRPr>
+          </a:p>
+          <a:p>
+            <a:pPr indent="-298450" lvl="1" marL="914400" rtl="0" algn="l">
+              <a:spcBef>
+                <a:spcPts val="0"/>
+              </a:spcBef>
+              <a:spcAft>
+                <a:spcPts val="0"/>
+              </a:spcAft>
+              <a:buClr>
+                <a:schemeClr val="dk1"/>
+              </a:buClr>
+              <a:buSzPts val="1100"/>
+              <a:buChar char="○"/>
+            </a:pPr>
+            <a:r>
+              <a:rPr lang="ru-RU" sz="1100">
+                <a:solidFill>
+                  <a:schemeClr val="dk1"/>
+                </a:solidFill>
+                <a:latin typeface="Montserrat"/>
+                <a:ea typeface="Montserrat"/>
+                <a:cs typeface="Montserrat"/>
+                <a:sym typeface="Montserrat"/>
+              </a:rPr>
+              <a:t>WaitingForChildrenToComplete: задача завершена и теперь ожидает завершения прикрепленных к ней дочерних задач</a:t>
+            </a:r>
+            <a:endParaRPr sz="1100">
+              <a:solidFill>
+                <a:schemeClr val="dk1"/>
+              </a:solidFill>
+              <a:latin typeface="Montserrat"/>
+              <a:ea typeface="Montserrat"/>
+              <a:cs typeface="Montserrat"/>
+              <a:sym typeface="Montserrat"/>
+            </a:endParaRPr>
+          </a:p>
+          <a:p>
+            <a:pPr indent="-298450" lvl="1" marL="914400" rtl="0" algn="l">
+              <a:spcBef>
+                <a:spcPts val="0"/>
+              </a:spcBef>
+              <a:spcAft>
+                <a:spcPts val="0"/>
+              </a:spcAft>
+              <a:buClr>
+                <a:schemeClr val="dk1"/>
+              </a:buClr>
+              <a:buSzPts val="1100"/>
+              <a:buChar char="○"/>
+            </a:pPr>
+            <a:r>
+              <a:rPr lang="ru-RU" sz="1100">
+                <a:solidFill>
+                  <a:schemeClr val="dk1"/>
+                </a:solidFill>
+                <a:latin typeface="Montserrat"/>
+                <a:ea typeface="Montserrat"/>
+                <a:cs typeface="Montserrat"/>
+                <a:sym typeface="Montserrat"/>
+              </a:rPr>
+              <a:t>WaitingToRun: задача поставлена в график выполнения, но еще не начала свое выполнение</a:t>
+            </a:r>
+            <a:endParaRPr sz="1100">
+              <a:solidFill>
+                <a:schemeClr val="dk1"/>
+              </a:solidFill>
+              <a:latin typeface="Montserrat"/>
+              <a:ea typeface="Montserrat"/>
+              <a:cs typeface="Montserrat"/>
+              <a:sym typeface="Montserrat"/>
+            </a:endParaRPr>
+          </a:p>
+          <a:p>
+            <a:pPr indent="-317500" lvl="0" marL="457200" rtl="0" algn="l">
+              <a:spcBef>
+                <a:spcPts val="0"/>
+              </a:spcBef>
+              <a:spcAft>
+                <a:spcPts val="0"/>
+              </a:spcAft>
+              <a:buClr>
+                <a:schemeClr val="dk1"/>
+              </a:buClr>
+              <a:buSzPts val="1400"/>
+              <a:buChar char="●"/>
+            </a:pPr>
+            <a:r>
+              <a:rPr b="1" lang="ru-RU" sz="1400">
+                <a:solidFill>
+                  <a:schemeClr val="dk1"/>
+                </a:solidFill>
+                <a:latin typeface="Montserrat"/>
+                <a:ea typeface="Montserrat"/>
+                <a:cs typeface="Montserrat"/>
+                <a:sym typeface="Montserrat"/>
+              </a:rPr>
+              <a:t>IsCompleted</a:t>
+            </a:r>
+            <a:r>
+              <a:rPr lang="ru-RU" sz="1400">
+                <a:solidFill>
+                  <a:schemeClr val="dk1"/>
+                </a:solidFill>
+                <a:latin typeface="Montserrat"/>
+                <a:ea typeface="Montserrat"/>
+                <a:cs typeface="Montserrat"/>
+                <a:sym typeface="Montserrat"/>
+              </a:rPr>
+              <a:t>: возвращает true, если задача завершена</a:t>
+            </a:r>
+            <a:endParaRPr sz="1400">
+              <a:solidFill>
+                <a:schemeClr val="dk1"/>
+              </a:solidFill>
+              <a:latin typeface="Montserrat"/>
+              <a:ea typeface="Montserrat"/>
+              <a:cs typeface="Montserrat"/>
+              <a:sym typeface="Montserrat"/>
+            </a:endParaRPr>
+          </a:p>
+          <a:p>
+            <a:pPr indent="-317500" lvl="0" marL="457200" rtl="0" algn="l">
+              <a:spcBef>
+                <a:spcPts val="0"/>
+              </a:spcBef>
+              <a:spcAft>
+                <a:spcPts val="0"/>
+              </a:spcAft>
+              <a:buClr>
+                <a:schemeClr val="dk1"/>
+              </a:buClr>
+              <a:buSzPts val="1400"/>
+              <a:buChar char="●"/>
+            </a:pPr>
+            <a:r>
+              <a:rPr b="1" lang="ru-RU" sz="1400">
+                <a:solidFill>
+                  <a:schemeClr val="dk1"/>
+                </a:solidFill>
+                <a:latin typeface="Montserrat"/>
+                <a:ea typeface="Montserrat"/>
+                <a:cs typeface="Montserrat"/>
+                <a:sym typeface="Montserrat"/>
+              </a:rPr>
+              <a:t>IsCanceled</a:t>
+            </a:r>
+            <a:r>
+              <a:rPr lang="ru-RU" sz="1400">
+                <a:solidFill>
+                  <a:schemeClr val="dk1"/>
+                </a:solidFill>
+                <a:latin typeface="Montserrat"/>
+                <a:ea typeface="Montserrat"/>
+                <a:cs typeface="Montserrat"/>
+                <a:sym typeface="Montserrat"/>
+              </a:rPr>
+              <a:t>: возвращает true, если задача была отменена</a:t>
+            </a:r>
+            <a:endParaRPr sz="1400">
+              <a:solidFill>
+                <a:schemeClr val="dk1"/>
+              </a:solidFill>
+              <a:latin typeface="Montserrat"/>
+              <a:ea typeface="Montserrat"/>
+              <a:cs typeface="Montserrat"/>
+              <a:sym typeface="Montserrat"/>
+            </a:endParaRPr>
+          </a:p>
+          <a:p>
+            <a:pPr indent="-317500" lvl="0" marL="457200" rtl="0" algn="l">
+              <a:spcBef>
+                <a:spcPts val="0"/>
+              </a:spcBef>
+              <a:spcAft>
+                <a:spcPts val="0"/>
+              </a:spcAft>
+              <a:buClr>
+                <a:schemeClr val="dk1"/>
+              </a:buClr>
+              <a:buSzPts val="1400"/>
+              <a:buChar char="●"/>
+            </a:pPr>
+            <a:r>
+              <a:rPr b="1" lang="ru-RU" sz="1400">
+                <a:solidFill>
+                  <a:schemeClr val="dk1"/>
+                </a:solidFill>
+                <a:latin typeface="Montserrat"/>
+                <a:ea typeface="Montserrat"/>
+                <a:cs typeface="Montserrat"/>
+                <a:sym typeface="Montserrat"/>
+              </a:rPr>
+              <a:t>IsFaulted</a:t>
+            </a:r>
+            <a:r>
+              <a:rPr lang="ru-RU" sz="1400">
+                <a:solidFill>
+                  <a:schemeClr val="dk1"/>
+                </a:solidFill>
+                <a:latin typeface="Montserrat"/>
+                <a:ea typeface="Montserrat"/>
+                <a:cs typeface="Montserrat"/>
+                <a:sym typeface="Montserrat"/>
+              </a:rPr>
+              <a:t>: возвращает true, если задача завершилась при возникновении исключения</a:t>
+            </a:r>
+            <a:endParaRPr sz="1400">
+              <a:solidFill>
+                <a:schemeClr val="dk1"/>
+              </a:solidFill>
+              <a:latin typeface="Montserrat"/>
+              <a:ea typeface="Montserrat"/>
+              <a:cs typeface="Montserrat"/>
+              <a:sym typeface="Montserrat"/>
+            </a:endParaRPr>
+          </a:p>
+          <a:p>
+            <a:pPr indent="-317500" lvl="0" marL="457200" rtl="0" algn="l">
+              <a:spcBef>
+                <a:spcPts val="0"/>
+              </a:spcBef>
+              <a:spcAft>
+                <a:spcPts val="0"/>
+              </a:spcAft>
+              <a:buClr>
+                <a:schemeClr val="dk1"/>
+              </a:buClr>
+              <a:buSzPts val="1400"/>
+              <a:buChar char="●"/>
+            </a:pPr>
+            <a:r>
+              <a:rPr b="1" lang="ru-RU" sz="1400">
+                <a:solidFill>
+                  <a:schemeClr val="dk1"/>
+                </a:solidFill>
+                <a:latin typeface="Montserrat"/>
+                <a:ea typeface="Montserrat"/>
+                <a:cs typeface="Montserrat"/>
+                <a:sym typeface="Montserrat"/>
+              </a:rPr>
+              <a:t>IsCompletedSuccessfully</a:t>
+            </a:r>
+            <a:r>
+              <a:rPr lang="ru-RU" sz="1400">
+                <a:solidFill>
+                  <a:schemeClr val="dk1"/>
+                </a:solidFill>
+                <a:latin typeface="Montserrat"/>
+                <a:ea typeface="Montserrat"/>
+                <a:cs typeface="Montserrat"/>
+                <a:sym typeface="Montserrat"/>
+              </a:rPr>
+              <a:t>: возвращает true, если задача завершилась успешно</a:t>
+            </a:r>
+            <a:endParaRPr sz="1400">
+              <a:solidFill>
+                <a:schemeClr val="dk1"/>
+              </a:solidFill>
+              <a:latin typeface="Montserrat"/>
+              <a:ea typeface="Montserrat"/>
+              <a:cs typeface="Montserrat"/>
+              <a:sym typeface="Montserrat"/>
+            </a:endParaRPr>
+          </a:p>
+          <a:p>
+            <a:pPr indent="-317500" lvl="0" marL="457200" rtl="0" algn="l">
+              <a:spcBef>
+                <a:spcPts val="0"/>
+              </a:spcBef>
+              <a:spcAft>
+                <a:spcPts val="0"/>
+              </a:spcAft>
+              <a:buClr>
+                <a:schemeClr val="dk1"/>
+              </a:buClr>
+              <a:buSzPts val="1400"/>
+              <a:buFont typeface="Montserrat"/>
+              <a:buChar char="●"/>
+            </a:pPr>
+            <a:r>
+              <a:rPr b="1" lang="ru-RU" sz="1400">
+                <a:solidFill>
+                  <a:schemeClr val="dk1"/>
+                </a:solidFill>
+                <a:latin typeface="Montserrat"/>
+                <a:ea typeface="Montserrat"/>
+                <a:cs typeface="Montserrat"/>
+                <a:sym typeface="Montserrat"/>
+              </a:rPr>
+              <a:t>Result: </a:t>
+            </a:r>
+            <a:r>
+              <a:rPr lang="ru-RU" sz="1400">
+                <a:solidFill>
+                  <a:schemeClr val="dk1"/>
+                </a:solidFill>
+                <a:latin typeface="Montserrat"/>
+                <a:ea typeface="Montserrat"/>
+                <a:cs typeface="Montserrat"/>
+                <a:sym typeface="Montserrat"/>
+              </a:rPr>
+              <a:t>если задача была с возвращаемым значением Task&lt;T&gt; (T- тип результата), то в поле будет результат выполнения</a:t>
+            </a:r>
+            <a:endParaRPr sz="1400">
+              <a:solidFill>
+                <a:schemeClr val="dk1"/>
+              </a:solidFill>
+              <a:latin typeface="Montserrat"/>
+              <a:ea typeface="Montserrat"/>
+              <a:cs typeface="Montserrat"/>
+              <a:sym typeface="Montserrat"/>
+            </a:endParaRPr>
+          </a:p>
+          <a:p>
+            <a:pPr indent="0" lvl="0" marL="0" rtl="0" algn="l">
+              <a:spcBef>
+                <a:spcPts val="1200"/>
+              </a:spcBef>
+              <a:spcAft>
+                <a:spcPts val="1600"/>
+              </a:spcAft>
+              <a:buNone/>
+            </a:pPr>
+            <a:r>
+              <a:t/>
+            </a:r>
+            <a:endParaRPr sz="1300">
+              <a:solidFill>
+                <a:schemeClr val="dk1"/>
+              </a:solidFill>
+              <a:latin typeface="Montserrat"/>
+              <a:ea typeface="Montserrat"/>
+              <a:cs typeface="Montserrat"/>
+              <a:sym typeface="Montserrat"/>
+            </a:endParaRPr>
+          </a:p>
+        </p:txBody>
+      </p:sp>
+    </p:spTree>
+  </p:cSld>
+  <p:clrMapOvr>
+    <a:masterClrMapping/>
+  </p:clrMapOvr>
+</p:sld>
+</file>
+
+<file path=ppt/slides/slide34.xml><?xml version="1.0" encoding="utf-8"?>
+<p:sld xmlns:a="http://schemas.openxmlformats.org/drawingml/2006/main" xmlns:r="http://schemas.openxmlformats.org/officeDocument/2006/relationships" xmlns:mc="http://schemas.openxmlformats.org/markup-compatibility/2006" xmlns:mv="urn:schemas-microsoft-com:mac:vml" xmlns:p="http://schemas.openxmlformats.org/presentationml/2006/main" xmlns:c="http://schemas.openxmlformats.org/drawingml/2006/chart" xmlns:dgm="http://schemas.openxmlformats.org/drawingml/2006/diagram" xmlns:o="urn:schemas-microsoft-com:office:office" xmlns:v="urn:schemas-microsoft-com:vml" xmlns:pvml="urn:schemas-microsoft-com:office:powerpoint" xmlns:com="http://schemas.openxmlformats.org/drawingml/2006/compatibility" xmlns:p14="http://schemas.microsoft.com/office/powerpoint/2010/main" xmlns:p15="http://schemas.microsoft.com/office/powerpoint/2012/main" xmlns:ahyp="http://schemas.microsoft.com/office/drawing/2018/hyperlinkcolor">
+  <p:cSld>
+    <p:spTree>
+      <p:nvGrpSpPr>
+        <p:cNvPr id="570" name="Shape 570"/>
+        <p:cNvGrpSpPr/>
+        <p:nvPr/>
+      </p:nvGrpSpPr>
+      <p:grpSpPr>
+        <a:xfrm>
+          <a:off x="0" y="0"/>
+          <a:ext cx="0" cy="0"/>
+          <a:chOff x="0" y="0"/>
+          <a:chExt cx="0" cy="0"/>
+        </a:xfrm>
+      </p:grpSpPr>
+      <p:sp>
+        <p:nvSpPr>
+          <p:cNvPr id="571" name="Google Shape;571;g32827eff7c2_0_37"/>
+          <p:cNvSpPr txBox="1"/>
+          <p:nvPr>
+            <p:ph type="title"/>
+          </p:nvPr>
+        </p:nvSpPr>
+        <p:spPr>
+          <a:xfrm>
+            <a:off x="415600" y="593367"/>
+            <a:ext cx="11360700" cy="763500"/>
+          </a:xfrm>
+          <a:prstGeom prst="rect">
+            <a:avLst/>
+          </a:prstGeom>
+        </p:spPr>
+        <p:txBody>
+          <a:bodyPr anchorCtr="0" anchor="t" bIns="121900" lIns="121900" spcFirstLastPara="1" rIns="121900" wrap="square" tIns="121900">
+            <a:normAutofit fontScale="90000"/>
+          </a:bodyPr>
+          <a:lstStyle/>
+          <a:p>
+            <a:pPr indent="0" lvl="0" marL="0" rtl="0" algn="l">
+              <a:spcBef>
+                <a:spcPts val="0"/>
+              </a:spcBef>
+              <a:spcAft>
+                <a:spcPts val="0"/>
+              </a:spcAft>
+              <a:buNone/>
+            </a:pPr>
+            <a:r>
+              <a:rPr lang="ru-RU">
+                <a:latin typeface="Montserrat"/>
+                <a:ea typeface="Montserrat"/>
+                <a:cs typeface="Montserrat"/>
+                <a:sym typeface="Montserrat"/>
+              </a:rPr>
+              <a:t>Async/Await</a:t>
+            </a:r>
+            <a:endParaRPr>
+              <a:latin typeface="Montserrat"/>
+              <a:ea typeface="Montserrat"/>
+              <a:cs typeface="Montserrat"/>
+              <a:sym typeface="Montserrat"/>
+            </a:endParaRPr>
+          </a:p>
+        </p:txBody>
+      </p:sp>
+      <p:sp>
+        <p:nvSpPr>
+          <p:cNvPr id="572" name="Google Shape;572;g32827eff7c2_0_37"/>
+          <p:cNvSpPr txBox="1"/>
+          <p:nvPr>
+            <p:ph idx="1" type="body"/>
+          </p:nvPr>
+        </p:nvSpPr>
+        <p:spPr>
+          <a:xfrm>
+            <a:off x="415600" y="1536633"/>
+            <a:ext cx="11360700" cy="4555200"/>
+          </a:xfrm>
+          <a:prstGeom prst="rect">
+            <a:avLst/>
+          </a:prstGeom>
+        </p:spPr>
+        <p:txBody>
+          <a:bodyPr anchorCtr="0" anchor="t" bIns="121900" lIns="121900" spcFirstLastPara="1" rIns="121900" wrap="square" tIns="121900">
+            <a:normAutofit/>
+          </a:bodyPr>
+          <a:lstStyle/>
+          <a:p>
+            <a:pPr indent="-381000" lvl="0" marL="457200" rtl="0" algn="l">
+              <a:spcBef>
+                <a:spcPts val="0"/>
+              </a:spcBef>
+              <a:spcAft>
+                <a:spcPts val="0"/>
+              </a:spcAft>
+              <a:buClr>
+                <a:schemeClr val="dk1"/>
+              </a:buClr>
+              <a:buSzPts val="2400"/>
+              <a:buFont typeface="Montserrat"/>
+              <a:buChar char="●"/>
+            </a:pPr>
+            <a:r>
+              <a:rPr lang="ru-RU">
+                <a:solidFill>
+                  <a:schemeClr val="dk1"/>
+                </a:solidFill>
+                <a:latin typeface="Montserrat"/>
+                <a:ea typeface="Montserrat"/>
+                <a:cs typeface="Montserrat"/>
+                <a:sym typeface="Montserrat"/>
+              </a:rPr>
+              <a:t>Механизм асинхронного программирования, который позволяет писать код, который не блокирует исполнение приложения</a:t>
+            </a:r>
+            <a:endParaRPr>
+              <a:solidFill>
+                <a:schemeClr val="dk1"/>
+              </a:solidFill>
+              <a:latin typeface="Montserrat"/>
+              <a:ea typeface="Montserrat"/>
+              <a:cs typeface="Montserrat"/>
+              <a:sym typeface="Montserrat"/>
+            </a:endParaRPr>
+          </a:p>
+          <a:p>
+            <a:pPr indent="-381000" lvl="0" marL="457200" rtl="0" algn="l">
+              <a:spcBef>
+                <a:spcPts val="0"/>
+              </a:spcBef>
+              <a:spcAft>
+                <a:spcPts val="0"/>
+              </a:spcAft>
+              <a:buClr>
+                <a:schemeClr val="dk1"/>
+              </a:buClr>
+              <a:buSzPts val="2400"/>
+              <a:buFont typeface="Montserrat"/>
+              <a:buChar char="●"/>
+            </a:pPr>
+            <a:r>
+              <a:rPr b="1" lang="ru-RU">
+                <a:solidFill>
+                  <a:schemeClr val="dk1"/>
+                </a:solidFill>
+                <a:latin typeface="Montserrat"/>
+                <a:ea typeface="Montserrat"/>
+                <a:cs typeface="Montserrat"/>
+                <a:sym typeface="Montserrat"/>
+              </a:rPr>
+              <a:t>Async</a:t>
+            </a:r>
+            <a:r>
+              <a:rPr lang="ru-RU">
+                <a:solidFill>
+                  <a:schemeClr val="dk1"/>
+                </a:solidFill>
+                <a:latin typeface="Montserrat"/>
+                <a:ea typeface="Montserrat"/>
+                <a:cs typeface="Montserrat"/>
+                <a:sym typeface="Montserrat"/>
+              </a:rPr>
+              <a:t> - помечает метод/делегат как асинхронный </a:t>
+            </a:r>
+            <a:endParaRPr>
+              <a:solidFill>
+                <a:schemeClr val="dk1"/>
+              </a:solidFill>
+              <a:latin typeface="Montserrat"/>
+              <a:ea typeface="Montserrat"/>
+              <a:cs typeface="Montserrat"/>
+              <a:sym typeface="Montserrat"/>
+            </a:endParaRPr>
+          </a:p>
+          <a:p>
+            <a:pPr indent="-381000" lvl="0" marL="457200" rtl="0" algn="l">
+              <a:spcBef>
+                <a:spcPts val="0"/>
+              </a:spcBef>
+              <a:spcAft>
+                <a:spcPts val="0"/>
+              </a:spcAft>
+              <a:buClr>
+                <a:schemeClr val="dk1"/>
+              </a:buClr>
+              <a:buSzPts val="2400"/>
+              <a:buFont typeface="Montserrat"/>
+              <a:buChar char="●"/>
+            </a:pPr>
+            <a:r>
+              <a:rPr b="1" lang="ru-RU">
+                <a:solidFill>
+                  <a:schemeClr val="dk1"/>
+                </a:solidFill>
+                <a:latin typeface="Montserrat"/>
+                <a:ea typeface="Montserrat"/>
+                <a:cs typeface="Montserrat"/>
+                <a:sym typeface="Montserrat"/>
+              </a:rPr>
+              <a:t>Await</a:t>
+            </a:r>
+            <a:r>
+              <a:rPr lang="ru-RU">
+                <a:solidFill>
+                  <a:schemeClr val="dk1"/>
+                </a:solidFill>
+                <a:latin typeface="Montserrat"/>
+                <a:ea typeface="Montserrat"/>
+                <a:cs typeface="Montserrat"/>
+                <a:sym typeface="Montserrat"/>
+              </a:rPr>
+              <a:t> - ключевое слово которое может применяться только в асинхронных методах и над асинхронными методами. Приостанавливает выполнение метода пока другой асинхронный метод не завершится. При этом поток высвобождается для выполнения полезной работы</a:t>
+            </a:r>
+            <a:endParaRPr>
+              <a:solidFill>
+                <a:schemeClr val="dk1"/>
+              </a:solidFill>
+              <a:latin typeface="Montserrat"/>
+              <a:ea typeface="Montserrat"/>
+              <a:cs typeface="Montserrat"/>
+              <a:sym typeface="Montserrat"/>
+            </a:endParaRPr>
+          </a:p>
+        </p:txBody>
+      </p:sp>
+    </p:spTree>
+  </p:cSld>
+  <p:clrMapOvr>
+    <a:masterClrMapping/>
+  </p:clrMapOvr>
+</p:sld>
+</file>
+
+<file path=ppt/slides/slide35.xml><?xml version="1.0" encoding="utf-8"?>
+<p:sld xmlns:a="http://schemas.openxmlformats.org/drawingml/2006/main" xmlns:r="http://schemas.openxmlformats.org/officeDocument/2006/relationships" xmlns:mc="http://schemas.openxmlformats.org/markup-compatibility/2006" xmlns:mv="urn:schemas-microsoft-com:mac:vml" xmlns:p="http://schemas.openxmlformats.org/presentationml/2006/main" xmlns:c="http://schemas.openxmlformats.org/drawingml/2006/chart" xmlns:dgm="http://schemas.openxmlformats.org/drawingml/2006/diagram" xmlns:o="urn:schemas-microsoft-com:office:office" xmlns:v="urn:schemas-microsoft-com:vml" xmlns:pvml="urn:schemas-microsoft-com:office:powerpoint" xmlns:com="http://schemas.openxmlformats.org/drawingml/2006/compatibility" xmlns:p14="http://schemas.microsoft.com/office/powerpoint/2010/main" xmlns:p15="http://schemas.microsoft.com/office/powerpoint/2012/main" xmlns:ahyp="http://schemas.microsoft.com/office/drawing/2018/hyperlinkcolor">
+  <p:cSld>
+    <p:spTree>
+      <p:nvGrpSpPr>
+        <p:cNvPr id="577" name="Shape 577"/>
+        <p:cNvGrpSpPr/>
+        <p:nvPr/>
+      </p:nvGrpSpPr>
+      <p:grpSpPr>
+        <a:xfrm>
+          <a:off x="0" y="0"/>
+          <a:ext cx="0" cy="0"/>
+          <a:chOff x="0" y="0"/>
+          <a:chExt cx="0" cy="0"/>
+        </a:xfrm>
+      </p:grpSpPr>
+      <p:pic>
+        <p:nvPicPr>
+          <p:cNvPr id="578" name="Google Shape;578;g32827eff7c2_0_43"/>
+          <p:cNvPicPr preferRelativeResize="0"/>
+          <p:nvPr>
+            <p:ph idx="2" type="pic"/>
+          </p:nvPr>
+        </p:nvPicPr>
+        <p:blipFill rotWithShape="1">
+          <a:blip r:embed="rId3">
+            <a:alphaModFix/>
+          </a:blip>
+          <a:srcRect b="0" l="-9227" r="-9227" t="0"/>
+          <a:stretch/>
+        </p:blipFill>
+        <p:spPr>
+          <a:xfrm>
+            <a:off x="0" y="0"/>
+            <a:ext cx="12192000" cy="6858000"/>
+          </a:xfrm>
+          <a:prstGeom prst="rect">
+            <a:avLst/>
+          </a:prstGeom>
+        </p:spPr>
+      </p:pic>
+    </p:spTree>
+  </p:cSld>
+  <p:clrMapOvr>
+    <a:masterClrMapping/>
+  </p:clrMapOvr>
+</p:sld>
+</file>
+
+<file path=ppt/slides/slide36.xml><?xml version="1.0" encoding="utf-8"?>
+<p:sld xmlns:a="http://schemas.openxmlformats.org/drawingml/2006/main" xmlns:r="http://schemas.openxmlformats.org/officeDocument/2006/relationships" xmlns:mc="http://schemas.openxmlformats.org/markup-compatibility/2006" xmlns:mv="urn:schemas-microsoft-com:mac:vml" xmlns:p="http://schemas.openxmlformats.org/presentationml/2006/main" xmlns:c="http://schemas.openxmlformats.org/drawingml/2006/chart" xmlns:dgm="http://schemas.openxmlformats.org/drawingml/2006/diagram" xmlns:o="urn:schemas-microsoft-com:office:office" xmlns:v="urn:schemas-microsoft-com:vml" xmlns:pvml="urn:schemas-microsoft-com:office:powerpoint" xmlns:com="http://schemas.openxmlformats.org/drawingml/2006/compatibility" xmlns:p14="http://schemas.microsoft.com/office/powerpoint/2010/main" xmlns:p15="http://schemas.microsoft.com/office/powerpoint/2012/main" xmlns:ahyp="http://schemas.microsoft.com/office/drawing/2018/hyperlinkcolor">
+  <p:cSld>
+    <p:spTree>
+      <p:nvGrpSpPr>
+        <p:cNvPr id="582" name="Shape 582"/>
+        <p:cNvGrpSpPr/>
+        <p:nvPr/>
+      </p:nvGrpSpPr>
+      <p:grpSpPr>
+        <a:xfrm>
+          <a:off x="0" y="0"/>
+          <a:ext cx="0" cy="0"/>
+          <a:chOff x="0" y="0"/>
+          <a:chExt cx="0" cy="0"/>
+        </a:xfrm>
+      </p:grpSpPr>
+      <p:sp>
+        <p:nvSpPr>
+          <p:cNvPr id="583" name="Google Shape;583;g3250edfcd6d_0_547"/>
           <p:cNvSpPr txBox="1"/>
           <p:nvPr/>
         </p:nvSpPr>
@@ -45339,7 +48468,7 @@
       </p:sp>
       <p:sp>
         <p:nvSpPr>
-          <p:cNvPr id="547" name="Google Shape;547;g3250edfcd6d_0_547"/>
+          <p:cNvPr id="584" name="Google Shape;584;g3250edfcd6d_0_547"/>
           <p:cNvSpPr/>
           <p:nvPr/>
         </p:nvSpPr>
@@ -45400,7 +48529,7 @@
       </p:sp>
       <p:pic>
         <p:nvPicPr>
-          <p:cNvPr id="548" name="Google Shape;548;g3250edfcd6d_0_547"/>
+          <p:cNvPr id="585" name="Google Shape;585;g3250edfcd6d_0_547"/>
           <p:cNvPicPr preferRelativeResize="0"/>
           <p:nvPr/>
         </p:nvPicPr>
@@ -45427,7 +48556,7 @@
       </p:pic>
       <p:sp>
         <p:nvSpPr>
-          <p:cNvPr id="549" name="Google Shape;549;g3250edfcd6d_0_547"/>
+          <p:cNvPr id="586" name="Google Shape;586;g3250edfcd6d_0_547"/>
           <p:cNvSpPr txBox="1"/>
           <p:nvPr>
             <p:ph type="title"/>
@@ -45546,7 +48675,7 @@
       </p:sp>
       <p:sp>
         <p:nvSpPr>
-          <p:cNvPr id="550" name="Google Shape;550;g3250edfcd6d_0_547"/>
+          <p:cNvPr id="587" name="Google Shape;587;g3250edfcd6d_0_547"/>
           <p:cNvSpPr txBox="1"/>
           <p:nvPr>
             <p:ph idx="1" type="body"/>
@@ -45594,7 +48723,7 @@
       </p:sp>
       <p:sp>
         <p:nvSpPr>
-          <p:cNvPr id="551" name="Google Shape;551;g3250edfcd6d_0_547"/>
+          <p:cNvPr id="588" name="Google Shape;588;g3250edfcd6d_0_547"/>
           <p:cNvSpPr txBox="1"/>
           <p:nvPr>
             <p:ph idx="4" type="body"/>
@@ -47080,6 +50209,7 @@
                 <a:schemeClr val="dk1"/>
               </a:buClr>
               <a:buSzPts val="2400"/>
+              <a:buFont typeface="Montserrat"/>
               <a:buChar char="●"/>
             </a:pPr>
             <a:r>
@@ -47087,6 +50217,10 @@
                 <a:solidFill>
                   <a:schemeClr val="dk1"/>
                 </a:solidFill>
+                <a:latin typeface="Montserrat"/>
+                <a:ea typeface="Montserrat"/>
+                <a:cs typeface="Montserrat"/>
+                <a:sym typeface="Montserrat"/>
               </a:rPr>
               <a:t>Самостоятельная последовательность инструкций</a:t>
             </a:r>
@@ -47094,6 +50228,10 @@
               <a:solidFill>
                 <a:schemeClr val="dk1"/>
               </a:solidFill>
+              <a:latin typeface="Montserrat"/>
+              <a:ea typeface="Montserrat"/>
+              <a:cs typeface="Montserrat"/>
+              <a:sym typeface="Montserrat"/>
             </a:endParaRPr>
           </a:p>
           <a:p>
@@ -47108,6 +50246,7 @@
                 <a:schemeClr val="dk1"/>
               </a:buClr>
               <a:buSzPts val="2400"/>
+              <a:buFont typeface="Montserrat"/>
               <a:buChar char="●"/>
             </a:pPr>
             <a:r>
@@ -47115,6 +50254,10 @@
                 <a:solidFill>
                   <a:schemeClr val="dk1"/>
                 </a:solidFill>
+                <a:latin typeface="Montserrat"/>
+                <a:ea typeface="Montserrat"/>
+                <a:cs typeface="Montserrat"/>
+                <a:sym typeface="Montserrat"/>
               </a:rPr>
               <a:t>Ресурсы процесса общие между всеми потоками</a:t>
             </a:r>
@@ -47122,6 +50265,10 @@
               <a:solidFill>
                 <a:schemeClr val="dk1"/>
               </a:solidFill>
+              <a:latin typeface="Montserrat"/>
+              <a:ea typeface="Montserrat"/>
+              <a:cs typeface="Montserrat"/>
+              <a:sym typeface="Montserrat"/>
             </a:endParaRPr>
           </a:p>
           <a:p>
@@ -47136,6 +50283,7 @@
                 <a:schemeClr val="dk1"/>
               </a:buClr>
               <a:buSzPts val="2400"/>
+              <a:buFont typeface="Montserrat"/>
               <a:buChar char="●"/>
             </a:pPr>
             <a:r>
@@ -47143,6 +50291,10 @@
                 <a:solidFill>
                   <a:schemeClr val="dk1"/>
                 </a:solidFill>
+                <a:latin typeface="Montserrat"/>
+                <a:ea typeface="Montserrat"/>
+                <a:cs typeface="Montserrat"/>
+                <a:sym typeface="Montserrat"/>
               </a:rPr>
               <a:t>Объект, управляемы планировщиком ОС</a:t>
             </a:r>
@@ -47150,6 +50302,10 @@
               <a:solidFill>
                 <a:schemeClr val="dk1"/>
               </a:solidFill>
+              <a:latin typeface="Montserrat"/>
+              <a:ea typeface="Montserrat"/>
+              <a:cs typeface="Montserrat"/>
+              <a:sym typeface="Montserrat"/>
             </a:endParaRPr>
           </a:p>
           <a:p>
@@ -47164,6 +50320,7 @@
                 <a:schemeClr val="dk1"/>
               </a:buClr>
               <a:buSzPts val="2400"/>
+              <a:buFont typeface="Montserrat"/>
               <a:buChar char="○"/>
             </a:pPr>
             <a:r>
@@ -47171,6 +50328,10 @@
                 <a:solidFill>
                   <a:schemeClr val="dk1"/>
                 </a:solidFill>
+                <a:latin typeface="Montserrat"/>
+                <a:ea typeface="Montserrat"/>
+                <a:cs typeface="Montserrat"/>
+                <a:sym typeface="Montserrat"/>
               </a:rPr>
               <a:t>Свой контекст (стек, регистры)</a:t>
             </a:r>
@@ -47178,6 +50339,10 @@
               <a:solidFill>
                 <a:schemeClr val="dk1"/>
               </a:solidFill>
+              <a:latin typeface="Montserrat"/>
+              <a:ea typeface="Montserrat"/>
+              <a:cs typeface="Montserrat"/>
+              <a:sym typeface="Montserrat"/>
             </a:endParaRPr>
           </a:p>
           <a:p>
@@ -47192,6 +50357,7 @@
                 <a:schemeClr val="dk1"/>
               </a:buClr>
               <a:buSzPts val="2400"/>
+              <a:buFont typeface="Montserrat"/>
               <a:buChar char="●"/>
             </a:pPr>
             <a:r>
@@ -47199,6 +50365,10 @@
                 <a:solidFill>
                   <a:schemeClr val="dk1"/>
                 </a:solidFill>
+                <a:latin typeface="Montserrat"/>
+                <a:ea typeface="Montserrat"/>
+                <a:cs typeface="Montserrat"/>
+                <a:sym typeface="Montserrat"/>
               </a:rPr>
               <a:t>Уровень приоритета</a:t>
             </a:r>
@@ -47206,6 +50376,10 @@
               <a:solidFill>
                 <a:schemeClr val="dk1"/>
               </a:solidFill>
+              <a:latin typeface="Montserrat"/>
+              <a:ea typeface="Montserrat"/>
+              <a:cs typeface="Montserrat"/>
+              <a:sym typeface="Montserrat"/>
             </a:endParaRPr>
           </a:p>
           <a:p>
@@ -47220,6 +50394,7 @@
                 <a:schemeClr val="dk1"/>
               </a:buClr>
               <a:buSzPts val="2400"/>
+              <a:buFont typeface="Montserrat"/>
               <a:buChar char="○"/>
             </a:pPr>
             <a:r>
@@ -47227,6 +50402,10 @@
                 <a:solidFill>
                   <a:schemeClr val="dk1"/>
                 </a:solidFill>
+                <a:latin typeface="Montserrat"/>
+                <a:ea typeface="Montserrat"/>
+                <a:cs typeface="Montserrat"/>
+                <a:sym typeface="Montserrat"/>
               </a:rPr>
               <a:t>=&gt; Base = F(Priority Class, Priority Level)</a:t>
             </a:r>
@@ -47234,6 +50413,10 @@
               <a:solidFill>
                 <a:schemeClr val="dk1"/>
               </a:solidFill>
+              <a:latin typeface="Montserrat"/>
+              <a:ea typeface="Montserrat"/>
+              <a:cs typeface="Montserrat"/>
+              <a:sym typeface="Montserrat"/>
             </a:endParaRPr>
           </a:p>
           <a:p>
@@ -47248,6 +50431,7 @@
                 <a:schemeClr val="dk1"/>
               </a:buClr>
               <a:buSzPts val="2400"/>
+              <a:buFont typeface="Montserrat"/>
               <a:buChar char="●"/>
             </a:pPr>
             <a:r>
@@ -47255,6 +50439,10 @@
                 <a:solidFill>
                   <a:schemeClr val="dk1"/>
                 </a:solidFill>
+                <a:latin typeface="Montserrat"/>
+                <a:ea typeface="Montserrat"/>
+                <a:cs typeface="Montserrat"/>
+                <a:sym typeface="Montserrat"/>
               </a:rPr>
               <a:t>Разделяет процессорное время со</a:t>
             </a:r>
@@ -47263,6 +50451,10 @@
                 <a:solidFill>
                   <a:schemeClr val="dk1"/>
                 </a:solidFill>
+                <a:latin typeface="Montserrat"/>
+                <a:ea typeface="Montserrat"/>
+                <a:cs typeface="Montserrat"/>
+                <a:sym typeface="Montserrat"/>
               </a:rPr>
             </a:br>
             <a:r>
@@ -47270,6 +50462,10 @@
                 <a:solidFill>
                   <a:schemeClr val="dk1"/>
                 </a:solidFill>
+                <a:latin typeface="Montserrat"/>
+                <a:ea typeface="Montserrat"/>
+                <a:cs typeface="Montserrat"/>
+                <a:sym typeface="Montserrat"/>
               </a:rPr>
               <a:t>всеми остальными потоками ОС</a:t>
             </a:r>
@@ -47277,6 +50473,10 @@
               <a:solidFill>
                 <a:schemeClr val="dk1"/>
               </a:solidFill>
+              <a:latin typeface="Montserrat"/>
+              <a:ea typeface="Montserrat"/>
+              <a:cs typeface="Montserrat"/>
+              <a:sym typeface="Montserrat"/>
             </a:endParaRPr>
           </a:p>
           <a:p>
@@ -47291,6 +50491,7 @@
                 <a:schemeClr val="dk1"/>
               </a:buClr>
               <a:buSzPts val="2400"/>
+              <a:buFont typeface="Montserrat"/>
               <a:buChar char="●"/>
             </a:pPr>
             <a:r>
@@ -47298,6 +50499,10 @@
                 <a:solidFill>
                   <a:schemeClr val="dk1"/>
                 </a:solidFill>
+                <a:latin typeface="Montserrat"/>
+                <a:ea typeface="Montserrat"/>
+                <a:cs typeface="Montserrat"/>
+                <a:sym typeface="Montserrat"/>
               </a:rPr>
               <a:t>Affinity</a:t>
             </a:r>
@@ -47305,6 +50510,10 @@
               <a:solidFill>
                 <a:schemeClr val="dk1"/>
               </a:solidFill>
+              <a:latin typeface="Montserrat"/>
+              <a:ea typeface="Montserrat"/>
+              <a:cs typeface="Montserrat"/>
+              <a:sym typeface="Montserrat"/>
             </a:endParaRPr>
           </a:p>
         </p:txBody>
@@ -47422,6 +50631,7 @@
                 <a:schemeClr val="dk1"/>
               </a:buClr>
               <a:buSzPts val="2400"/>
+              <a:buFont typeface="Montserrat"/>
               <a:buChar char="●"/>
             </a:pPr>
             <a:r>
@@ -47429,6 +50639,10 @@
                 <a:solidFill>
                   <a:schemeClr val="dk1"/>
                 </a:solidFill>
+                <a:latin typeface="Montserrat"/>
+                <a:ea typeface="Montserrat"/>
+                <a:cs typeface="Montserrat"/>
+                <a:sym typeface="Montserrat"/>
               </a:rPr>
               <a:t>Кооперативная</a:t>
             </a:r>
@@ -47436,6 +50650,10 @@
               <a:solidFill>
                 <a:schemeClr val="dk1"/>
               </a:solidFill>
+              <a:latin typeface="Montserrat"/>
+              <a:ea typeface="Montserrat"/>
+              <a:cs typeface="Montserrat"/>
+              <a:sym typeface="Montserrat"/>
             </a:endParaRPr>
           </a:p>
           <a:p>
@@ -47450,6 +50668,7 @@
                 <a:schemeClr val="dk1"/>
               </a:buClr>
               <a:buSzPts val="2400"/>
+              <a:buFont typeface="Montserrat"/>
               <a:buChar char="○"/>
             </a:pPr>
             <a:r>
@@ -47457,6 +50676,10 @@
                 <a:solidFill>
                   <a:schemeClr val="dk1"/>
                 </a:solidFill>
+                <a:latin typeface="Montserrat"/>
+                <a:ea typeface="Montserrat"/>
+                <a:cs typeface="Montserrat"/>
+                <a:sym typeface="Montserrat"/>
               </a:rPr>
               <a:t>Каждый поток сам заботится о передачи</a:t>
             </a:r>
@@ -47465,6 +50688,10 @@
                 <a:solidFill>
                   <a:schemeClr val="dk1"/>
                 </a:solidFill>
+                <a:latin typeface="Montserrat"/>
+                <a:ea typeface="Montserrat"/>
+                <a:cs typeface="Montserrat"/>
+                <a:sym typeface="Montserrat"/>
               </a:rPr>
             </a:br>
             <a:r>
@@ -47472,6 +50699,10 @@
                 <a:solidFill>
                   <a:schemeClr val="dk1"/>
                 </a:solidFill>
+                <a:latin typeface="Montserrat"/>
+                <a:ea typeface="Montserrat"/>
+                <a:cs typeface="Montserrat"/>
+                <a:sym typeface="Montserrat"/>
               </a:rPr>
               <a:t>процессорного</a:t>
             </a:r>
@@ -47480,6 +50711,10 @@
                 <a:solidFill>
                   <a:schemeClr val="dk1"/>
                 </a:solidFill>
+                <a:latin typeface="Montserrat"/>
+                <a:ea typeface="Montserrat"/>
+                <a:cs typeface="Montserrat"/>
+                <a:sym typeface="Montserrat"/>
               </a:rPr>
               <a:t> времени</a:t>
             </a:r>
@@ -47487,6 +50722,10 @@
               <a:solidFill>
                 <a:schemeClr val="dk1"/>
               </a:solidFill>
+              <a:latin typeface="Montserrat"/>
+              <a:ea typeface="Montserrat"/>
+              <a:cs typeface="Montserrat"/>
+              <a:sym typeface="Montserrat"/>
             </a:endParaRPr>
           </a:p>
           <a:p>
@@ -47501,6 +50740,7 @@
                 <a:schemeClr val="dk1"/>
               </a:buClr>
               <a:buSzPts val="2400"/>
+              <a:buFont typeface="Montserrat"/>
               <a:buChar char="○"/>
             </a:pPr>
             <a:r>
@@ -47508,6 +50748,10 @@
                 <a:solidFill>
                   <a:schemeClr val="dk1"/>
                 </a:solidFill>
+                <a:latin typeface="Montserrat"/>
+                <a:ea typeface="Montserrat"/>
+                <a:cs typeface="Montserrat"/>
+                <a:sym typeface="Montserrat"/>
               </a:rPr>
               <a:t>За рамками рассмотрения:</a:t>
             </a:r>
@@ -47515,6 +50759,10 @@
               <a:solidFill>
                 <a:schemeClr val="dk1"/>
               </a:solidFill>
+              <a:latin typeface="Montserrat"/>
+              <a:ea typeface="Montserrat"/>
+              <a:cs typeface="Montserrat"/>
+              <a:sym typeface="Montserrat"/>
             </a:endParaRPr>
           </a:p>
           <a:p>
@@ -47529,6 +50777,7 @@
                 <a:schemeClr val="dk1"/>
               </a:buClr>
               <a:buSzPts val="2400"/>
+              <a:buFont typeface="Montserrat"/>
               <a:buChar char="■"/>
             </a:pPr>
             <a:r>
@@ -47536,6 +50785,10 @@
                 <a:solidFill>
                   <a:schemeClr val="dk1"/>
                 </a:solidFill>
+                <a:latin typeface="Montserrat"/>
+                <a:ea typeface="Montserrat"/>
+                <a:cs typeface="Montserrat"/>
+                <a:sym typeface="Montserrat"/>
               </a:rPr>
               <a:t>UMS (User-mode scheduling) threads</a:t>
             </a:r>
@@ -47543,6 +50796,10 @@
               <a:solidFill>
                 <a:schemeClr val="dk1"/>
               </a:solidFill>
+              <a:latin typeface="Montserrat"/>
+              <a:ea typeface="Montserrat"/>
+              <a:cs typeface="Montserrat"/>
+              <a:sym typeface="Montserrat"/>
             </a:endParaRPr>
           </a:p>
           <a:p>
@@ -47557,6 +50814,7 @@
                 <a:schemeClr val="dk1"/>
               </a:buClr>
               <a:buSzPts val="2400"/>
+              <a:buFont typeface="Montserrat"/>
               <a:buChar char="■"/>
             </a:pPr>
             <a:r>
@@ -47564,6 +50822,10 @@
                 <a:solidFill>
                   <a:schemeClr val="dk1"/>
                 </a:solidFill>
+                <a:latin typeface="Montserrat"/>
+                <a:ea typeface="Montserrat"/>
+                <a:cs typeface="Montserrat"/>
+                <a:sym typeface="Montserrat"/>
               </a:rPr>
               <a:t>Fibres</a:t>
             </a:r>
@@ -47571,6 +50833,10 @@
               <a:solidFill>
                 <a:schemeClr val="dk1"/>
               </a:solidFill>
+              <a:latin typeface="Montserrat"/>
+              <a:ea typeface="Montserrat"/>
+              <a:cs typeface="Montserrat"/>
+              <a:sym typeface="Montserrat"/>
             </a:endParaRPr>
           </a:p>
           <a:p>
@@ -47585,6 +50851,7 @@
                 <a:schemeClr val="dk1"/>
               </a:buClr>
               <a:buSzPts val="2400"/>
+              <a:buFont typeface="Montserrat"/>
               <a:buChar char="●"/>
             </a:pPr>
             <a:r>
@@ -47592,6 +50859,10 @@
                 <a:solidFill>
                   <a:schemeClr val="dk1"/>
                 </a:solidFill>
+                <a:latin typeface="Montserrat"/>
+                <a:ea typeface="Montserrat"/>
+                <a:cs typeface="Montserrat"/>
+                <a:sym typeface="Montserrat"/>
               </a:rPr>
               <a:t>Вытесняющая</a:t>
             </a:r>
@@ -47599,6 +50870,10 @@
               <a:solidFill>
                 <a:schemeClr val="dk1"/>
               </a:solidFill>
+              <a:latin typeface="Montserrat"/>
+              <a:ea typeface="Montserrat"/>
+              <a:cs typeface="Montserrat"/>
+              <a:sym typeface="Montserrat"/>
             </a:endParaRPr>
           </a:p>
           <a:p>
@@ -47613,6 +50888,7 @@
                 <a:schemeClr val="dk1"/>
               </a:buClr>
               <a:buSzPts val="2400"/>
+              <a:buFont typeface="Montserrat"/>
               <a:buChar char="○"/>
             </a:pPr>
             <a:r>
@@ -47620,6 +50896,10 @@
                 <a:solidFill>
                   <a:schemeClr val="dk1"/>
                 </a:solidFill>
+                <a:latin typeface="Montserrat"/>
+                <a:ea typeface="Montserrat"/>
+                <a:cs typeface="Montserrat"/>
+                <a:sym typeface="Montserrat"/>
               </a:rPr>
               <a:t>Планировщик ОС принудительно </a:t>
             </a:r>
@@ -47628,6 +50908,10 @@
                 <a:solidFill>
                   <a:schemeClr val="dk1"/>
                 </a:solidFill>
+                <a:latin typeface="Montserrat"/>
+                <a:ea typeface="Montserrat"/>
+                <a:cs typeface="Montserrat"/>
+                <a:sym typeface="Montserrat"/>
               </a:rPr>
             </a:br>
             <a:r>
@@ -47635,6 +50919,10 @@
                 <a:solidFill>
                   <a:schemeClr val="dk1"/>
                 </a:solidFill>
+                <a:latin typeface="Montserrat"/>
+                <a:ea typeface="Montserrat"/>
+                <a:cs typeface="Montserrat"/>
+                <a:sym typeface="Montserrat"/>
               </a:rPr>
               <a:t>переключает ядра процессора между потоками учитывая приоритеты</a:t>
             </a:r>
@@ -47642,6 +50930,10 @@
               <a:solidFill>
                 <a:schemeClr val="dk1"/>
               </a:solidFill>
+              <a:latin typeface="Montserrat"/>
+              <a:ea typeface="Montserrat"/>
+              <a:cs typeface="Montserrat"/>
+              <a:sym typeface="Montserrat"/>
             </a:endParaRPr>
           </a:p>
         </p:txBody>
@@ -47787,6 +51079,285 @@
 </file>
 
 <file path=ppt/theme/theme1.xml><?xml version="1.0" encoding="utf-8"?>
+<a:theme xmlns:a="http://schemas.openxmlformats.org/drawingml/2006/main" xmlns:r="http://schemas.openxmlformats.org/officeDocument/2006/relationships" name="Simple Dark">
+  <a:themeElements>
+    <a:clrScheme name="Simple Dark">
+      <a:dk1>
+        <a:srgbClr val="FFFFFF"/>
+      </a:dk1>
+      <a:lt1>
+        <a:srgbClr val="212121"/>
+      </a:lt1>
+      <a:dk2>
+        <a:srgbClr val="303030"/>
+      </a:dk2>
+      <a:lt2>
+        <a:srgbClr val="ADADAD"/>
+      </a:lt2>
+      <a:accent1>
+        <a:srgbClr val="009688"/>
+      </a:accent1>
+      <a:accent2>
+        <a:srgbClr val="EEEEEE"/>
+      </a:accent2>
+      <a:accent3>
+        <a:srgbClr val="78909C"/>
+      </a:accent3>
+      <a:accent4>
+        <a:srgbClr val="FFAB40"/>
+      </a:accent4>
+      <a:accent5>
+        <a:srgbClr val="4DD0E1"/>
+      </a:accent5>
+      <a:accent6>
+        <a:srgbClr val="EEFF41"/>
+      </a:accent6>
+      <a:hlink>
+        <a:srgbClr val="4DD0E1"/>
+      </a:hlink>
+      <a:folHlink>
+        <a:srgbClr val="4DD0E1"/>
+      </a:folHlink>
+    </a:clrScheme>
+    <a:fontScheme name="Office">
+      <a:majorFont>
+        <a:latin typeface="Arial"/>
+        <a:ea typeface=""/>
+        <a:cs typeface=""/>
+        <a:font script="Jpan" typeface="ＭＳ Ｐゴシック"/>
+        <a:font script="Hang" typeface="맑은 고딕"/>
+        <a:font script="Hans" typeface="宋体"/>
+        <a:font script="Hant" typeface="新細明體"/>
+        <a:font script="Arab" typeface="Times New Roman"/>
+        <a:font script="Hebr" typeface="Times New Roman"/>
+        <a:font script="Thai" typeface="Angsana New"/>
+        <a:font script="Ethi" typeface="Nyala"/>
+        <a:font script="Beng" typeface="Vrinda"/>
+        <a:font script="Gujr" typeface="Shruti"/>
+        <a:font script="Khmr" typeface="MoolBoran"/>
+        <a:font script="Knda" typeface="Tunga"/>
+        <a:font script="Guru" typeface="Raavi"/>
+        <a:font script="Cans" typeface="Euphemia"/>
+        <a:font script="Cher" typeface="Plantagenet Cherokee"/>
+        <a:font script="Yiii" typeface="Microsoft Yi Baiti"/>
+        <a:font script="Tibt" typeface="Microsoft Himalaya"/>
+        <a:font script="Thaa" typeface="MV Boli"/>
+        <a:font script="Deva" typeface="Mangal"/>
+        <a:font script="Telu" typeface="Gautami"/>
+        <a:font script="Taml" typeface="Latha"/>
+        <a:font script="Syrc" typeface="Estrangelo Edessa"/>
+        <a:font script="Orya" typeface="Kalinga"/>
+        <a:font script="Mlym" typeface="Kartika"/>
+        <a:font script="Laoo" typeface="DokChampa"/>
+        <a:font script="Sinh" typeface="Iskoola Pota"/>
+        <a:font script="Mong" typeface="Mongolian Baiti"/>
+        <a:font script="Viet" typeface="Times New Roman"/>
+        <a:font script="Uigh" typeface="Microsoft Uighur"/>
+        <a:font script="Geor" typeface="Sylfaen"/>
+      </a:majorFont>
+      <a:minorFont>
+        <a:latin typeface="Arial"/>
+        <a:ea typeface=""/>
+        <a:cs typeface=""/>
+        <a:font script="Jpan" typeface="ＭＳ Ｐゴシック"/>
+        <a:font script="Hang" typeface="맑은 고딕"/>
+        <a:font script="Hans" typeface="宋体"/>
+        <a:font script="Hant" typeface="新細明體"/>
+        <a:font script="Arab" typeface="Arial"/>
+        <a:font script="Hebr" typeface="Arial"/>
+        <a:font script="Thai" typeface="Cordia New"/>
+        <a:font script="Ethi" typeface="Nyala"/>
+        <a:font script="Beng" typeface="Vrinda"/>
+        <a:font script="Gujr" typeface="Shruti"/>
+        <a:font script="Khmr" typeface="DaunPenh"/>
+        <a:font script="Knda" typeface="Tunga"/>
+        <a:font script="Guru" typeface="Raavi"/>
+        <a:font script="Cans" typeface="Euphemia"/>
+        <a:font script="Cher" typeface="Plantagenet Cherokee"/>
+        <a:font script="Yiii" typeface="Microsoft Yi Baiti"/>
+        <a:font script="Tibt" typeface="Microsoft Himalaya"/>
+        <a:font script="Thaa" typeface="MV Boli"/>
+        <a:font script="Deva" typeface="Mangal"/>
+        <a:font script="Telu" typeface="Gautami"/>
+        <a:font script="Taml" typeface="Latha"/>
+        <a:font script="Syrc" typeface="Estrangelo Edessa"/>
+        <a:font script="Orya" typeface="Kalinga"/>
+        <a:font script="Mlym" typeface="Kartika"/>
+        <a:font script="Laoo" typeface="DokChampa"/>
+        <a:font script="Sinh" typeface="Iskoola Pota"/>
+        <a:font script="Mong" typeface="Mongolian Baiti"/>
+        <a:font script="Viet" typeface="Arial"/>
+        <a:font script="Uigh" typeface="Microsoft Uighur"/>
+        <a:font script="Geor" typeface="Sylfaen"/>
+      </a:minorFont>
+    </a:fontScheme>
+    <a:fmtScheme name="Office">
+      <a:fillStyleLst>
+        <a:solidFill>
+          <a:schemeClr val="phClr"/>
+        </a:solidFill>
+        <a:gradFill rotWithShape="1">
+          <a:gsLst>
+            <a:gs pos="0">
+              <a:schemeClr val="phClr">
+                <a:tint val="50000"/>
+                <a:satMod val="300000"/>
+              </a:schemeClr>
+            </a:gs>
+            <a:gs pos="35000">
+              <a:schemeClr val="phClr">
+                <a:tint val="37000"/>
+                <a:satMod val="300000"/>
+              </a:schemeClr>
+            </a:gs>
+            <a:gs pos="100000">
+              <a:schemeClr val="phClr">
+                <a:tint val="15000"/>
+                <a:satMod val="350000"/>
+              </a:schemeClr>
+            </a:gs>
+          </a:gsLst>
+          <a:lin ang="16200000" scaled="1"/>
+        </a:gradFill>
+        <a:gradFill rotWithShape="1">
+          <a:gsLst>
+            <a:gs pos="0">
+              <a:schemeClr val="phClr">
+                <a:tint val="100000"/>
+                <a:shade val="100000"/>
+                <a:satMod val="130000"/>
+              </a:schemeClr>
+            </a:gs>
+            <a:gs pos="100000">
+              <a:schemeClr val="phClr">
+                <a:tint val="50000"/>
+                <a:shade val="100000"/>
+                <a:satMod val="350000"/>
+              </a:schemeClr>
+            </a:gs>
+          </a:gsLst>
+          <a:lin ang="16200000" scaled="0"/>
+        </a:gradFill>
+      </a:fillStyleLst>
+      <a:lnStyleLst>
+        <a:ln w="9525" cap="flat" cmpd="sng" algn="ctr">
+          <a:solidFill>
+            <a:schemeClr val="phClr">
+              <a:shade val="95000"/>
+              <a:satMod val="105000"/>
+            </a:schemeClr>
+          </a:solidFill>
+          <a:prstDash val="solid"/>
+        </a:ln>
+        <a:ln w="25400" cap="flat" cmpd="sng" algn="ctr">
+          <a:solidFill>
+            <a:schemeClr val="phClr"/>
+          </a:solidFill>
+          <a:prstDash val="solid"/>
+        </a:ln>
+        <a:ln w="38100" cap="flat" cmpd="sng" algn="ctr">
+          <a:solidFill>
+            <a:schemeClr val="phClr"/>
+          </a:solidFill>
+          <a:prstDash val="solid"/>
+        </a:ln>
+      </a:lnStyleLst>
+      <a:effectStyleLst>
+        <a:effectStyle>
+          <a:effectLst>
+            <a:outerShdw blurRad="40000" dist="20000" dir="5400000" rotWithShape="0">
+              <a:srgbClr val="000000">
+                <a:alpha val="38000"/>
+              </a:srgbClr>
+            </a:outerShdw>
+          </a:effectLst>
+        </a:effectStyle>
+        <a:effectStyle>
+          <a:effectLst>
+            <a:outerShdw blurRad="40000" dist="23000" dir="5400000" rotWithShape="0">
+              <a:srgbClr val="000000">
+                <a:alpha val="35000"/>
+              </a:srgbClr>
+            </a:outerShdw>
+          </a:effectLst>
+        </a:effectStyle>
+        <a:effectStyle>
+          <a:effectLst>
+            <a:outerShdw blurRad="40000" dist="23000" dir="5400000" rotWithShape="0">
+              <a:srgbClr val="000000">
+                <a:alpha val="35000"/>
+              </a:srgbClr>
+            </a:outerShdw>
+          </a:effectLst>
+          <a:scene3d>
+            <a:camera prst="orthographicFront">
+              <a:rot lat="0" lon="0" rev="0"/>
+            </a:camera>
+            <a:lightRig rig="threePt" dir="t">
+              <a:rot lat="0" lon="0" rev="1200000"/>
+            </a:lightRig>
+          </a:scene3d>
+          <a:sp3d>
+            <a:bevelT w="63500" h="25400"/>
+          </a:sp3d>
+        </a:effectStyle>
+      </a:effectStyleLst>
+      <a:bgFillStyleLst>
+        <a:solidFill>
+          <a:schemeClr val="phClr"/>
+        </a:solidFill>
+        <a:gradFill rotWithShape="1">
+          <a:gsLst>
+            <a:gs pos="0">
+              <a:schemeClr val="phClr">
+                <a:tint val="40000"/>
+                <a:satMod val="350000"/>
+              </a:schemeClr>
+            </a:gs>
+            <a:gs pos="40000">
+              <a:schemeClr val="phClr">
+                <a:tint val="45000"/>
+                <a:shade val="99000"/>
+                <a:satMod val="350000"/>
+              </a:schemeClr>
+            </a:gs>
+            <a:gs pos="100000">
+              <a:schemeClr val="phClr">
+                <a:shade val="20000"/>
+                <a:satMod val="255000"/>
+              </a:schemeClr>
+            </a:gs>
+          </a:gsLst>
+          <a:path path="circle">
+            <a:fillToRect l="50000" t="-80000" r="50000" b="180000"/>
+          </a:path>
+        </a:gradFill>
+        <a:gradFill rotWithShape="1">
+          <a:gsLst>
+            <a:gs pos="0">
+              <a:schemeClr val="phClr">
+                <a:tint val="80000"/>
+                <a:satMod val="300000"/>
+              </a:schemeClr>
+            </a:gs>
+            <a:gs pos="100000">
+              <a:schemeClr val="phClr">
+                <a:shade val="30000"/>
+                <a:satMod val="200000"/>
+              </a:schemeClr>
+            </a:gs>
+          </a:gsLst>
+          <a:path path="circle">
+            <a:fillToRect l="50000" t="50000" r="50000" b="50000"/>
+          </a:path>
+        </a:gradFill>
+      </a:bgFillStyleLst>
+    </a:fmtScheme>
+  </a:themeElements>
+</a:theme>
+</file>
+
+<file path=ppt/theme/theme2.xml><?xml version="1.0" encoding="utf-8"?>
 <a:theme xmlns:a="http://schemas.openxmlformats.org/drawingml/2006/main" xmlns:r="http://schemas.openxmlformats.org/officeDocument/2006/relationships" name="Тема Office">
   <a:themeElements>
     <a:clrScheme name="Стандартная">
@@ -48063,283 +51634,4 @@
     </a:fmtScheme>
   </a:themeElements>
 </a:theme>
-</file>
-
-<file path=ppt/theme/theme2.xml><?xml version="1.0" encoding="utf-8"?>
-<a:theme xmlns:a="http://schemas.openxmlformats.org/drawingml/2006/main" xmlns:r="http://schemas.openxmlformats.org/officeDocument/2006/relationships" name="Simple Dark">
-  <a:themeElements>
-    <a:clrScheme name="Simple Dark">
-      <a:dk1>
-        <a:srgbClr val="FFFFFF"/>
-      </a:dk1>
-      <a:lt1>
-        <a:srgbClr val="212121"/>
-      </a:lt1>
-      <a:dk2>
-        <a:srgbClr val="303030"/>
-      </a:dk2>
-      <a:lt2>
-        <a:srgbClr val="ADADAD"/>
-      </a:lt2>
-      <a:accent1>
-        <a:srgbClr val="009688"/>
-      </a:accent1>
-      <a:accent2>
-        <a:srgbClr val="EEEEEE"/>
-      </a:accent2>
-      <a:accent3>
-        <a:srgbClr val="78909C"/>
-      </a:accent3>
-      <a:accent4>
-        <a:srgbClr val="FFAB40"/>
-      </a:accent4>
-      <a:accent5>
-        <a:srgbClr val="4DD0E1"/>
-      </a:accent5>
-      <a:accent6>
-        <a:srgbClr val="EEFF41"/>
-      </a:accent6>
-      <a:hlink>
-        <a:srgbClr val="4DD0E1"/>
-      </a:hlink>
-      <a:folHlink>
-        <a:srgbClr val="4DD0E1"/>
-      </a:folHlink>
-    </a:clrScheme>
-    <a:fontScheme name="Office">
-      <a:majorFont>
-        <a:latin typeface="Arial"/>
-        <a:ea typeface=""/>
-        <a:cs typeface=""/>
-        <a:font script="Jpan" typeface="ＭＳ Ｐゴシック"/>
-        <a:font script="Hang" typeface="맑은 고딕"/>
-        <a:font script="Hans" typeface="宋体"/>
-        <a:font script="Hant" typeface="新細明體"/>
-        <a:font script="Arab" typeface="Times New Roman"/>
-        <a:font script="Hebr" typeface="Times New Roman"/>
-        <a:font script="Thai" typeface="Angsana New"/>
-        <a:font script="Ethi" typeface="Nyala"/>
-        <a:font script="Beng" typeface="Vrinda"/>
-        <a:font script="Gujr" typeface="Shruti"/>
-        <a:font script="Khmr" typeface="MoolBoran"/>
-        <a:font script="Knda" typeface="Tunga"/>
-        <a:font script="Guru" typeface="Raavi"/>
-        <a:font script="Cans" typeface="Euphemia"/>
-        <a:font script="Cher" typeface="Plantagenet Cherokee"/>
-        <a:font script="Yiii" typeface="Microsoft Yi Baiti"/>
-        <a:font script="Tibt" typeface="Microsoft Himalaya"/>
-        <a:font script="Thaa" typeface="MV Boli"/>
-        <a:font script="Deva" typeface="Mangal"/>
-        <a:font script="Telu" typeface="Gautami"/>
-        <a:font script="Taml" typeface="Latha"/>
-        <a:font script="Syrc" typeface="Estrangelo Edessa"/>
-        <a:font script="Orya" typeface="Kalinga"/>
-        <a:font script="Mlym" typeface="Kartika"/>
-        <a:font script="Laoo" typeface="DokChampa"/>
-        <a:font script="Sinh" typeface="Iskoola Pota"/>
-        <a:font script="Mong" typeface="Mongolian Baiti"/>
-        <a:font script="Viet" typeface="Times New Roman"/>
-        <a:font script="Uigh" typeface="Microsoft Uighur"/>
-        <a:font script="Geor" typeface="Sylfaen"/>
-      </a:majorFont>
-      <a:minorFont>
-        <a:latin typeface="Arial"/>
-        <a:ea typeface=""/>
-        <a:cs typeface=""/>
-        <a:font script="Jpan" typeface="ＭＳ Ｐゴシック"/>
-        <a:font script="Hang" typeface="맑은 고딕"/>
-        <a:font script="Hans" typeface="宋体"/>
-        <a:font script="Hant" typeface="新細明體"/>
-        <a:font script="Arab" typeface="Arial"/>
-        <a:font script="Hebr" typeface="Arial"/>
-        <a:font script="Thai" typeface="Cordia New"/>
-        <a:font script="Ethi" typeface="Nyala"/>
-        <a:font script="Beng" typeface="Vrinda"/>
-        <a:font script="Gujr" typeface="Shruti"/>
-        <a:font script="Khmr" typeface="DaunPenh"/>
-        <a:font script="Knda" typeface="Tunga"/>
-        <a:font script="Guru" typeface="Raavi"/>
-        <a:font script="Cans" typeface="Euphemia"/>
-        <a:font script="Cher" typeface="Plantagenet Cherokee"/>
-        <a:font script="Yiii" typeface="Microsoft Yi Baiti"/>
-        <a:font script="Tibt" typeface="Microsoft Himalaya"/>
-        <a:font script="Thaa" typeface="MV Boli"/>
-        <a:font script="Deva" typeface="Mangal"/>
-        <a:font script="Telu" typeface="Gautami"/>
-        <a:font script="Taml" typeface="Latha"/>
-        <a:font script="Syrc" typeface="Estrangelo Edessa"/>
-        <a:font script="Orya" typeface="Kalinga"/>
-        <a:font script="Mlym" typeface="Kartika"/>
-        <a:font script="Laoo" typeface="DokChampa"/>
-        <a:font script="Sinh" typeface="Iskoola Pota"/>
-        <a:font script="Mong" typeface="Mongolian Baiti"/>
-        <a:font script="Viet" typeface="Arial"/>
-        <a:font script="Uigh" typeface="Microsoft Uighur"/>
-        <a:font script="Geor" typeface="Sylfaen"/>
-      </a:minorFont>
-    </a:fontScheme>
-    <a:fmtScheme name="Office">
-      <a:fillStyleLst>
-        <a:solidFill>
-          <a:schemeClr val="phClr"/>
-        </a:solidFill>
-        <a:gradFill rotWithShape="1">
-          <a:gsLst>
-            <a:gs pos="0">
-              <a:schemeClr val="phClr">
-                <a:tint val="50000"/>
-                <a:satMod val="300000"/>
-              </a:schemeClr>
-            </a:gs>
-            <a:gs pos="35000">
-              <a:schemeClr val="phClr">
-                <a:tint val="37000"/>
-                <a:satMod val="300000"/>
-              </a:schemeClr>
-            </a:gs>
-            <a:gs pos="100000">
-              <a:schemeClr val="phClr">
-                <a:tint val="15000"/>
-                <a:satMod val="350000"/>
-              </a:schemeClr>
-            </a:gs>
-          </a:gsLst>
-          <a:lin ang="16200000" scaled="1"/>
-        </a:gradFill>
-        <a:gradFill rotWithShape="1">
-          <a:gsLst>
-            <a:gs pos="0">
-              <a:schemeClr val="phClr">
-                <a:tint val="100000"/>
-                <a:shade val="100000"/>
-                <a:satMod val="130000"/>
-              </a:schemeClr>
-            </a:gs>
-            <a:gs pos="100000">
-              <a:schemeClr val="phClr">
-                <a:tint val="50000"/>
-                <a:shade val="100000"/>
-                <a:satMod val="350000"/>
-              </a:schemeClr>
-            </a:gs>
-          </a:gsLst>
-          <a:lin ang="16200000" scaled="0"/>
-        </a:gradFill>
-      </a:fillStyleLst>
-      <a:lnStyleLst>
-        <a:ln w="9525" cap="flat" cmpd="sng" algn="ctr">
-          <a:solidFill>
-            <a:schemeClr val="phClr">
-              <a:shade val="95000"/>
-              <a:satMod val="105000"/>
-            </a:schemeClr>
-          </a:solidFill>
-          <a:prstDash val="solid"/>
-        </a:ln>
-        <a:ln w="25400" cap="flat" cmpd="sng" algn="ctr">
-          <a:solidFill>
-            <a:schemeClr val="phClr"/>
-          </a:solidFill>
-          <a:prstDash val="solid"/>
-        </a:ln>
-        <a:ln w="38100" cap="flat" cmpd="sng" algn="ctr">
-          <a:solidFill>
-            <a:schemeClr val="phClr"/>
-          </a:solidFill>
-          <a:prstDash val="solid"/>
-        </a:ln>
-      </a:lnStyleLst>
-      <a:effectStyleLst>
-        <a:effectStyle>
-          <a:effectLst>
-            <a:outerShdw blurRad="40000" dist="20000" dir="5400000" rotWithShape="0">
-              <a:srgbClr val="000000">
-                <a:alpha val="38000"/>
-              </a:srgbClr>
-            </a:outerShdw>
-          </a:effectLst>
-        </a:effectStyle>
-        <a:effectStyle>
-          <a:effectLst>
-            <a:outerShdw blurRad="40000" dist="23000" dir="5400000" rotWithShape="0">
-              <a:srgbClr val="000000">
-                <a:alpha val="35000"/>
-              </a:srgbClr>
-            </a:outerShdw>
-          </a:effectLst>
-        </a:effectStyle>
-        <a:effectStyle>
-          <a:effectLst>
-            <a:outerShdw blurRad="40000" dist="23000" dir="5400000" rotWithShape="0">
-              <a:srgbClr val="000000">
-                <a:alpha val="35000"/>
-              </a:srgbClr>
-            </a:outerShdw>
-          </a:effectLst>
-          <a:scene3d>
-            <a:camera prst="orthographicFront">
-              <a:rot lat="0" lon="0" rev="0"/>
-            </a:camera>
-            <a:lightRig rig="threePt" dir="t">
-              <a:rot lat="0" lon="0" rev="1200000"/>
-            </a:lightRig>
-          </a:scene3d>
-          <a:sp3d>
-            <a:bevelT w="63500" h="25400"/>
-          </a:sp3d>
-        </a:effectStyle>
-      </a:effectStyleLst>
-      <a:bgFillStyleLst>
-        <a:solidFill>
-          <a:schemeClr val="phClr"/>
-        </a:solidFill>
-        <a:gradFill rotWithShape="1">
-          <a:gsLst>
-            <a:gs pos="0">
-              <a:schemeClr val="phClr">
-                <a:tint val="40000"/>
-                <a:satMod val="350000"/>
-              </a:schemeClr>
-            </a:gs>
-            <a:gs pos="40000">
-              <a:schemeClr val="phClr">
-                <a:tint val="45000"/>
-                <a:shade val="99000"/>
-                <a:satMod val="350000"/>
-              </a:schemeClr>
-            </a:gs>
-            <a:gs pos="100000">
-              <a:schemeClr val="phClr">
-                <a:shade val="20000"/>
-                <a:satMod val="255000"/>
-              </a:schemeClr>
-            </a:gs>
-          </a:gsLst>
-          <a:path path="circle">
-            <a:fillToRect l="50000" t="-80000" r="50000" b="180000"/>
-          </a:path>
-        </a:gradFill>
-        <a:gradFill rotWithShape="1">
-          <a:gsLst>
-            <a:gs pos="0">
-              <a:schemeClr val="phClr">
-                <a:tint val="80000"/>
-                <a:satMod val="300000"/>
-              </a:schemeClr>
-            </a:gs>
-            <a:gs pos="100000">
-              <a:schemeClr val="phClr">
-                <a:shade val="30000"/>
-                <a:satMod val="200000"/>
-              </a:schemeClr>
-            </a:gs>
-          </a:gsLst>
-          <a:path path="circle">
-            <a:fillToRect l="50000" t="50000" r="50000" b="50000"/>
-          </a:path>
-        </a:gradFill>
-      </a:bgFillStyleLst>
-    </a:fmtScheme>
-  </a:themeElements>
-</a:theme>
 </file>